--- a/Course notes/RL/RL笔记.pptx
+++ b/Course notes/RL/RL笔记.pptx
@@ -5,9 +5,11 @@
     <p:sldMasterId id="2147483648" r:id="rId1"/>
   </p:sldMasterIdLst>
   <p:sldIdLst>
-    <p:sldId id="258" r:id="rId2"/>
-    <p:sldId id="256" r:id="rId3"/>
-    <p:sldId id="257" r:id="rId4"/>
+    <p:sldId id="260" r:id="rId2"/>
+    <p:sldId id="258" r:id="rId3"/>
+    <p:sldId id="256" r:id="rId4"/>
+    <p:sldId id="257" r:id="rId5"/>
+    <p:sldId id="259" r:id="rId6"/>
   </p:sldIdLst>
   <p:sldSz cx="12192000" cy="6858000"/>
   <p:notesSz cx="6858000" cy="9144000"/>
@@ -106,6 +108,11 @@
       </a:defRPr>
     </a:lvl9pPr>
   </p:defaultTextStyle>
+  <p:extLst>
+    <p:ext uri="{EFAFB233-063F-42B5-8137-9DF3F51BA10A}">
+      <p15:sldGuideLst xmlns:p15="http://schemas.microsoft.com/office/powerpoint/2012/main"/>
+    </p:ext>
+  </p:extLst>
 </p:presentation>
 </file>
 
@@ -256,7 +263,7 @@
           <a:p>
             <a:fld id="{D887613D-9186-48B9-8AAA-B460B07AA50E}" type="datetimeFigureOut">
               <a:rPr lang="zh-CN" altLang="en-US" smtClean="0"/>
-              <a:t>2023/12/4</a:t>
+              <a:t>2024/1/8</a:t>
             </a:fld>
             <a:endParaRPr lang="zh-CN" altLang="en-US"/>
           </a:p>
@@ -454,7 +461,7 @@
           <a:p>
             <a:fld id="{D887613D-9186-48B9-8AAA-B460B07AA50E}" type="datetimeFigureOut">
               <a:rPr lang="zh-CN" altLang="en-US" smtClean="0"/>
-              <a:t>2023/12/4</a:t>
+              <a:t>2024/1/8</a:t>
             </a:fld>
             <a:endParaRPr lang="zh-CN" altLang="en-US"/>
           </a:p>
@@ -662,7 +669,7 @@
           <a:p>
             <a:fld id="{D887613D-9186-48B9-8AAA-B460B07AA50E}" type="datetimeFigureOut">
               <a:rPr lang="zh-CN" altLang="en-US" smtClean="0"/>
-              <a:t>2023/12/4</a:t>
+              <a:t>2024/1/8</a:t>
             </a:fld>
             <a:endParaRPr lang="zh-CN" altLang="en-US"/>
           </a:p>
@@ -860,7 +867,7 @@
           <a:p>
             <a:fld id="{D887613D-9186-48B9-8AAA-B460B07AA50E}" type="datetimeFigureOut">
               <a:rPr lang="zh-CN" altLang="en-US" smtClean="0"/>
-              <a:t>2023/12/4</a:t>
+              <a:t>2024/1/8</a:t>
             </a:fld>
             <a:endParaRPr lang="zh-CN" altLang="en-US"/>
           </a:p>
@@ -1135,7 +1142,7 @@
           <a:p>
             <a:fld id="{D887613D-9186-48B9-8AAA-B460B07AA50E}" type="datetimeFigureOut">
               <a:rPr lang="zh-CN" altLang="en-US" smtClean="0"/>
-              <a:t>2023/12/4</a:t>
+              <a:t>2024/1/8</a:t>
             </a:fld>
             <a:endParaRPr lang="zh-CN" altLang="en-US"/>
           </a:p>
@@ -1400,7 +1407,7 @@
           <a:p>
             <a:fld id="{D887613D-9186-48B9-8AAA-B460B07AA50E}" type="datetimeFigureOut">
               <a:rPr lang="zh-CN" altLang="en-US" smtClean="0"/>
-              <a:t>2023/12/4</a:t>
+              <a:t>2024/1/8</a:t>
             </a:fld>
             <a:endParaRPr lang="zh-CN" altLang="en-US"/>
           </a:p>
@@ -1812,7 +1819,7 @@
           <a:p>
             <a:fld id="{D887613D-9186-48B9-8AAA-B460B07AA50E}" type="datetimeFigureOut">
               <a:rPr lang="zh-CN" altLang="en-US" smtClean="0"/>
-              <a:t>2023/12/4</a:t>
+              <a:t>2024/1/8</a:t>
             </a:fld>
             <a:endParaRPr lang="zh-CN" altLang="en-US"/>
           </a:p>
@@ -1953,7 +1960,7 @@
           <a:p>
             <a:fld id="{D887613D-9186-48B9-8AAA-B460B07AA50E}" type="datetimeFigureOut">
               <a:rPr lang="zh-CN" altLang="en-US" smtClean="0"/>
-              <a:t>2023/12/4</a:t>
+              <a:t>2024/1/8</a:t>
             </a:fld>
             <a:endParaRPr lang="zh-CN" altLang="en-US"/>
           </a:p>
@@ -2066,7 +2073,7 @@
           <a:p>
             <a:fld id="{D887613D-9186-48B9-8AAA-B460B07AA50E}" type="datetimeFigureOut">
               <a:rPr lang="zh-CN" altLang="en-US" smtClean="0"/>
-              <a:t>2023/12/4</a:t>
+              <a:t>2024/1/8</a:t>
             </a:fld>
             <a:endParaRPr lang="zh-CN" altLang="en-US"/>
           </a:p>
@@ -2377,7 +2384,7 @@
           <a:p>
             <a:fld id="{D887613D-9186-48B9-8AAA-B460B07AA50E}" type="datetimeFigureOut">
               <a:rPr lang="zh-CN" altLang="en-US" smtClean="0"/>
-              <a:t>2023/12/4</a:t>
+              <a:t>2024/1/8</a:t>
             </a:fld>
             <a:endParaRPr lang="zh-CN" altLang="en-US"/>
           </a:p>
@@ -2665,7 +2672,7 @@
           <a:p>
             <a:fld id="{D887613D-9186-48B9-8AAA-B460B07AA50E}" type="datetimeFigureOut">
               <a:rPr lang="zh-CN" altLang="en-US" smtClean="0"/>
-              <a:t>2023/12/4</a:t>
+              <a:t>2024/1/8</a:t>
             </a:fld>
             <a:endParaRPr lang="zh-CN" altLang="en-US"/>
           </a:p>
@@ -2906,7 +2913,7 @@
           <a:p>
             <a:fld id="{D887613D-9186-48B9-8AAA-B460B07AA50E}" type="datetimeFigureOut">
               <a:rPr lang="zh-CN" altLang="en-US" smtClean="0"/>
-              <a:t>2023/12/4</a:t>
+              <a:t>2024/1/8</a:t>
             </a:fld>
             <a:endParaRPr lang="zh-CN" altLang="en-US"/>
           </a:p>
@@ -3307,6 +3314,66 @@
 </file>
 
 <file path=ppt/slides/slide1.xml><?xml version="1.0" encoding="utf-8"?>
+<p:sld xmlns:a="http://schemas.openxmlformats.org/drawingml/2006/main" xmlns:r="http://schemas.openxmlformats.org/officeDocument/2006/relationships" xmlns:p="http://schemas.openxmlformats.org/presentationml/2006/main">
+  <p:cSld>
+    <p:spTree>
+      <p:nvGrpSpPr>
+        <p:cNvPr id="1" name=""/>
+        <p:cNvGrpSpPr/>
+        <p:nvPr/>
+      </p:nvGrpSpPr>
+      <p:grpSpPr>
+        <a:xfrm>
+          <a:off x="0" y="0"/>
+          <a:ext cx="0" cy="0"/>
+          <a:chOff x="0" y="0"/>
+          <a:chExt cx="0" cy="0"/>
+        </a:xfrm>
+      </p:grpSpPr>
+      <p:pic>
+        <p:nvPicPr>
+          <p:cNvPr id="7" name="图片 6">
+            <a:extLst>
+              <a:ext uri="{FF2B5EF4-FFF2-40B4-BE49-F238E27FC236}">
+                <a16:creationId xmlns:a16="http://schemas.microsoft.com/office/drawing/2014/main" id="{2605293A-4345-1AA6-C844-25DF113012F1}"/>
+              </a:ext>
+            </a:extLst>
+          </p:cNvPr>
+          <p:cNvPicPr>
+            <a:picLocks noChangeAspect="1"/>
+          </p:cNvPicPr>
+          <p:nvPr/>
+        </p:nvPicPr>
+        <p:blipFill>
+          <a:blip r:embed="rId2"/>
+          <a:stretch>
+            <a:fillRect/>
+          </a:stretch>
+        </p:blipFill>
+        <p:spPr>
+          <a:xfrm>
+            <a:off x="1252330" y="511966"/>
+            <a:ext cx="9402418" cy="5662478"/>
+          </a:xfrm>
+          <a:prstGeom prst="rect">
+            <a:avLst/>
+          </a:prstGeom>
+        </p:spPr>
+      </p:pic>
+    </p:spTree>
+    <p:extLst>
+      <p:ext uri="{BB962C8B-B14F-4D97-AF65-F5344CB8AC3E}">
+        <p14:creationId xmlns:p14="http://schemas.microsoft.com/office/powerpoint/2010/main" val="281052203"/>
+      </p:ext>
+    </p:extLst>
+  </p:cSld>
+  <p:clrMapOvr>
+    <a:masterClrMapping/>
+  </p:clrMapOvr>
+</p:sld>
+</file>
+
+<file path=ppt/slides/slide2.xml><?xml version="1.0" encoding="utf-8"?>
 <p:sld xmlns:a="http://schemas.openxmlformats.org/drawingml/2006/main" xmlns:r="http://schemas.openxmlformats.org/officeDocument/2006/relationships" xmlns:p="http://schemas.openxmlformats.org/presentationml/2006/main">
   <p:cSld>
     <p:spTree>
@@ -4299,7 +4366,7 @@
 </p:sld>
 </file>
 
-<file path=ppt/slides/slide2.xml><?xml version="1.0" encoding="utf-8"?>
+<file path=ppt/slides/slide3.xml><?xml version="1.0" encoding="utf-8"?>
 <p:sld xmlns:a="http://schemas.openxmlformats.org/drawingml/2006/main" xmlns:r="http://schemas.openxmlformats.org/officeDocument/2006/relationships" xmlns:p="http://schemas.openxmlformats.org/presentationml/2006/main">
   <p:cSld>
     <p:spTree>
@@ -4316,2278 +4383,6 @@
           <a:chExt cx="0" cy="0"/>
         </a:xfrm>
       </p:grpSpPr>
-      <p:sp>
-        <p:nvSpPr>
-          <p:cNvPr id="85" name="矩形 84">
-            <a:extLst>
-              <a:ext uri="{FF2B5EF4-FFF2-40B4-BE49-F238E27FC236}">
-                <a16:creationId xmlns:a16="http://schemas.microsoft.com/office/drawing/2014/main" id="{AD9E55EF-1402-B039-BA3D-B8932785059F}"/>
-              </a:ext>
-            </a:extLst>
-          </p:cNvPr>
-          <p:cNvSpPr/>
-          <p:nvPr/>
-        </p:nvSpPr>
-        <p:spPr>
-          <a:xfrm>
-            <a:off x="5889062" y="2266951"/>
-            <a:ext cx="5927272" cy="3020786"/>
-          </a:xfrm>
-          <a:prstGeom prst="rect">
-            <a:avLst/>
-          </a:prstGeom>
-          <a:noFill/>
-          <a:ln w="28575">
-            <a:solidFill>
-              <a:schemeClr val="accent6"/>
-            </a:solidFill>
-            <a:prstDash val="dashDot"/>
-          </a:ln>
-        </p:spPr>
-        <p:style>
-          <a:lnRef idx="2">
-            <a:schemeClr val="accent1">
-              <a:shade val="15000"/>
-            </a:schemeClr>
-          </a:lnRef>
-          <a:fillRef idx="1">
-            <a:schemeClr val="accent1"/>
-          </a:fillRef>
-          <a:effectRef idx="0">
-            <a:schemeClr val="accent1"/>
-          </a:effectRef>
-          <a:fontRef idx="minor">
-            <a:schemeClr val="lt1"/>
-          </a:fontRef>
-        </p:style>
-        <p:txBody>
-          <a:bodyPr rtlCol="0" anchor="ctr"/>
-          <a:lstStyle/>
-          <a:p>
-            <a:pPr algn="ctr"/>
-            <a:endParaRPr lang="zh-CN" altLang="en-US"/>
-          </a:p>
-        </p:txBody>
-      </p:sp>
-      <mc:AlternateContent xmlns:mc="http://schemas.openxmlformats.org/markup-compatibility/2006">
-        <mc:Choice xmlns:a14="http://schemas.microsoft.com/office/drawing/2010/main" Requires="a14">
-          <p:sp>
-            <p:nvSpPr>
-              <p:cNvPr id="4" name="矩形 3">
-                <a:extLst>
-                  <a:ext uri="{FF2B5EF4-FFF2-40B4-BE49-F238E27FC236}">
-                    <a16:creationId xmlns:a16="http://schemas.microsoft.com/office/drawing/2014/main" id="{F1E17EC6-CA0E-64CE-8443-5BB9B805581B}"/>
-                  </a:ext>
-                </a:extLst>
-              </p:cNvPr>
-              <p:cNvSpPr/>
-              <p:nvPr/>
-            </p:nvSpPr>
-            <p:spPr>
-              <a:xfrm>
-                <a:off x="2253343" y="3880759"/>
-                <a:ext cx="1540328" cy="424542"/>
-              </a:xfrm>
-              <a:prstGeom prst="rect">
-                <a:avLst/>
-              </a:prstGeom>
-              <a:solidFill>
-                <a:schemeClr val="accent2"/>
-              </a:solidFill>
-            </p:spPr>
-            <p:style>
-              <a:lnRef idx="2">
-                <a:schemeClr val="accent1">
-                  <a:shade val="15000"/>
-                </a:schemeClr>
-              </a:lnRef>
-              <a:fillRef idx="1">
-                <a:schemeClr val="accent1"/>
-              </a:fillRef>
-              <a:effectRef idx="0">
-                <a:schemeClr val="accent1"/>
-              </a:effectRef>
-              <a:fontRef idx="minor">
-                <a:schemeClr val="lt1"/>
-              </a:fontRef>
-            </p:style>
-            <p:txBody>
-              <a:bodyPr rtlCol="0" anchor="ctr"/>
-              <a:lstStyle/>
-              <a:p>
-                <a:pPr algn="ctr"/>
-                <a:r>
-                  <a:rPr lang="en-US" altLang="zh-CN" dirty="0"/>
-                  <a:t>Actor</a:t>
-                </a:r>
-                <a:r>
-                  <a:rPr lang="zh-CN" altLang="en-US" dirty="0"/>
-                  <a:t>：</a:t>
-                </a:r>
-                <a14:m>
-                  <m:oMath xmlns:m="http://schemas.openxmlformats.org/officeDocument/2006/math">
-                    <m:sSub>
-                      <m:sSubPr>
-                        <m:ctrlPr>
-                          <a:rPr lang="en-US" altLang="zh-CN" i="1" smtClean="0">
-                            <a:latin typeface="Cambria Math" panose="02040503050406030204" pitchFamily="18" charset="0"/>
-                          </a:rPr>
-                        </m:ctrlPr>
-                      </m:sSubPr>
-                      <m:e>
-                        <m:r>
-                          <a:rPr lang="zh-CN" altLang="en-US" i="1" smtClean="0">
-                            <a:latin typeface="Cambria Math" panose="02040503050406030204" pitchFamily="18" charset="0"/>
-                          </a:rPr>
-                          <m:t>𝜋</m:t>
-                        </m:r>
-                      </m:e>
-                      <m:sub>
-                        <m:r>
-                          <a:rPr lang="zh-CN" altLang="en-US" i="1" smtClean="0">
-                            <a:latin typeface="Cambria Math" panose="02040503050406030204" pitchFamily="18" charset="0"/>
-                          </a:rPr>
-                          <m:t>𝜃</m:t>
-                        </m:r>
-                      </m:sub>
-                    </m:sSub>
-                    <m:r>
-                      <a:rPr lang="en-US" altLang="zh-CN" b="0" i="1" smtClean="0">
-                        <a:latin typeface="Cambria Math" panose="02040503050406030204" pitchFamily="18" charset="0"/>
-                      </a:rPr>
-                      <m:t>(</m:t>
-                    </m:r>
-                    <m:r>
-                      <a:rPr lang="en-US" altLang="zh-CN" b="0" i="1" smtClean="0">
-                        <a:latin typeface="Cambria Math" panose="02040503050406030204" pitchFamily="18" charset="0"/>
-                      </a:rPr>
-                      <m:t>𝑠</m:t>
-                    </m:r>
-                    <m:r>
-                      <a:rPr lang="en-US" altLang="zh-CN" b="0" i="1" smtClean="0">
-                        <a:latin typeface="Cambria Math" panose="02040503050406030204" pitchFamily="18" charset="0"/>
-                      </a:rPr>
-                      <m:t>)</m:t>
-                    </m:r>
-                  </m:oMath>
-                </a14:m>
-                <a:endParaRPr lang="zh-CN" altLang="en-US" dirty="0"/>
-              </a:p>
-            </p:txBody>
-          </p:sp>
-        </mc:Choice>
-        <mc:Fallback>
-          <p:sp>
-            <p:nvSpPr>
-              <p:cNvPr id="4" name="矩形 3">
-                <a:extLst>
-                  <a:ext uri="{FF2B5EF4-FFF2-40B4-BE49-F238E27FC236}">
-                    <a16:creationId xmlns:a16="http://schemas.microsoft.com/office/drawing/2014/main" id="{F1E17EC6-CA0E-64CE-8443-5BB9B805581B}"/>
-                  </a:ext>
-                </a:extLst>
-              </p:cNvPr>
-              <p:cNvSpPr>
-                <a:spLocks noRot="1" noChangeAspect="1" noMove="1" noResize="1" noEditPoints="1" noAdjustHandles="1" noChangeArrowheads="1" noChangeShapeType="1" noTextEdit="1"/>
-              </p:cNvSpPr>
-              <p:nvPr/>
-            </p:nvSpPr>
-            <p:spPr>
-              <a:xfrm>
-                <a:off x="2253343" y="3880759"/>
-                <a:ext cx="1540328" cy="424542"/>
-              </a:xfrm>
-              <a:prstGeom prst="rect">
-                <a:avLst/>
-              </a:prstGeom>
-              <a:blipFill>
-                <a:blip r:embed="rId2"/>
-                <a:stretch>
-                  <a:fillRect l="-1969" r="-394" b="-14085"/>
-                </a:stretch>
-              </a:blipFill>
-            </p:spPr>
-            <p:txBody>
-              <a:bodyPr/>
-              <a:lstStyle/>
-              <a:p>
-                <a:r>
-                  <a:rPr lang="zh-CN" altLang="en-US">
-                    <a:noFill/>
-                  </a:rPr>
-                  <a:t> </a:t>
-                </a:r>
-              </a:p>
-            </p:txBody>
-          </p:sp>
-        </mc:Fallback>
-      </mc:AlternateContent>
-      <mc:AlternateContent xmlns:mc="http://schemas.openxmlformats.org/markup-compatibility/2006">
-        <mc:Choice xmlns:a14="http://schemas.microsoft.com/office/drawing/2010/main" Requires="a14">
-          <p:sp>
-            <p:nvSpPr>
-              <p:cNvPr id="5" name="矩形 4">
-                <a:extLst>
-                  <a:ext uri="{FF2B5EF4-FFF2-40B4-BE49-F238E27FC236}">
-                    <a16:creationId xmlns:a16="http://schemas.microsoft.com/office/drawing/2014/main" id="{9154D4A6-9D5D-0CEE-78AA-6501FD66BF2A}"/>
-                  </a:ext>
-                </a:extLst>
-              </p:cNvPr>
-              <p:cNvSpPr/>
-              <p:nvPr/>
-            </p:nvSpPr>
-            <p:spPr>
-              <a:xfrm>
-                <a:off x="2081892" y="4904015"/>
-                <a:ext cx="1883228" cy="424542"/>
-              </a:xfrm>
-              <a:prstGeom prst="rect">
-                <a:avLst/>
-              </a:prstGeom>
-            </p:spPr>
-            <p:style>
-              <a:lnRef idx="2">
-                <a:schemeClr val="accent1">
-                  <a:shade val="15000"/>
-                </a:schemeClr>
-              </a:lnRef>
-              <a:fillRef idx="1">
-                <a:schemeClr val="accent1"/>
-              </a:fillRef>
-              <a:effectRef idx="0">
-                <a:schemeClr val="accent1"/>
-              </a:effectRef>
-              <a:fontRef idx="minor">
-                <a:schemeClr val="lt1"/>
-              </a:fontRef>
-            </p:style>
-            <p:txBody>
-              <a:bodyPr rtlCol="0" anchor="ctr"/>
-              <a:lstStyle/>
-              <a:p>
-                <a:pPr algn="ctr"/>
-                <a:r>
-                  <a:rPr lang="en-US" altLang="zh-CN" dirty="0"/>
-                  <a:t>Critic</a:t>
-                </a:r>
-                <a:r>
-                  <a:rPr lang="zh-CN" altLang="en-US" dirty="0"/>
-                  <a:t>：</a:t>
-                </a:r>
-                <a14:m>
-                  <m:oMath xmlns:m="http://schemas.openxmlformats.org/officeDocument/2006/math">
-                    <m:sSub>
-                      <m:sSubPr>
-                        <m:ctrlPr>
-                          <a:rPr lang="en-US" altLang="zh-CN" i="1" smtClean="0">
-                            <a:latin typeface="Cambria Math" panose="02040503050406030204" pitchFamily="18" charset="0"/>
-                          </a:rPr>
-                        </m:ctrlPr>
-                      </m:sSubPr>
-                      <m:e>
-                        <m:acc>
-                          <m:accPr>
-                            <m:chr m:val="̂"/>
-                            <m:ctrlPr>
-                              <a:rPr lang="en-US" altLang="zh-CN" i="1" smtClean="0">
-                                <a:latin typeface="Cambria Math" panose="02040503050406030204" pitchFamily="18" charset="0"/>
-                              </a:rPr>
-                            </m:ctrlPr>
-                          </m:accPr>
-                          <m:e>
-                            <m:r>
-                              <a:rPr lang="en-US" altLang="zh-CN" b="0" i="1" smtClean="0">
-                                <a:latin typeface="Cambria Math" panose="02040503050406030204" pitchFamily="18" charset="0"/>
-                              </a:rPr>
-                              <m:t>𝑞</m:t>
-                            </m:r>
-                          </m:e>
-                        </m:acc>
-                      </m:e>
-                      <m:sub>
-                        <m:r>
-                          <a:rPr lang="en-US" altLang="zh-CN" b="0" i="1" smtClean="0">
-                            <a:latin typeface="Cambria Math" panose="02040503050406030204" pitchFamily="18" charset="0"/>
-                          </a:rPr>
-                          <m:t>𝑤</m:t>
-                        </m:r>
-                      </m:sub>
-                    </m:sSub>
-                    <m:r>
-                      <a:rPr lang="en-US" altLang="zh-CN" b="0" i="1" smtClean="0">
-                        <a:latin typeface="Cambria Math" panose="02040503050406030204" pitchFamily="18" charset="0"/>
-                      </a:rPr>
-                      <m:t>(</m:t>
-                    </m:r>
-                    <m:r>
-                      <a:rPr lang="en-US" altLang="zh-CN" b="0" i="1" smtClean="0">
-                        <a:latin typeface="Cambria Math" panose="02040503050406030204" pitchFamily="18" charset="0"/>
-                      </a:rPr>
-                      <m:t>𝑠</m:t>
-                    </m:r>
-                    <m:r>
-                      <a:rPr lang="en-US" altLang="zh-CN" b="0" i="1" smtClean="0">
-                        <a:latin typeface="Cambria Math" panose="02040503050406030204" pitchFamily="18" charset="0"/>
-                      </a:rPr>
-                      <m:t>,</m:t>
-                    </m:r>
-                    <m:r>
-                      <a:rPr lang="en-US" altLang="zh-CN" b="0" i="1" smtClean="0">
-                        <a:latin typeface="Cambria Math" panose="02040503050406030204" pitchFamily="18" charset="0"/>
-                      </a:rPr>
-                      <m:t>𝑎</m:t>
-                    </m:r>
-                    <m:r>
-                      <a:rPr lang="en-US" altLang="zh-CN" b="0" i="1" smtClean="0">
-                        <a:latin typeface="Cambria Math" panose="02040503050406030204" pitchFamily="18" charset="0"/>
-                      </a:rPr>
-                      <m:t>)</m:t>
-                    </m:r>
-                  </m:oMath>
-                </a14:m>
-                <a:endParaRPr lang="zh-CN" altLang="en-US" dirty="0"/>
-              </a:p>
-            </p:txBody>
-          </p:sp>
-        </mc:Choice>
-        <mc:Fallback>
-          <p:sp>
-            <p:nvSpPr>
-              <p:cNvPr id="5" name="矩形 4">
-                <a:extLst>
-                  <a:ext uri="{FF2B5EF4-FFF2-40B4-BE49-F238E27FC236}">
-                    <a16:creationId xmlns:a16="http://schemas.microsoft.com/office/drawing/2014/main" id="{9154D4A6-9D5D-0CEE-78AA-6501FD66BF2A}"/>
-                  </a:ext>
-                </a:extLst>
-              </p:cNvPr>
-              <p:cNvSpPr>
-                <a:spLocks noRot="1" noChangeAspect="1" noMove="1" noResize="1" noEditPoints="1" noAdjustHandles="1" noChangeArrowheads="1" noChangeShapeType="1" noTextEdit="1"/>
-              </p:cNvSpPr>
-              <p:nvPr/>
-            </p:nvSpPr>
-            <p:spPr>
-              <a:xfrm>
-                <a:off x="2081892" y="4904015"/>
-                <a:ext cx="1883228" cy="424542"/>
-              </a:xfrm>
-              <a:prstGeom prst="rect">
-                <a:avLst/>
-              </a:prstGeom>
-              <a:blipFill>
-                <a:blip r:embed="rId3"/>
-                <a:stretch>
-                  <a:fillRect b="-13889"/>
-                </a:stretch>
-              </a:blipFill>
-            </p:spPr>
-            <p:txBody>
-              <a:bodyPr/>
-              <a:lstStyle/>
-              <a:p>
-                <a:r>
-                  <a:rPr lang="zh-CN" altLang="en-US">
-                    <a:noFill/>
-                  </a:rPr>
-                  <a:t> </a:t>
-                </a:r>
-              </a:p>
-            </p:txBody>
-          </p:sp>
-        </mc:Fallback>
-      </mc:AlternateContent>
-      <p:sp>
-        <p:nvSpPr>
-          <p:cNvPr id="6" name="矩形 5">
-            <a:extLst>
-              <a:ext uri="{FF2B5EF4-FFF2-40B4-BE49-F238E27FC236}">
-                <a16:creationId xmlns:a16="http://schemas.microsoft.com/office/drawing/2014/main" id="{59A509C2-7CFD-C0E4-CE6F-B44F7512E976}"/>
-              </a:ext>
-            </a:extLst>
-          </p:cNvPr>
-          <p:cNvSpPr/>
-          <p:nvPr/>
-        </p:nvSpPr>
-        <p:spPr>
-          <a:xfrm>
-            <a:off x="2253343" y="3004458"/>
-            <a:ext cx="1540328" cy="424542"/>
-          </a:xfrm>
-          <a:prstGeom prst="rect">
-            <a:avLst/>
-          </a:prstGeom>
-          <a:solidFill>
-            <a:schemeClr val="accent6"/>
-          </a:solidFill>
-        </p:spPr>
-        <p:style>
-          <a:lnRef idx="2">
-            <a:schemeClr val="accent1">
-              <a:shade val="15000"/>
-            </a:schemeClr>
-          </a:lnRef>
-          <a:fillRef idx="1">
-            <a:schemeClr val="accent1"/>
-          </a:fillRef>
-          <a:effectRef idx="0">
-            <a:schemeClr val="accent1"/>
-          </a:effectRef>
-          <a:fontRef idx="minor">
-            <a:schemeClr val="lt1"/>
-          </a:fontRef>
-        </p:style>
-        <p:txBody>
-          <a:bodyPr rtlCol="0" anchor="ctr"/>
-          <a:lstStyle/>
-          <a:p>
-            <a:pPr algn="ctr"/>
-            <a:r>
-              <a:rPr lang="en-US" altLang="zh-CN" dirty="0"/>
-              <a:t>Environment</a:t>
-            </a:r>
-            <a:endParaRPr lang="zh-CN" altLang="en-US" dirty="0"/>
-          </a:p>
-        </p:txBody>
-      </p:sp>
-      <p:cxnSp>
-        <p:nvCxnSpPr>
-          <p:cNvPr id="8" name="连接符: 肘形 7">
-            <a:extLst>
-              <a:ext uri="{FF2B5EF4-FFF2-40B4-BE49-F238E27FC236}">
-                <a16:creationId xmlns:a16="http://schemas.microsoft.com/office/drawing/2014/main" id="{6D5C46E7-BD8E-7C3C-8518-D15CF6FCFBDD}"/>
-              </a:ext>
-            </a:extLst>
-          </p:cNvPr>
-          <p:cNvCxnSpPr>
-            <a:cxnSpLocks/>
-            <a:stCxn id="31" idx="2"/>
-            <a:endCxn id="4" idx="1"/>
-          </p:cNvCxnSpPr>
-          <p:nvPr/>
-        </p:nvCxnSpPr>
-        <p:spPr>
-          <a:xfrm rot="10800000" flipH="1" flipV="1">
-            <a:off x="1047695" y="3216728"/>
-            <a:ext cx="1205647" cy="876302"/>
-          </a:xfrm>
-          <a:prstGeom prst="bentConnector3">
-            <a:avLst>
-              <a:gd name="adj1" fmla="val -18961"/>
-            </a:avLst>
-          </a:prstGeom>
-          <a:ln w="19050">
-            <a:tailEnd type="triangle"/>
-          </a:ln>
-        </p:spPr>
-        <p:style>
-          <a:lnRef idx="1">
-            <a:schemeClr val="accent1"/>
-          </a:lnRef>
-          <a:fillRef idx="0">
-            <a:schemeClr val="accent1"/>
-          </a:fillRef>
-          <a:effectRef idx="0">
-            <a:schemeClr val="accent1"/>
-          </a:effectRef>
-          <a:fontRef idx="minor">
-            <a:schemeClr val="tx1"/>
-          </a:fontRef>
-        </p:style>
-      </p:cxnSp>
-      <p:cxnSp>
-        <p:nvCxnSpPr>
-          <p:cNvPr id="12" name="连接符: 肘形 11">
-            <a:extLst>
-              <a:ext uri="{FF2B5EF4-FFF2-40B4-BE49-F238E27FC236}">
-                <a16:creationId xmlns:a16="http://schemas.microsoft.com/office/drawing/2014/main" id="{0F4549A8-773C-FA49-CD88-95C6A69A81CA}"/>
-              </a:ext>
-            </a:extLst>
-          </p:cNvPr>
-          <p:cNvCxnSpPr>
-            <a:cxnSpLocks/>
-            <a:stCxn id="31" idx="2"/>
-            <a:endCxn id="5" idx="1"/>
-          </p:cNvCxnSpPr>
-          <p:nvPr/>
-        </p:nvCxnSpPr>
-        <p:spPr>
-          <a:xfrm rot="10800000" flipH="1" flipV="1">
-            <a:off x="1047696" y="3216728"/>
-            <a:ext cx="1034196" cy="1899558"/>
-          </a:xfrm>
-          <a:prstGeom prst="bentConnector3">
-            <a:avLst>
-              <a:gd name="adj1" fmla="val -22104"/>
-            </a:avLst>
-          </a:prstGeom>
-          <a:ln w="19050">
-            <a:tailEnd type="triangle"/>
-          </a:ln>
-        </p:spPr>
-        <p:style>
-          <a:lnRef idx="1">
-            <a:schemeClr val="accent1"/>
-          </a:lnRef>
-          <a:fillRef idx="0">
-            <a:schemeClr val="accent1"/>
-          </a:fillRef>
-          <a:effectRef idx="0">
-            <a:schemeClr val="accent1"/>
-          </a:effectRef>
-          <a:fontRef idx="minor">
-            <a:schemeClr val="tx1"/>
-          </a:fontRef>
-        </p:style>
-      </p:cxnSp>
-      <p:cxnSp>
-        <p:nvCxnSpPr>
-          <p:cNvPr id="19" name="直接箭头连接符 18">
-            <a:extLst>
-              <a:ext uri="{FF2B5EF4-FFF2-40B4-BE49-F238E27FC236}">
-                <a16:creationId xmlns:a16="http://schemas.microsoft.com/office/drawing/2014/main" id="{7F55DA78-CE75-4C14-B191-C9CC9ED4DAC3}"/>
-              </a:ext>
-            </a:extLst>
-          </p:cNvPr>
-          <p:cNvCxnSpPr>
-            <a:cxnSpLocks/>
-            <a:stCxn id="4" idx="3"/>
-            <a:endCxn id="40" idx="2"/>
-          </p:cNvCxnSpPr>
-          <p:nvPr/>
-        </p:nvCxnSpPr>
-        <p:spPr>
-          <a:xfrm>
-            <a:off x="3793671" y="4093030"/>
-            <a:ext cx="982381" cy="0"/>
-          </a:xfrm>
-          <a:prstGeom prst="straightConnector1">
-            <a:avLst/>
-          </a:prstGeom>
-          <a:ln w="19050">
-            <a:tailEnd type="triangle"/>
-          </a:ln>
-        </p:spPr>
-        <p:style>
-          <a:lnRef idx="1">
-            <a:schemeClr val="accent1"/>
-          </a:lnRef>
-          <a:fillRef idx="0">
-            <a:schemeClr val="accent1"/>
-          </a:fillRef>
-          <a:effectRef idx="0">
-            <a:schemeClr val="accent1"/>
-          </a:effectRef>
-          <a:fontRef idx="minor">
-            <a:schemeClr val="tx1"/>
-          </a:fontRef>
-        </p:style>
-      </p:cxnSp>
-      <mc:AlternateContent xmlns:mc="http://schemas.openxmlformats.org/markup-compatibility/2006">
-        <mc:Choice xmlns:a14="http://schemas.microsoft.com/office/drawing/2010/main" Requires="a14">
-          <p:sp>
-            <p:nvSpPr>
-              <p:cNvPr id="31" name="椭圆 30">
-                <a:extLst>
-                  <a:ext uri="{FF2B5EF4-FFF2-40B4-BE49-F238E27FC236}">
-                    <a16:creationId xmlns:a16="http://schemas.microsoft.com/office/drawing/2014/main" id="{49CA106D-E6B8-14FF-6CFE-C0513ABC7720}"/>
-                  </a:ext>
-                </a:extLst>
-              </p:cNvPr>
-              <p:cNvSpPr/>
-              <p:nvPr/>
-            </p:nvSpPr>
-            <p:spPr>
-              <a:xfrm>
-                <a:off x="1047696" y="2917371"/>
-                <a:ext cx="604158" cy="598714"/>
-              </a:xfrm>
-              <a:prstGeom prst="ellipse">
-                <a:avLst/>
-              </a:prstGeom>
-              <a:solidFill>
-                <a:schemeClr val="accent4"/>
-              </a:solidFill>
-            </p:spPr>
-            <p:style>
-              <a:lnRef idx="2">
-                <a:schemeClr val="accent1">
-                  <a:shade val="15000"/>
-                </a:schemeClr>
-              </a:lnRef>
-              <a:fillRef idx="1">
-                <a:schemeClr val="accent1"/>
-              </a:fillRef>
-              <a:effectRef idx="0">
-                <a:schemeClr val="accent1"/>
-              </a:effectRef>
-              <a:fontRef idx="minor">
-                <a:schemeClr val="lt1"/>
-              </a:fontRef>
-            </p:style>
-            <p:txBody>
-              <a:bodyPr rtlCol="0" anchor="ctr"/>
-              <a:lstStyle/>
-              <a:p>
-                <a:pPr algn="ctr"/>
-                <a14:m>
-                  <m:oMathPara xmlns:m="http://schemas.openxmlformats.org/officeDocument/2006/math">
-                    <m:oMathParaPr>
-                      <m:jc m:val="centerGroup"/>
-                    </m:oMathParaPr>
-                    <m:oMath xmlns:m="http://schemas.openxmlformats.org/officeDocument/2006/math">
-                      <m:sSub>
-                        <m:sSubPr>
-                          <m:ctrlPr>
-                            <a:rPr lang="en-US" altLang="zh-CN" i="1" smtClean="0">
-                              <a:solidFill>
-                                <a:schemeClr val="tx1"/>
-                              </a:solidFill>
-                              <a:latin typeface="Cambria Math" panose="02040503050406030204" pitchFamily="18" charset="0"/>
-                            </a:rPr>
-                          </m:ctrlPr>
-                        </m:sSubPr>
-                        <m:e>
-                          <m:r>
-                            <m:rPr>
-                              <m:sty m:val="p"/>
-                            </m:rPr>
-                            <a:rPr lang="en-US" altLang="zh-CN" i="1">
-                              <a:solidFill>
-                                <a:schemeClr val="tx1"/>
-                              </a:solidFill>
-                              <a:latin typeface="Cambria Math" panose="02040503050406030204" pitchFamily="18" charset="0"/>
-                            </a:rPr>
-                            <m:t>S</m:t>
-                          </m:r>
-                        </m:e>
-                        <m:sub>
-                          <m:r>
-                            <m:rPr>
-                              <m:sty m:val="p"/>
-                            </m:rPr>
-                            <a:rPr lang="en-US" altLang="zh-CN" i="1">
-                              <a:solidFill>
-                                <a:schemeClr val="tx1"/>
-                              </a:solidFill>
-                              <a:latin typeface="Cambria Math" panose="02040503050406030204" pitchFamily="18" charset="0"/>
-                            </a:rPr>
-                            <m:t>t</m:t>
-                          </m:r>
-                        </m:sub>
-                      </m:sSub>
-                    </m:oMath>
-                  </m:oMathPara>
-                </a14:m>
-                <a:endParaRPr lang="zh-CN" altLang="en-US" dirty="0"/>
-              </a:p>
-            </p:txBody>
-          </p:sp>
-        </mc:Choice>
-        <mc:Fallback>
-          <p:sp>
-            <p:nvSpPr>
-              <p:cNvPr id="31" name="椭圆 30">
-                <a:extLst>
-                  <a:ext uri="{FF2B5EF4-FFF2-40B4-BE49-F238E27FC236}">
-                    <a16:creationId xmlns:a16="http://schemas.microsoft.com/office/drawing/2014/main" id="{49CA106D-E6B8-14FF-6CFE-C0513ABC7720}"/>
-                  </a:ext>
-                </a:extLst>
-              </p:cNvPr>
-              <p:cNvSpPr>
-                <a:spLocks noRot="1" noChangeAspect="1" noMove="1" noResize="1" noEditPoints="1" noAdjustHandles="1" noChangeArrowheads="1" noChangeShapeType="1" noTextEdit="1"/>
-              </p:cNvSpPr>
-              <p:nvPr/>
-            </p:nvSpPr>
-            <p:spPr>
-              <a:xfrm>
-                <a:off x="1047696" y="2917371"/>
-                <a:ext cx="604158" cy="598714"/>
-              </a:xfrm>
-              <a:prstGeom prst="ellipse">
-                <a:avLst/>
-              </a:prstGeom>
-              <a:blipFill>
-                <a:blip r:embed="rId4"/>
-                <a:stretch>
-                  <a:fillRect/>
-                </a:stretch>
-              </a:blipFill>
-            </p:spPr>
-            <p:txBody>
-              <a:bodyPr/>
-              <a:lstStyle/>
-              <a:p>
-                <a:r>
-                  <a:rPr lang="zh-CN" altLang="en-US">
-                    <a:noFill/>
-                  </a:rPr>
-                  <a:t> </a:t>
-                </a:r>
-              </a:p>
-            </p:txBody>
-          </p:sp>
-        </mc:Fallback>
-      </mc:AlternateContent>
-      <p:cxnSp>
-        <p:nvCxnSpPr>
-          <p:cNvPr id="33" name="直接箭头连接符 32">
-            <a:extLst>
-              <a:ext uri="{FF2B5EF4-FFF2-40B4-BE49-F238E27FC236}">
-                <a16:creationId xmlns:a16="http://schemas.microsoft.com/office/drawing/2014/main" id="{24A19E55-768E-5E5A-F6BA-188E5BBF9EED}"/>
-              </a:ext>
-            </a:extLst>
-          </p:cNvPr>
-          <p:cNvCxnSpPr>
-            <a:stCxn id="6" idx="1"/>
-            <a:endCxn id="31" idx="6"/>
-          </p:cNvCxnSpPr>
-          <p:nvPr/>
-        </p:nvCxnSpPr>
-        <p:spPr>
-          <a:xfrm flipH="1" flipV="1">
-            <a:off x="1651854" y="3216728"/>
-            <a:ext cx="601489" cy="1"/>
-          </a:xfrm>
-          <a:prstGeom prst="straightConnector1">
-            <a:avLst/>
-          </a:prstGeom>
-          <a:ln w="19050">
-            <a:tailEnd type="triangle"/>
-          </a:ln>
-        </p:spPr>
-        <p:style>
-          <a:lnRef idx="1">
-            <a:schemeClr val="accent1"/>
-          </a:lnRef>
-          <a:fillRef idx="0">
-            <a:schemeClr val="accent1"/>
-          </a:fillRef>
-          <a:effectRef idx="0">
-            <a:schemeClr val="accent1"/>
-          </a:effectRef>
-          <a:fontRef idx="minor">
-            <a:schemeClr val="tx1"/>
-          </a:fontRef>
-        </p:style>
-      </p:cxnSp>
-      <mc:AlternateContent xmlns:mc="http://schemas.openxmlformats.org/markup-compatibility/2006">
-        <mc:Choice xmlns:a14="http://schemas.microsoft.com/office/drawing/2010/main" Requires="a14">
-          <p:sp>
-            <p:nvSpPr>
-              <p:cNvPr id="40" name="椭圆 39">
-                <a:extLst>
-                  <a:ext uri="{FF2B5EF4-FFF2-40B4-BE49-F238E27FC236}">
-                    <a16:creationId xmlns:a16="http://schemas.microsoft.com/office/drawing/2014/main" id="{84C2A7C5-00B9-8D31-F4EF-582E7FA612C4}"/>
-                  </a:ext>
-                </a:extLst>
-              </p:cNvPr>
-              <p:cNvSpPr/>
-              <p:nvPr/>
-            </p:nvSpPr>
-            <p:spPr>
-              <a:xfrm>
-                <a:off x="4776052" y="3793673"/>
-                <a:ext cx="604158" cy="598714"/>
-              </a:xfrm>
-              <a:prstGeom prst="ellipse">
-                <a:avLst/>
-              </a:prstGeom>
-              <a:solidFill>
-                <a:schemeClr val="accent4"/>
-              </a:solidFill>
-            </p:spPr>
-            <p:style>
-              <a:lnRef idx="2">
-                <a:schemeClr val="accent1">
-                  <a:shade val="15000"/>
-                </a:schemeClr>
-              </a:lnRef>
-              <a:fillRef idx="1">
-                <a:schemeClr val="accent1"/>
-              </a:fillRef>
-              <a:effectRef idx="0">
-                <a:schemeClr val="accent1"/>
-              </a:effectRef>
-              <a:fontRef idx="minor">
-                <a:schemeClr val="lt1"/>
-              </a:fontRef>
-            </p:style>
-            <p:txBody>
-              <a:bodyPr rtlCol="0" anchor="ctr"/>
-              <a:lstStyle/>
-              <a:p>
-                <a:pPr algn="ctr"/>
-                <a14:m>
-                  <m:oMathPara xmlns:m="http://schemas.openxmlformats.org/officeDocument/2006/math">
-                    <m:oMathParaPr>
-                      <m:jc m:val="centerGroup"/>
-                    </m:oMathParaPr>
-                    <m:oMath xmlns:m="http://schemas.openxmlformats.org/officeDocument/2006/math">
-                      <m:sSub>
-                        <m:sSubPr>
-                          <m:ctrlPr>
-                            <a:rPr lang="en-US" altLang="zh-CN" i="1" smtClean="0">
-                              <a:solidFill>
-                                <a:schemeClr val="tx1"/>
-                              </a:solidFill>
-                              <a:latin typeface="Cambria Math" panose="02040503050406030204" pitchFamily="18" charset="0"/>
-                            </a:rPr>
-                          </m:ctrlPr>
-                        </m:sSubPr>
-                        <m:e>
-                          <m:r>
-                            <m:rPr>
-                              <m:sty m:val="p"/>
-                            </m:rPr>
-                            <a:rPr lang="en-US" altLang="zh-CN" i="1">
-                              <a:solidFill>
-                                <a:schemeClr val="tx1"/>
-                              </a:solidFill>
-                              <a:latin typeface="Cambria Math" panose="02040503050406030204" pitchFamily="18" charset="0"/>
-                            </a:rPr>
-                            <m:t>A</m:t>
-                          </m:r>
-                        </m:e>
-                        <m:sub>
-                          <m:r>
-                            <m:rPr>
-                              <m:sty m:val="p"/>
-                            </m:rPr>
-                            <a:rPr lang="en-US" altLang="zh-CN" i="1">
-                              <a:solidFill>
-                                <a:schemeClr val="tx1"/>
-                              </a:solidFill>
-                              <a:latin typeface="Cambria Math" panose="02040503050406030204" pitchFamily="18" charset="0"/>
-                            </a:rPr>
-                            <m:t>t</m:t>
-                          </m:r>
-                        </m:sub>
-                      </m:sSub>
-                    </m:oMath>
-                  </m:oMathPara>
-                </a14:m>
-                <a:endParaRPr lang="zh-CN" altLang="en-US" dirty="0"/>
-              </a:p>
-            </p:txBody>
-          </p:sp>
-        </mc:Choice>
-        <mc:Fallback>
-          <p:sp>
-            <p:nvSpPr>
-              <p:cNvPr id="40" name="椭圆 39">
-                <a:extLst>
-                  <a:ext uri="{FF2B5EF4-FFF2-40B4-BE49-F238E27FC236}">
-                    <a16:creationId xmlns:a16="http://schemas.microsoft.com/office/drawing/2014/main" id="{84C2A7C5-00B9-8D31-F4EF-582E7FA612C4}"/>
-                  </a:ext>
-                </a:extLst>
-              </p:cNvPr>
-              <p:cNvSpPr>
-                <a:spLocks noRot="1" noChangeAspect="1" noMove="1" noResize="1" noEditPoints="1" noAdjustHandles="1" noChangeArrowheads="1" noChangeShapeType="1" noTextEdit="1"/>
-              </p:cNvSpPr>
-              <p:nvPr/>
-            </p:nvSpPr>
-            <p:spPr>
-              <a:xfrm>
-                <a:off x="4776052" y="3793673"/>
-                <a:ext cx="604158" cy="598714"/>
-              </a:xfrm>
-              <a:prstGeom prst="ellipse">
-                <a:avLst/>
-              </a:prstGeom>
-              <a:blipFill>
-                <a:blip r:embed="rId5"/>
-                <a:stretch>
-                  <a:fillRect/>
-                </a:stretch>
-              </a:blipFill>
-            </p:spPr>
-            <p:txBody>
-              <a:bodyPr/>
-              <a:lstStyle/>
-              <a:p>
-                <a:r>
-                  <a:rPr lang="zh-CN" altLang="en-US">
-                    <a:noFill/>
-                  </a:rPr>
-                  <a:t> </a:t>
-                </a:r>
-              </a:p>
-            </p:txBody>
-          </p:sp>
-        </mc:Fallback>
-      </mc:AlternateContent>
-      <p:cxnSp>
-        <p:nvCxnSpPr>
-          <p:cNvPr id="46" name="连接符: 肘形 45">
-            <a:extLst>
-              <a:ext uri="{FF2B5EF4-FFF2-40B4-BE49-F238E27FC236}">
-                <a16:creationId xmlns:a16="http://schemas.microsoft.com/office/drawing/2014/main" id="{88B7ECFC-3E75-D00B-302C-066D2E471CC4}"/>
-              </a:ext>
-            </a:extLst>
-          </p:cNvPr>
-          <p:cNvCxnSpPr>
-            <a:cxnSpLocks/>
-            <a:stCxn id="40" idx="4"/>
-            <a:endCxn id="5" idx="3"/>
-          </p:cNvCxnSpPr>
-          <p:nvPr/>
-        </p:nvCxnSpPr>
-        <p:spPr>
-          <a:xfrm rot="5400000">
-            <a:off x="4159677" y="4197831"/>
-            <a:ext cx="723899" cy="1113011"/>
-          </a:xfrm>
-          <a:prstGeom prst="bentConnector2">
-            <a:avLst/>
-          </a:prstGeom>
-          <a:ln w="19050">
-            <a:tailEnd type="triangle"/>
-          </a:ln>
-        </p:spPr>
-        <p:style>
-          <a:lnRef idx="1">
-            <a:schemeClr val="accent1"/>
-          </a:lnRef>
-          <a:fillRef idx="0">
-            <a:schemeClr val="accent1"/>
-          </a:fillRef>
-          <a:effectRef idx="0">
-            <a:schemeClr val="accent1"/>
-          </a:effectRef>
-          <a:fontRef idx="minor">
-            <a:schemeClr val="tx1"/>
-          </a:fontRef>
-        </p:style>
-      </p:cxnSp>
-      <p:cxnSp>
-        <p:nvCxnSpPr>
-          <p:cNvPr id="48" name="连接符: 肘形 47">
-            <a:extLst>
-              <a:ext uri="{FF2B5EF4-FFF2-40B4-BE49-F238E27FC236}">
-                <a16:creationId xmlns:a16="http://schemas.microsoft.com/office/drawing/2014/main" id="{868238D2-4A42-C67F-CCA2-F502610FACC5}"/>
-              </a:ext>
-            </a:extLst>
-          </p:cNvPr>
-          <p:cNvCxnSpPr>
-            <a:stCxn id="40" idx="0"/>
-            <a:endCxn id="6" idx="3"/>
-          </p:cNvCxnSpPr>
-          <p:nvPr/>
-        </p:nvCxnSpPr>
-        <p:spPr>
-          <a:xfrm rot="16200000" flipV="1">
-            <a:off x="4147429" y="2862971"/>
-            <a:ext cx="576944" cy="1284460"/>
-          </a:xfrm>
-          <a:prstGeom prst="bentConnector2">
-            <a:avLst/>
-          </a:prstGeom>
-          <a:ln w="19050">
-            <a:tailEnd type="triangle"/>
-          </a:ln>
-        </p:spPr>
-        <p:style>
-          <a:lnRef idx="1">
-            <a:schemeClr val="accent1"/>
-          </a:lnRef>
-          <a:fillRef idx="0">
-            <a:schemeClr val="accent1"/>
-          </a:fillRef>
-          <a:effectRef idx="0">
-            <a:schemeClr val="accent1"/>
-          </a:effectRef>
-          <a:fontRef idx="minor">
-            <a:schemeClr val="tx1"/>
-          </a:fontRef>
-        </p:style>
-      </p:cxnSp>
-      <mc:AlternateContent xmlns:mc="http://schemas.openxmlformats.org/markup-compatibility/2006">
-        <mc:Choice xmlns:a14="http://schemas.microsoft.com/office/drawing/2010/main" Requires="a14">
-          <p:sp>
-            <p:nvSpPr>
-              <p:cNvPr id="51" name="椭圆 50">
-                <a:extLst>
-                  <a:ext uri="{FF2B5EF4-FFF2-40B4-BE49-F238E27FC236}">
-                    <a16:creationId xmlns:a16="http://schemas.microsoft.com/office/drawing/2014/main" id="{021C7C20-65AB-8F08-DD6C-2BC6B97353FC}"/>
-                  </a:ext>
-                </a:extLst>
-              </p:cNvPr>
-              <p:cNvSpPr/>
-              <p:nvPr/>
-            </p:nvSpPr>
-            <p:spPr>
-              <a:xfrm>
-                <a:off x="2336346" y="1668237"/>
-                <a:ext cx="604158" cy="598714"/>
-              </a:xfrm>
-              <a:prstGeom prst="ellipse">
-                <a:avLst/>
-              </a:prstGeom>
-              <a:solidFill>
-                <a:schemeClr val="accent4"/>
-              </a:solidFill>
-            </p:spPr>
-            <p:style>
-              <a:lnRef idx="2">
-                <a:schemeClr val="accent1">
-                  <a:shade val="15000"/>
-                </a:schemeClr>
-              </a:lnRef>
-              <a:fillRef idx="1">
-                <a:schemeClr val="accent1"/>
-              </a:fillRef>
-              <a:effectRef idx="0">
-                <a:schemeClr val="accent1"/>
-              </a:effectRef>
-              <a:fontRef idx="minor">
-                <a:schemeClr val="lt1"/>
-              </a:fontRef>
-            </p:style>
-            <p:txBody>
-              <a:bodyPr rtlCol="0" anchor="ctr"/>
-              <a:lstStyle/>
-              <a:p>
-                <a:pPr algn="ctr"/>
-                <a14:m>
-                  <m:oMathPara xmlns:m="http://schemas.openxmlformats.org/officeDocument/2006/math">
-                    <m:oMathParaPr>
-                      <m:jc m:val="centerGroup"/>
-                    </m:oMathParaPr>
-                    <m:oMath xmlns:m="http://schemas.openxmlformats.org/officeDocument/2006/math">
-                      <m:sSub>
-                        <m:sSubPr>
-                          <m:ctrlPr>
-                            <a:rPr lang="en-US" altLang="zh-CN" i="1" smtClean="0">
-                              <a:solidFill>
-                                <a:schemeClr val="tx1"/>
-                              </a:solidFill>
-                              <a:latin typeface="Cambria Math" panose="02040503050406030204" pitchFamily="18" charset="0"/>
-                            </a:rPr>
-                          </m:ctrlPr>
-                        </m:sSubPr>
-                        <m:e>
-                          <m:r>
-                            <m:rPr>
-                              <m:sty m:val="p"/>
-                            </m:rPr>
-                            <a:rPr lang="en-US" altLang="zh-CN" i="1">
-                              <a:solidFill>
-                                <a:schemeClr val="tx1"/>
-                              </a:solidFill>
-                              <a:latin typeface="Cambria Math" panose="02040503050406030204" pitchFamily="18" charset="0"/>
-                            </a:rPr>
-                            <m:t>S</m:t>
-                          </m:r>
-                        </m:e>
-                        <m:sub>
-                          <m:r>
-                            <m:rPr>
-                              <m:sty m:val="p"/>
-                            </m:rPr>
-                            <a:rPr lang="en-US" altLang="zh-CN" i="1">
-                              <a:solidFill>
-                                <a:schemeClr val="tx1"/>
-                              </a:solidFill>
-                              <a:latin typeface="Cambria Math" panose="02040503050406030204" pitchFamily="18" charset="0"/>
-                            </a:rPr>
-                            <m:t>t</m:t>
-                          </m:r>
-                          <m:r>
-                            <a:rPr lang="en-US" altLang="zh-CN" b="0" i="1" smtClean="0">
-                              <a:solidFill>
-                                <a:schemeClr val="tx1"/>
-                              </a:solidFill>
-                              <a:latin typeface="Cambria Math" panose="02040503050406030204" pitchFamily="18" charset="0"/>
-                            </a:rPr>
-                            <m:t>+1</m:t>
-                          </m:r>
-                        </m:sub>
-                      </m:sSub>
-                    </m:oMath>
-                  </m:oMathPara>
-                </a14:m>
-                <a:endParaRPr lang="zh-CN" altLang="en-US" dirty="0"/>
-              </a:p>
-            </p:txBody>
-          </p:sp>
-        </mc:Choice>
-        <mc:Fallback>
-          <p:sp>
-            <p:nvSpPr>
-              <p:cNvPr id="51" name="椭圆 50">
-                <a:extLst>
-                  <a:ext uri="{FF2B5EF4-FFF2-40B4-BE49-F238E27FC236}">
-                    <a16:creationId xmlns:a16="http://schemas.microsoft.com/office/drawing/2014/main" id="{021C7C20-65AB-8F08-DD6C-2BC6B97353FC}"/>
-                  </a:ext>
-                </a:extLst>
-              </p:cNvPr>
-              <p:cNvSpPr>
-                <a:spLocks noRot="1" noChangeAspect="1" noMove="1" noResize="1" noEditPoints="1" noAdjustHandles="1" noChangeArrowheads="1" noChangeShapeType="1" noTextEdit="1"/>
-              </p:cNvSpPr>
-              <p:nvPr/>
-            </p:nvSpPr>
-            <p:spPr>
-              <a:xfrm>
-                <a:off x="2336346" y="1668237"/>
-                <a:ext cx="604158" cy="598714"/>
-              </a:xfrm>
-              <a:prstGeom prst="ellipse">
-                <a:avLst/>
-              </a:prstGeom>
-              <a:blipFill>
-                <a:blip r:embed="rId6"/>
-                <a:stretch>
-                  <a:fillRect l="-990"/>
-                </a:stretch>
-              </a:blipFill>
-            </p:spPr>
-            <p:txBody>
-              <a:bodyPr/>
-              <a:lstStyle/>
-              <a:p>
-                <a:r>
-                  <a:rPr lang="zh-CN" altLang="en-US">
-                    <a:noFill/>
-                  </a:rPr>
-                  <a:t> </a:t>
-                </a:r>
-              </a:p>
-            </p:txBody>
-          </p:sp>
-        </mc:Fallback>
-      </mc:AlternateContent>
-      <mc:AlternateContent xmlns:mc="http://schemas.openxmlformats.org/markup-compatibility/2006">
-        <mc:Choice xmlns:a14="http://schemas.microsoft.com/office/drawing/2010/main" Requires="a14">
-          <p:sp>
-            <p:nvSpPr>
-              <p:cNvPr id="53" name="椭圆 52">
-                <a:extLst>
-                  <a:ext uri="{FF2B5EF4-FFF2-40B4-BE49-F238E27FC236}">
-                    <a16:creationId xmlns:a16="http://schemas.microsoft.com/office/drawing/2014/main" id="{9B1DB391-B365-E1E3-4B32-E463A8B1FF2D}"/>
-                  </a:ext>
-                </a:extLst>
-              </p:cNvPr>
-              <p:cNvSpPr/>
-              <p:nvPr/>
-            </p:nvSpPr>
-            <p:spPr>
-              <a:xfrm>
-                <a:off x="3128253" y="1668237"/>
-                <a:ext cx="604158" cy="598714"/>
-              </a:xfrm>
-              <a:prstGeom prst="ellipse">
-                <a:avLst/>
-              </a:prstGeom>
-              <a:solidFill>
-                <a:schemeClr val="accent4"/>
-              </a:solidFill>
-            </p:spPr>
-            <p:style>
-              <a:lnRef idx="2">
-                <a:schemeClr val="accent1">
-                  <a:shade val="15000"/>
-                </a:schemeClr>
-              </a:lnRef>
-              <a:fillRef idx="1">
-                <a:schemeClr val="accent1"/>
-              </a:fillRef>
-              <a:effectRef idx="0">
-                <a:schemeClr val="accent1"/>
-              </a:effectRef>
-              <a:fontRef idx="minor">
-                <a:schemeClr val="lt1"/>
-              </a:fontRef>
-            </p:style>
-            <p:txBody>
-              <a:bodyPr rtlCol="0" anchor="ctr"/>
-              <a:lstStyle/>
-              <a:p>
-                <a:pPr algn="ctr"/>
-                <a14:m>
-                  <m:oMathPara xmlns:m="http://schemas.openxmlformats.org/officeDocument/2006/math">
-                    <m:oMathParaPr>
-                      <m:jc m:val="centerGroup"/>
-                    </m:oMathParaPr>
-                    <m:oMath xmlns:m="http://schemas.openxmlformats.org/officeDocument/2006/math">
-                      <m:sSub>
-                        <m:sSubPr>
-                          <m:ctrlPr>
-                            <a:rPr lang="en-US" altLang="zh-CN" i="1" smtClean="0">
-                              <a:solidFill>
-                                <a:schemeClr val="tx1"/>
-                              </a:solidFill>
-                              <a:latin typeface="Cambria Math" panose="02040503050406030204" pitchFamily="18" charset="0"/>
-                            </a:rPr>
-                          </m:ctrlPr>
-                        </m:sSubPr>
-                        <m:e>
-                          <m:r>
-                            <m:rPr>
-                              <m:sty m:val="p"/>
-                            </m:rPr>
-                            <a:rPr lang="en-US" altLang="zh-CN" i="1">
-                              <a:solidFill>
-                                <a:schemeClr val="tx1"/>
-                              </a:solidFill>
-                              <a:latin typeface="Cambria Math" panose="02040503050406030204" pitchFamily="18" charset="0"/>
-                            </a:rPr>
-                            <m:t>R</m:t>
-                          </m:r>
-                        </m:e>
-                        <m:sub>
-                          <m:r>
-                            <m:rPr>
-                              <m:sty m:val="p"/>
-                            </m:rPr>
-                            <a:rPr lang="en-US" altLang="zh-CN" i="1">
-                              <a:solidFill>
-                                <a:schemeClr val="tx1"/>
-                              </a:solidFill>
-                              <a:latin typeface="Cambria Math" panose="02040503050406030204" pitchFamily="18" charset="0"/>
-                            </a:rPr>
-                            <m:t>t</m:t>
-                          </m:r>
-                          <m:r>
-                            <a:rPr lang="en-US" altLang="zh-CN" b="0" i="1" smtClean="0">
-                              <a:solidFill>
-                                <a:schemeClr val="tx1"/>
-                              </a:solidFill>
-                              <a:latin typeface="Cambria Math" panose="02040503050406030204" pitchFamily="18" charset="0"/>
-                            </a:rPr>
-                            <m:t>+1</m:t>
-                          </m:r>
-                        </m:sub>
-                      </m:sSub>
-                    </m:oMath>
-                  </m:oMathPara>
-                </a14:m>
-                <a:endParaRPr lang="zh-CN" altLang="en-US" dirty="0"/>
-              </a:p>
-            </p:txBody>
-          </p:sp>
-        </mc:Choice>
-        <mc:Fallback>
-          <p:sp>
-            <p:nvSpPr>
-              <p:cNvPr id="53" name="椭圆 52">
-                <a:extLst>
-                  <a:ext uri="{FF2B5EF4-FFF2-40B4-BE49-F238E27FC236}">
-                    <a16:creationId xmlns:a16="http://schemas.microsoft.com/office/drawing/2014/main" id="{9B1DB391-B365-E1E3-4B32-E463A8B1FF2D}"/>
-                  </a:ext>
-                </a:extLst>
-              </p:cNvPr>
-              <p:cNvSpPr>
-                <a:spLocks noRot="1" noChangeAspect="1" noMove="1" noResize="1" noEditPoints="1" noAdjustHandles="1" noChangeArrowheads="1" noChangeShapeType="1" noTextEdit="1"/>
-              </p:cNvSpPr>
-              <p:nvPr/>
-            </p:nvSpPr>
-            <p:spPr>
-              <a:xfrm>
-                <a:off x="3128253" y="1668237"/>
-                <a:ext cx="604158" cy="598714"/>
-              </a:xfrm>
-              <a:prstGeom prst="ellipse">
-                <a:avLst/>
-              </a:prstGeom>
-              <a:blipFill>
-                <a:blip r:embed="rId7"/>
-                <a:stretch>
-                  <a:fillRect l="-3960"/>
-                </a:stretch>
-              </a:blipFill>
-            </p:spPr>
-            <p:txBody>
-              <a:bodyPr/>
-              <a:lstStyle/>
-              <a:p>
-                <a:r>
-                  <a:rPr lang="zh-CN" altLang="en-US">
-                    <a:noFill/>
-                  </a:rPr>
-                  <a:t> </a:t>
-                </a:r>
-              </a:p>
-            </p:txBody>
-          </p:sp>
-        </mc:Fallback>
-      </mc:AlternateContent>
-      <p:pic>
-        <p:nvPicPr>
-          <p:cNvPr id="58" name="图片 57">
-            <a:extLst>
-              <a:ext uri="{FF2B5EF4-FFF2-40B4-BE49-F238E27FC236}">
-                <a16:creationId xmlns:a16="http://schemas.microsoft.com/office/drawing/2014/main" id="{EA586631-0582-CE94-8E36-708CDB9EA5B0}"/>
-              </a:ext>
-            </a:extLst>
-          </p:cNvPr>
-          <p:cNvPicPr>
-            <a:picLocks noChangeAspect="1"/>
-          </p:cNvPicPr>
-          <p:nvPr/>
-        </p:nvPicPr>
-        <p:blipFill>
-          <a:blip r:embed="rId8"/>
-          <a:stretch>
-            <a:fillRect/>
-          </a:stretch>
-        </p:blipFill>
-        <p:spPr>
-          <a:xfrm>
-            <a:off x="6094394" y="3090968"/>
-            <a:ext cx="2820840" cy="369332"/>
-          </a:xfrm>
-          <a:prstGeom prst="rect">
-            <a:avLst/>
-          </a:prstGeom>
-        </p:spPr>
-      </p:pic>
-      <p:grpSp>
-        <p:nvGrpSpPr>
-          <p:cNvPr id="80" name="组合 79">
-            <a:extLst>
-              <a:ext uri="{FF2B5EF4-FFF2-40B4-BE49-F238E27FC236}">
-                <a16:creationId xmlns:a16="http://schemas.microsoft.com/office/drawing/2014/main" id="{E1D07AF1-419A-2D6A-9B95-2792A6AE0478}"/>
-              </a:ext>
-            </a:extLst>
-          </p:cNvPr>
-          <p:cNvGrpSpPr/>
-          <p:nvPr/>
-        </p:nvGrpSpPr>
-        <p:grpSpPr>
-          <a:xfrm>
-            <a:off x="6094394" y="4389665"/>
-            <a:ext cx="5380208" cy="730188"/>
-            <a:chOff x="6618460" y="4754336"/>
-            <a:chExt cx="5380208" cy="730188"/>
-          </a:xfrm>
-        </p:grpSpPr>
-        <p:pic>
-          <p:nvPicPr>
-            <p:cNvPr id="60" name="图片 59">
-              <a:extLst>
-                <a:ext uri="{FF2B5EF4-FFF2-40B4-BE49-F238E27FC236}">
-                  <a16:creationId xmlns:a16="http://schemas.microsoft.com/office/drawing/2014/main" id="{20AC0599-8051-A13F-19A4-91A542E663DC}"/>
-                </a:ext>
-              </a:extLst>
-            </p:cNvPr>
-            <p:cNvPicPr>
-              <a:picLocks noChangeAspect="1"/>
-            </p:cNvPicPr>
-            <p:nvPr/>
-          </p:nvPicPr>
-          <p:blipFill>
-            <a:blip r:embed="rId9"/>
-            <a:stretch>
-              <a:fillRect/>
-            </a:stretch>
-          </p:blipFill>
-          <p:spPr>
-            <a:xfrm>
-              <a:off x="6618460" y="4754336"/>
-              <a:ext cx="5380208" cy="369020"/>
-            </a:xfrm>
-            <a:prstGeom prst="rect">
-              <a:avLst/>
-            </a:prstGeom>
-          </p:spPr>
-        </p:pic>
-        <p:cxnSp>
-          <p:nvCxnSpPr>
-            <p:cNvPr id="70" name="直接连接符 69">
-              <a:extLst>
-                <a:ext uri="{FF2B5EF4-FFF2-40B4-BE49-F238E27FC236}">
-                  <a16:creationId xmlns:a16="http://schemas.microsoft.com/office/drawing/2014/main" id="{29CEFFBB-7285-4465-2B06-3F14A00B98E7}"/>
-                </a:ext>
-              </a:extLst>
-            </p:cNvPr>
-            <p:cNvCxnSpPr/>
-            <p:nvPr/>
-          </p:nvCxnSpPr>
-          <p:spPr>
-            <a:xfrm>
-              <a:off x="7565571" y="5116286"/>
-              <a:ext cx="3151415" cy="7070"/>
-            </a:xfrm>
-            <a:prstGeom prst="line">
-              <a:avLst/>
-            </a:prstGeom>
-            <a:ln w="28575">
-              <a:solidFill>
-                <a:srgbClr val="FF0000"/>
-              </a:solidFill>
-            </a:ln>
-          </p:spPr>
-          <p:style>
-            <a:lnRef idx="1">
-              <a:schemeClr val="accent2"/>
-            </a:lnRef>
-            <a:fillRef idx="0">
-              <a:schemeClr val="accent2"/>
-            </a:fillRef>
-            <a:effectRef idx="0">
-              <a:schemeClr val="accent2"/>
-            </a:effectRef>
-            <a:fontRef idx="minor">
-              <a:schemeClr val="tx1"/>
-            </a:fontRef>
-          </p:style>
-        </p:cxnSp>
-        <p:sp>
-          <p:nvSpPr>
-            <p:cNvPr id="71" name="文本框 70">
-              <a:extLst>
-                <a:ext uri="{FF2B5EF4-FFF2-40B4-BE49-F238E27FC236}">
-                  <a16:creationId xmlns:a16="http://schemas.microsoft.com/office/drawing/2014/main" id="{E4A4A9B6-7BE4-F4D1-9E43-581FD732AFC0}"/>
-                </a:ext>
-              </a:extLst>
-            </p:cNvPr>
-            <p:cNvSpPr txBox="1"/>
-            <p:nvPr/>
-          </p:nvSpPr>
-          <p:spPr>
-            <a:xfrm>
-              <a:off x="8639174" y="5115192"/>
-              <a:ext cx="1518557" cy="369332"/>
-            </a:xfrm>
-            <a:prstGeom prst="rect">
-              <a:avLst/>
-            </a:prstGeom>
-            <a:noFill/>
-          </p:spPr>
-          <p:txBody>
-            <a:bodyPr wrap="square" rtlCol="0">
-              <a:spAutoFit/>
-            </a:bodyPr>
-            <a:lstStyle/>
-            <a:p>
-              <a:r>
-                <a:rPr lang="en-US" altLang="zh-CN" dirty="0">
-                  <a:solidFill>
-                    <a:srgbClr val="FF0000"/>
-                  </a:solidFill>
-                  <a:latin typeface="Times New Roman" panose="02020603050405020304" pitchFamily="18" charset="0"/>
-                  <a:cs typeface="Times New Roman" panose="02020603050405020304" pitchFamily="18" charset="0"/>
-                </a:rPr>
-                <a:t>TD</a:t>
-              </a:r>
-              <a:r>
-                <a:rPr lang="zh-CN" altLang="en-US" dirty="0">
-                  <a:solidFill>
-                    <a:srgbClr val="FF0000"/>
-                  </a:solidFill>
-                  <a:latin typeface="Times New Roman" panose="02020603050405020304" pitchFamily="18" charset="0"/>
-                  <a:cs typeface="Times New Roman" panose="02020603050405020304" pitchFamily="18" charset="0"/>
-                </a:rPr>
-                <a:t> </a:t>
-              </a:r>
-              <a:r>
-                <a:rPr lang="en-US" altLang="zh-CN" dirty="0">
-                  <a:solidFill>
-                    <a:srgbClr val="FF0000"/>
-                  </a:solidFill>
-                  <a:latin typeface="Times New Roman" panose="02020603050405020304" pitchFamily="18" charset="0"/>
-                  <a:cs typeface="Times New Roman" panose="02020603050405020304" pitchFamily="18" charset="0"/>
-                </a:rPr>
-                <a:t>error</a:t>
-              </a:r>
-              <a:endParaRPr lang="zh-CN" altLang="en-US" dirty="0">
-                <a:solidFill>
-                  <a:srgbClr val="FF0000"/>
-                </a:solidFill>
-                <a:latin typeface="Times New Roman" panose="02020603050405020304" pitchFamily="18" charset="0"/>
-                <a:cs typeface="Times New Roman" panose="02020603050405020304" pitchFamily="18" charset="0"/>
-              </a:endParaRPr>
-            </a:p>
-          </p:txBody>
-        </p:sp>
-      </p:grpSp>
-      <p:cxnSp>
-        <p:nvCxnSpPr>
-          <p:cNvPr id="74" name="连接符: 肘形 73">
-            <a:extLst>
-              <a:ext uri="{FF2B5EF4-FFF2-40B4-BE49-F238E27FC236}">
-                <a16:creationId xmlns:a16="http://schemas.microsoft.com/office/drawing/2014/main" id="{2CB9072F-F068-02F3-90D3-3E58ADE55968}"/>
-              </a:ext>
-            </a:extLst>
-          </p:cNvPr>
-          <p:cNvCxnSpPr>
-            <a:stCxn id="6" idx="0"/>
-            <a:endCxn id="51" idx="4"/>
-          </p:cNvCxnSpPr>
-          <p:nvPr/>
-        </p:nvCxnSpPr>
-        <p:spPr>
-          <a:xfrm rot="16200000" flipV="1">
-            <a:off x="2462213" y="2443164"/>
-            <a:ext cx="737507" cy="385082"/>
-          </a:xfrm>
-          <a:prstGeom prst="bentConnector3">
-            <a:avLst/>
-          </a:prstGeom>
-          <a:ln w="19050">
-            <a:tailEnd type="triangle"/>
-          </a:ln>
-        </p:spPr>
-        <p:style>
-          <a:lnRef idx="1">
-            <a:schemeClr val="accent1"/>
-          </a:lnRef>
-          <a:fillRef idx="0">
-            <a:schemeClr val="accent1"/>
-          </a:fillRef>
-          <a:effectRef idx="0">
-            <a:schemeClr val="accent1"/>
-          </a:effectRef>
-          <a:fontRef idx="minor">
-            <a:schemeClr val="tx1"/>
-          </a:fontRef>
-        </p:style>
-      </p:cxnSp>
-      <p:cxnSp>
-        <p:nvCxnSpPr>
-          <p:cNvPr id="76" name="连接符: 肘形 75">
-            <a:extLst>
-              <a:ext uri="{FF2B5EF4-FFF2-40B4-BE49-F238E27FC236}">
-                <a16:creationId xmlns:a16="http://schemas.microsoft.com/office/drawing/2014/main" id="{BCADB479-AAD6-8640-B6B8-2E16FDE3528E}"/>
-              </a:ext>
-            </a:extLst>
-          </p:cNvPr>
-          <p:cNvCxnSpPr>
-            <a:stCxn id="6" idx="0"/>
-            <a:endCxn id="53" idx="4"/>
-          </p:cNvCxnSpPr>
-          <p:nvPr/>
-        </p:nvCxnSpPr>
-        <p:spPr>
-          <a:xfrm rot="5400000" flipH="1" flipV="1">
-            <a:off x="2858166" y="2432293"/>
-            <a:ext cx="737507" cy="406825"/>
-          </a:xfrm>
-          <a:prstGeom prst="bentConnector3">
-            <a:avLst/>
-          </a:prstGeom>
-          <a:ln w="19050">
-            <a:tailEnd type="triangle"/>
-          </a:ln>
-        </p:spPr>
-        <p:style>
-          <a:lnRef idx="1">
-            <a:schemeClr val="accent1"/>
-          </a:lnRef>
-          <a:fillRef idx="0">
-            <a:schemeClr val="accent1"/>
-          </a:fillRef>
-          <a:effectRef idx="0">
-            <a:schemeClr val="accent1"/>
-          </a:effectRef>
-          <a:fontRef idx="minor">
-            <a:schemeClr val="tx1"/>
-          </a:fontRef>
-        </p:style>
-      </p:cxnSp>
-      <mc:AlternateContent xmlns:mc="http://schemas.openxmlformats.org/markup-compatibility/2006">
-        <mc:Choice xmlns:a14="http://schemas.microsoft.com/office/drawing/2010/main" Requires="a14">
-          <p:sp>
-            <p:nvSpPr>
-              <p:cNvPr id="79" name="矩形 78">
-                <a:extLst>
-                  <a:ext uri="{FF2B5EF4-FFF2-40B4-BE49-F238E27FC236}">
-                    <a16:creationId xmlns:a16="http://schemas.microsoft.com/office/drawing/2014/main" id="{92BD988D-67EA-2366-B038-21801CEF81BF}"/>
-                  </a:ext>
-                </a:extLst>
-              </p:cNvPr>
-              <p:cNvSpPr/>
-              <p:nvPr/>
-            </p:nvSpPr>
-            <p:spPr>
-              <a:xfrm>
-                <a:off x="6207496" y="2517529"/>
-                <a:ext cx="1540328" cy="424542"/>
-              </a:xfrm>
-              <a:prstGeom prst="rect">
-                <a:avLst/>
-              </a:prstGeom>
-              <a:solidFill>
-                <a:schemeClr val="accent2"/>
-              </a:solidFill>
-            </p:spPr>
-            <p:style>
-              <a:lnRef idx="2">
-                <a:schemeClr val="accent1">
-                  <a:shade val="15000"/>
-                </a:schemeClr>
-              </a:lnRef>
-              <a:fillRef idx="1">
-                <a:schemeClr val="accent1"/>
-              </a:fillRef>
-              <a:effectRef idx="0">
-                <a:schemeClr val="accent1"/>
-              </a:effectRef>
-              <a:fontRef idx="minor">
-                <a:schemeClr val="lt1"/>
-              </a:fontRef>
-            </p:style>
-            <p:txBody>
-              <a:bodyPr rtlCol="0" anchor="ctr"/>
-              <a:lstStyle/>
-              <a:p>
-                <a:pPr algn="ctr"/>
-                <a:r>
-                  <a:rPr lang="en-US" altLang="zh-CN" dirty="0"/>
-                  <a:t>Actor</a:t>
-                </a:r>
-                <a:r>
-                  <a:rPr lang="zh-CN" altLang="en-US" dirty="0"/>
-                  <a:t>：</a:t>
-                </a:r>
-                <a14:m>
-                  <m:oMath xmlns:m="http://schemas.openxmlformats.org/officeDocument/2006/math">
-                    <m:sSub>
-                      <m:sSubPr>
-                        <m:ctrlPr>
-                          <a:rPr lang="en-US" altLang="zh-CN" i="1" smtClean="0">
-                            <a:latin typeface="Cambria Math" panose="02040503050406030204" pitchFamily="18" charset="0"/>
-                          </a:rPr>
-                        </m:ctrlPr>
-                      </m:sSubPr>
-                      <m:e>
-                        <m:r>
-                          <a:rPr lang="zh-CN" altLang="en-US" i="1" smtClean="0">
-                            <a:latin typeface="Cambria Math" panose="02040503050406030204" pitchFamily="18" charset="0"/>
-                          </a:rPr>
-                          <m:t>𝜋</m:t>
-                        </m:r>
-                      </m:e>
-                      <m:sub>
-                        <m:r>
-                          <a:rPr lang="zh-CN" altLang="en-US" i="1" smtClean="0">
-                            <a:latin typeface="Cambria Math" panose="02040503050406030204" pitchFamily="18" charset="0"/>
-                          </a:rPr>
-                          <m:t>𝜃</m:t>
-                        </m:r>
-                      </m:sub>
-                    </m:sSub>
-                    <m:r>
-                      <a:rPr lang="en-US" altLang="zh-CN" b="0" i="1" smtClean="0">
-                        <a:latin typeface="Cambria Math" panose="02040503050406030204" pitchFamily="18" charset="0"/>
-                      </a:rPr>
-                      <m:t>(</m:t>
-                    </m:r>
-                    <m:r>
-                      <a:rPr lang="en-US" altLang="zh-CN" b="0" i="1" smtClean="0">
-                        <a:latin typeface="Cambria Math" panose="02040503050406030204" pitchFamily="18" charset="0"/>
-                      </a:rPr>
-                      <m:t>𝑠</m:t>
-                    </m:r>
-                    <m:r>
-                      <a:rPr lang="en-US" altLang="zh-CN" b="0" i="1" smtClean="0">
-                        <a:latin typeface="Cambria Math" panose="02040503050406030204" pitchFamily="18" charset="0"/>
-                      </a:rPr>
-                      <m:t>)</m:t>
-                    </m:r>
-                  </m:oMath>
-                </a14:m>
-                <a:endParaRPr lang="zh-CN" altLang="en-US" dirty="0"/>
-              </a:p>
-            </p:txBody>
-          </p:sp>
-        </mc:Choice>
-        <mc:Fallback>
-          <p:sp>
-            <p:nvSpPr>
-              <p:cNvPr id="79" name="矩形 78">
-                <a:extLst>
-                  <a:ext uri="{FF2B5EF4-FFF2-40B4-BE49-F238E27FC236}">
-                    <a16:creationId xmlns:a16="http://schemas.microsoft.com/office/drawing/2014/main" id="{92BD988D-67EA-2366-B038-21801CEF81BF}"/>
-                  </a:ext>
-                </a:extLst>
-              </p:cNvPr>
-              <p:cNvSpPr>
-                <a:spLocks noRot="1" noChangeAspect="1" noMove="1" noResize="1" noEditPoints="1" noAdjustHandles="1" noChangeArrowheads="1" noChangeShapeType="1" noTextEdit="1"/>
-              </p:cNvSpPr>
-              <p:nvPr/>
-            </p:nvSpPr>
-            <p:spPr>
-              <a:xfrm>
-                <a:off x="6207496" y="2517529"/>
-                <a:ext cx="1540328" cy="424542"/>
-              </a:xfrm>
-              <a:prstGeom prst="rect">
-                <a:avLst/>
-              </a:prstGeom>
-              <a:blipFill>
-                <a:blip r:embed="rId10"/>
-                <a:stretch>
-                  <a:fillRect l="-1569" b="-13889"/>
-                </a:stretch>
-              </a:blipFill>
-            </p:spPr>
-            <p:txBody>
-              <a:bodyPr/>
-              <a:lstStyle/>
-              <a:p>
-                <a:r>
-                  <a:rPr lang="zh-CN" altLang="en-US">
-                    <a:noFill/>
-                  </a:rPr>
-                  <a:t> </a:t>
-                </a:r>
-              </a:p>
-            </p:txBody>
-          </p:sp>
-        </mc:Fallback>
-      </mc:AlternateContent>
-      <mc:AlternateContent xmlns:mc="http://schemas.openxmlformats.org/markup-compatibility/2006">
-        <mc:Choice xmlns:a14="http://schemas.microsoft.com/office/drawing/2010/main" Requires="a14">
-          <p:sp>
-            <p:nvSpPr>
-              <p:cNvPr id="81" name="矩形 80">
-                <a:extLst>
-                  <a:ext uri="{FF2B5EF4-FFF2-40B4-BE49-F238E27FC236}">
-                    <a16:creationId xmlns:a16="http://schemas.microsoft.com/office/drawing/2014/main" id="{F6527F82-7AD7-CF2C-1E3F-4E912A35C454}"/>
-                  </a:ext>
-                </a:extLst>
-              </p:cNvPr>
-              <p:cNvSpPr/>
-              <p:nvPr/>
-            </p:nvSpPr>
-            <p:spPr>
-              <a:xfrm>
-                <a:off x="6177535" y="3826330"/>
-                <a:ext cx="1883228" cy="424542"/>
-              </a:xfrm>
-              <a:prstGeom prst="rect">
-                <a:avLst/>
-              </a:prstGeom>
-            </p:spPr>
-            <p:style>
-              <a:lnRef idx="2">
-                <a:schemeClr val="accent1">
-                  <a:shade val="15000"/>
-                </a:schemeClr>
-              </a:lnRef>
-              <a:fillRef idx="1">
-                <a:schemeClr val="accent1"/>
-              </a:fillRef>
-              <a:effectRef idx="0">
-                <a:schemeClr val="accent1"/>
-              </a:effectRef>
-              <a:fontRef idx="minor">
-                <a:schemeClr val="lt1"/>
-              </a:fontRef>
-            </p:style>
-            <p:txBody>
-              <a:bodyPr rtlCol="0" anchor="ctr"/>
-              <a:lstStyle/>
-              <a:p>
-                <a:pPr algn="ctr"/>
-                <a:r>
-                  <a:rPr lang="en-US" altLang="zh-CN" dirty="0"/>
-                  <a:t>Critic</a:t>
-                </a:r>
-                <a:r>
-                  <a:rPr lang="zh-CN" altLang="en-US" dirty="0"/>
-                  <a:t>：</a:t>
-                </a:r>
-                <a14:m>
-                  <m:oMath xmlns:m="http://schemas.openxmlformats.org/officeDocument/2006/math">
-                    <m:sSub>
-                      <m:sSubPr>
-                        <m:ctrlPr>
-                          <a:rPr lang="en-US" altLang="zh-CN" i="1" smtClean="0">
-                            <a:latin typeface="Cambria Math" panose="02040503050406030204" pitchFamily="18" charset="0"/>
-                          </a:rPr>
-                        </m:ctrlPr>
-                      </m:sSubPr>
-                      <m:e>
-                        <m:acc>
-                          <m:accPr>
-                            <m:chr m:val="̂"/>
-                            <m:ctrlPr>
-                              <a:rPr lang="en-US" altLang="zh-CN" i="1" smtClean="0">
-                                <a:latin typeface="Cambria Math" panose="02040503050406030204" pitchFamily="18" charset="0"/>
-                              </a:rPr>
-                            </m:ctrlPr>
-                          </m:accPr>
-                          <m:e>
-                            <m:r>
-                              <a:rPr lang="en-US" altLang="zh-CN" b="0" i="1" smtClean="0">
-                                <a:latin typeface="Cambria Math" panose="02040503050406030204" pitchFamily="18" charset="0"/>
-                              </a:rPr>
-                              <m:t>𝑞</m:t>
-                            </m:r>
-                          </m:e>
-                        </m:acc>
-                      </m:e>
-                      <m:sub>
-                        <m:r>
-                          <a:rPr lang="en-US" altLang="zh-CN" b="0" i="1" smtClean="0">
-                            <a:latin typeface="Cambria Math" panose="02040503050406030204" pitchFamily="18" charset="0"/>
-                          </a:rPr>
-                          <m:t>𝑤</m:t>
-                        </m:r>
-                      </m:sub>
-                    </m:sSub>
-                    <m:r>
-                      <a:rPr lang="en-US" altLang="zh-CN" b="0" i="1" smtClean="0">
-                        <a:latin typeface="Cambria Math" panose="02040503050406030204" pitchFamily="18" charset="0"/>
-                      </a:rPr>
-                      <m:t>(</m:t>
-                    </m:r>
-                    <m:r>
-                      <a:rPr lang="en-US" altLang="zh-CN" b="0" i="1" smtClean="0">
-                        <a:latin typeface="Cambria Math" panose="02040503050406030204" pitchFamily="18" charset="0"/>
-                      </a:rPr>
-                      <m:t>𝑠</m:t>
-                    </m:r>
-                    <m:r>
-                      <a:rPr lang="en-US" altLang="zh-CN" b="0" i="1" smtClean="0">
-                        <a:latin typeface="Cambria Math" panose="02040503050406030204" pitchFamily="18" charset="0"/>
-                      </a:rPr>
-                      <m:t>,</m:t>
-                    </m:r>
-                    <m:r>
-                      <a:rPr lang="en-US" altLang="zh-CN" b="0" i="1" smtClean="0">
-                        <a:latin typeface="Cambria Math" panose="02040503050406030204" pitchFamily="18" charset="0"/>
-                      </a:rPr>
-                      <m:t>𝑎</m:t>
-                    </m:r>
-                    <m:r>
-                      <a:rPr lang="en-US" altLang="zh-CN" b="0" i="1" smtClean="0">
-                        <a:latin typeface="Cambria Math" panose="02040503050406030204" pitchFamily="18" charset="0"/>
-                      </a:rPr>
-                      <m:t>)</m:t>
-                    </m:r>
-                  </m:oMath>
-                </a14:m>
-                <a:endParaRPr lang="zh-CN" altLang="en-US" dirty="0"/>
-              </a:p>
-            </p:txBody>
-          </p:sp>
-        </mc:Choice>
-        <mc:Fallback>
-          <p:sp>
-            <p:nvSpPr>
-              <p:cNvPr id="81" name="矩形 80">
-                <a:extLst>
-                  <a:ext uri="{FF2B5EF4-FFF2-40B4-BE49-F238E27FC236}">
-                    <a16:creationId xmlns:a16="http://schemas.microsoft.com/office/drawing/2014/main" id="{F6527F82-7AD7-CF2C-1E3F-4E912A35C454}"/>
-                  </a:ext>
-                </a:extLst>
-              </p:cNvPr>
-              <p:cNvSpPr>
-                <a:spLocks noRot="1" noChangeAspect="1" noMove="1" noResize="1" noEditPoints="1" noAdjustHandles="1" noChangeArrowheads="1" noChangeShapeType="1" noTextEdit="1"/>
-              </p:cNvSpPr>
-              <p:nvPr/>
-            </p:nvSpPr>
-            <p:spPr>
-              <a:xfrm>
-                <a:off x="6177535" y="3826330"/>
-                <a:ext cx="1883228" cy="424542"/>
-              </a:xfrm>
-              <a:prstGeom prst="rect">
-                <a:avLst/>
-              </a:prstGeom>
-              <a:blipFill>
-                <a:blip r:embed="rId11"/>
-                <a:stretch>
-                  <a:fillRect b="-14085"/>
-                </a:stretch>
-              </a:blipFill>
-            </p:spPr>
-            <p:txBody>
-              <a:bodyPr/>
-              <a:lstStyle/>
-              <a:p>
-                <a:r>
-                  <a:rPr lang="zh-CN" altLang="en-US">
-                    <a:noFill/>
-                  </a:rPr>
-                  <a:t> </a:t>
-                </a:r>
-              </a:p>
-            </p:txBody>
-          </p:sp>
-        </mc:Fallback>
-      </mc:AlternateContent>
-      <mc:AlternateContent xmlns:mc="http://schemas.openxmlformats.org/markup-compatibility/2006">
-        <mc:Choice xmlns:a14="http://schemas.microsoft.com/office/drawing/2010/main" Requires="a14">
-          <p:sp>
-            <p:nvSpPr>
-              <p:cNvPr id="86" name="文本框 85">
-                <a:extLst>
-                  <a:ext uri="{FF2B5EF4-FFF2-40B4-BE49-F238E27FC236}">
-                    <a16:creationId xmlns:a16="http://schemas.microsoft.com/office/drawing/2014/main" id="{B401AA9D-1FF0-D438-1A46-F034AEE2A713}"/>
-                  </a:ext>
-                </a:extLst>
-              </p:cNvPr>
-              <p:cNvSpPr txBox="1"/>
-              <p:nvPr/>
-            </p:nvSpPr>
-            <p:spPr>
-              <a:xfrm>
-                <a:off x="5972093" y="1748722"/>
-                <a:ext cx="2563586" cy="369332"/>
-              </a:xfrm>
-              <a:prstGeom prst="rect">
-                <a:avLst/>
-              </a:prstGeom>
-              <a:noFill/>
-            </p:spPr>
-            <p:txBody>
-              <a:bodyPr wrap="square" rtlCol="0">
-                <a:spAutoFit/>
-              </a:bodyPr>
-              <a:lstStyle/>
-              <a:p>
-                <a:r>
-                  <a:rPr lang="en-US" altLang="zh-CN" dirty="0">
-                    <a:solidFill>
-                      <a:srgbClr val="FF0000"/>
-                    </a:solidFill>
-                    <a:latin typeface="Times New Roman" panose="02020603050405020304" pitchFamily="18" charset="0"/>
-                    <a:cs typeface="Times New Roman" panose="02020603050405020304" pitchFamily="18" charset="0"/>
-                  </a:rPr>
-                  <a:t>Update</a:t>
-                </a:r>
-                <a14:m>
-                  <m:oMath xmlns:m="http://schemas.openxmlformats.org/officeDocument/2006/math">
-                    <m:r>
-                      <a:rPr lang="en-US" altLang="zh-CN" b="0" i="0" smtClean="0">
-                        <a:latin typeface="Cambria Math" panose="02040503050406030204" pitchFamily="18" charset="0"/>
-                      </a:rPr>
-                      <m:t> </m:t>
-                    </m:r>
-                    <m:r>
-                      <a:rPr lang="zh-CN" altLang="en-US" i="1" smtClean="0">
-                        <a:latin typeface="Cambria Math" panose="02040503050406030204" pitchFamily="18" charset="0"/>
-                      </a:rPr>
-                      <m:t>𝜃</m:t>
-                    </m:r>
-                  </m:oMath>
-                </a14:m>
-                <a:r>
-                  <a:rPr lang="zh-CN" altLang="en-US" dirty="0">
-                    <a:solidFill>
-                      <a:srgbClr val="FF0000"/>
-                    </a:solidFill>
-                    <a:latin typeface="Times New Roman" panose="02020603050405020304" pitchFamily="18" charset="0"/>
-                    <a:cs typeface="Times New Roman" panose="02020603050405020304" pitchFamily="18" charset="0"/>
-                  </a:rPr>
-                  <a:t> </a:t>
-                </a:r>
-                <a:r>
-                  <a:rPr lang="en-US" altLang="zh-CN" dirty="0">
-                    <a:solidFill>
-                      <a:srgbClr val="FF0000"/>
-                    </a:solidFill>
-                    <a:latin typeface="Times New Roman" panose="02020603050405020304" pitchFamily="18" charset="0"/>
-                    <a:cs typeface="Times New Roman" panose="02020603050405020304" pitchFamily="18" charset="0"/>
-                  </a:rPr>
-                  <a:t>and </a:t>
-                </a:r>
-                <a14:m>
-                  <m:oMath xmlns:m="http://schemas.openxmlformats.org/officeDocument/2006/math">
-                    <m:r>
-                      <a:rPr lang="en-US" altLang="zh-CN" b="0" i="1" smtClean="0">
-                        <a:solidFill>
-                          <a:schemeClr val="tx1"/>
-                        </a:solidFill>
-                        <a:latin typeface="Cambria Math" panose="02040503050406030204" pitchFamily="18" charset="0"/>
-                        <a:cs typeface="Times New Roman" panose="02020603050405020304" pitchFamily="18" charset="0"/>
-                      </a:rPr>
-                      <m:t>𝑤</m:t>
-                    </m:r>
-                  </m:oMath>
-                </a14:m>
-                <a:r>
-                  <a:rPr lang="en-US" altLang="zh-CN" dirty="0">
-                    <a:solidFill>
-                      <a:srgbClr val="FF0000"/>
-                    </a:solidFill>
-                    <a:latin typeface="Times New Roman" panose="02020603050405020304" pitchFamily="18" charset="0"/>
-                    <a:cs typeface="Times New Roman" panose="02020603050405020304" pitchFamily="18" charset="0"/>
-                  </a:rPr>
-                  <a:t> </a:t>
-                </a:r>
-                <a:endParaRPr lang="zh-CN" altLang="en-US" dirty="0">
-                  <a:solidFill>
-                    <a:srgbClr val="FF0000"/>
-                  </a:solidFill>
-                  <a:latin typeface="Times New Roman" panose="02020603050405020304" pitchFamily="18" charset="0"/>
-                  <a:cs typeface="Times New Roman" panose="02020603050405020304" pitchFamily="18" charset="0"/>
-                </a:endParaRPr>
-              </a:p>
-            </p:txBody>
-          </p:sp>
-        </mc:Choice>
-        <mc:Fallback>
-          <p:sp>
-            <p:nvSpPr>
-              <p:cNvPr id="86" name="文本框 85">
-                <a:extLst>
-                  <a:ext uri="{FF2B5EF4-FFF2-40B4-BE49-F238E27FC236}">
-                    <a16:creationId xmlns:a16="http://schemas.microsoft.com/office/drawing/2014/main" id="{B401AA9D-1FF0-D438-1A46-F034AEE2A713}"/>
-                  </a:ext>
-                </a:extLst>
-              </p:cNvPr>
-              <p:cNvSpPr txBox="1">
-                <a:spLocks noRot="1" noChangeAspect="1" noMove="1" noResize="1" noEditPoints="1" noAdjustHandles="1" noChangeArrowheads="1" noChangeShapeType="1" noTextEdit="1"/>
-              </p:cNvSpPr>
-              <p:nvPr/>
-            </p:nvSpPr>
-            <p:spPr>
-              <a:xfrm>
-                <a:off x="5972093" y="1748722"/>
-                <a:ext cx="2563586" cy="369332"/>
-              </a:xfrm>
-              <a:prstGeom prst="rect">
-                <a:avLst/>
-              </a:prstGeom>
-              <a:blipFill>
-                <a:blip r:embed="rId12"/>
-                <a:stretch>
-                  <a:fillRect l="-2143" t="-10000" b="-26667"/>
-                </a:stretch>
-              </a:blipFill>
-            </p:spPr>
-            <p:txBody>
-              <a:bodyPr/>
-              <a:lstStyle/>
-              <a:p>
-                <a:r>
-                  <a:rPr lang="zh-CN" altLang="en-US">
-                    <a:noFill/>
-                  </a:rPr>
-                  <a:t> </a:t>
-                </a:r>
-              </a:p>
-            </p:txBody>
-          </p:sp>
-        </mc:Fallback>
-      </mc:AlternateContent>
-      <p:cxnSp>
-        <p:nvCxnSpPr>
-          <p:cNvPr id="94" name="直接箭头连接符 93">
-            <a:extLst>
-              <a:ext uri="{FF2B5EF4-FFF2-40B4-BE49-F238E27FC236}">
-                <a16:creationId xmlns:a16="http://schemas.microsoft.com/office/drawing/2014/main" id="{5AA35848-3145-1B42-3DE7-83EB1069841D}"/>
-              </a:ext>
-            </a:extLst>
-          </p:cNvPr>
-          <p:cNvCxnSpPr>
-            <a:cxnSpLocks/>
-            <a:stCxn id="53" idx="6"/>
-          </p:cNvCxnSpPr>
-          <p:nvPr/>
-        </p:nvCxnSpPr>
-        <p:spPr>
-          <a:xfrm>
-            <a:off x="3732411" y="1967594"/>
-            <a:ext cx="2156651" cy="1"/>
-          </a:xfrm>
-          <a:prstGeom prst="straightConnector1">
-            <a:avLst/>
-          </a:prstGeom>
-          <a:ln w="19050">
-            <a:tailEnd type="triangle"/>
-          </a:ln>
-        </p:spPr>
-        <p:style>
-          <a:lnRef idx="1">
-            <a:schemeClr val="accent1"/>
-          </a:lnRef>
-          <a:fillRef idx="0">
-            <a:schemeClr val="accent1"/>
-          </a:fillRef>
-          <a:effectRef idx="0">
-            <a:schemeClr val="accent1"/>
-          </a:effectRef>
-          <a:fontRef idx="minor">
-            <a:schemeClr val="tx1"/>
-          </a:fontRef>
-        </p:style>
-      </p:cxnSp>
-      <p:cxnSp>
-        <p:nvCxnSpPr>
-          <p:cNvPr id="100" name="连接符: 肘形 99">
-            <a:extLst>
-              <a:ext uri="{FF2B5EF4-FFF2-40B4-BE49-F238E27FC236}">
-                <a16:creationId xmlns:a16="http://schemas.microsoft.com/office/drawing/2014/main" id="{9D05034D-BA14-C071-E81B-2944B67A8CC7}"/>
-              </a:ext>
-            </a:extLst>
-          </p:cNvPr>
-          <p:cNvCxnSpPr>
-            <a:cxnSpLocks/>
-          </p:cNvCxnSpPr>
-          <p:nvPr/>
-        </p:nvCxnSpPr>
-        <p:spPr>
-          <a:xfrm rot="16200000" flipH="1" flipV="1">
-            <a:off x="3700536" y="-619010"/>
-            <a:ext cx="1168649" cy="5904111"/>
-          </a:xfrm>
-          <a:prstGeom prst="bentConnector3">
-            <a:avLst>
-              <a:gd name="adj1" fmla="val -57752"/>
-            </a:avLst>
-          </a:prstGeom>
-          <a:ln w="19050">
-            <a:tailEnd type="triangle"/>
-          </a:ln>
-        </p:spPr>
-        <p:style>
-          <a:lnRef idx="1">
-            <a:schemeClr val="accent1"/>
-          </a:lnRef>
-          <a:fillRef idx="0">
-            <a:schemeClr val="accent1"/>
-          </a:fillRef>
-          <a:effectRef idx="0">
-            <a:schemeClr val="accent1"/>
-          </a:effectRef>
-          <a:fontRef idx="minor">
-            <a:schemeClr val="tx1"/>
-          </a:fontRef>
-        </p:style>
-      </p:cxnSp>
-      <mc:AlternateContent xmlns:mc="http://schemas.openxmlformats.org/markup-compatibility/2006">
-        <mc:Choice xmlns:a14="http://schemas.microsoft.com/office/drawing/2010/main" Requires="a14">
-          <p:sp>
-            <p:nvSpPr>
-              <p:cNvPr id="103" name="文本框 102">
-                <a:extLst>
-                  <a:ext uri="{FF2B5EF4-FFF2-40B4-BE49-F238E27FC236}">
-                    <a16:creationId xmlns:a16="http://schemas.microsoft.com/office/drawing/2014/main" id="{F9ECFCC0-E943-2511-6A07-C81BE7B7EB57}"/>
-                  </a:ext>
-                </a:extLst>
-              </p:cNvPr>
-              <p:cNvSpPr txBox="1"/>
-              <p:nvPr/>
-            </p:nvSpPr>
-            <p:spPr>
-              <a:xfrm>
-                <a:off x="639671" y="2188419"/>
-                <a:ext cx="1469408" cy="369332"/>
-              </a:xfrm>
-              <a:prstGeom prst="rect">
-                <a:avLst/>
-              </a:prstGeom>
-              <a:noFill/>
-            </p:spPr>
-            <p:txBody>
-              <a:bodyPr wrap="square">
-                <a:spAutoFit/>
-              </a:bodyPr>
-              <a:lstStyle/>
-              <a:p>
-                <a:pPr/>
-                <a14:m>
-                  <m:oMathPara xmlns:m="http://schemas.openxmlformats.org/officeDocument/2006/math">
-                    <m:oMathParaPr>
-                      <m:jc m:val="centerGroup"/>
-                    </m:oMathParaPr>
-                    <m:oMath xmlns:m="http://schemas.openxmlformats.org/officeDocument/2006/math">
-                      <m:sSub>
-                        <m:sSubPr>
-                          <m:ctrlPr>
-                            <a:rPr lang="en-US" altLang="zh-CN" i="1" smtClean="0">
-                              <a:solidFill>
-                                <a:schemeClr val="tx1"/>
-                              </a:solidFill>
-                              <a:latin typeface="Cambria Math" panose="02040503050406030204" pitchFamily="18" charset="0"/>
-                            </a:rPr>
-                          </m:ctrlPr>
-                        </m:sSubPr>
-                        <m:e>
-                          <m:r>
-                            <m:rPr>
-                              <m:sty m:val="p"/>
-                            </m:rPr>
-                            <a:rPr lang="en-US" altLang="zh-CN" i="1">
-                              <a:solidFill>
-                                <a:schemeClr val="tx1"/>
-                              </a:solidFill>
-                              <a:latin typeface="Cambria Math" panose="02040503050406030204" pitchFamily="18" charset="0"/>
-                            </a:rPr>
-                            <m:t>S</m:t>
-                          </m:r>
-                        </m:e>
-                        <m:sub>
-                          <m:r>
-                            <m:rPr>
-                              <m:sty m:val="p"/>
-                            </m:rPr>
-                            <a:rPr lang="en-US" altLang="zh-CN" i="1">
-                              <a:solidFill>
-                                <a:schemeClr val="tx1"/>
-                              </a:solidFill>
-                              <a:latin typeface="Cambria Math" panose="02040503050406030204" pitchFamily="18" charset="0"/>
-                            </a:rPr>
-                            <m:t>t</m:t>
-                          </m:r>
-                          <m:r>
-                            <a:rPr lang="en-US" altLang="zh-CN" b="0" i="1" smtClean="0">
-                              <a:solidFill>
-                                <a:schemeClr val="tx1"/>
-                              </a:solidFill>
-                              <a:latin typeface="Cambria Math" panose="02040503050406030204" pitchFamily="18" charset="0"/>
-                            </a:rPr>
-                            <m:t>+1</m:t>
-                          </m:r>
-                        </m:sub>
-                      </m:sSub>
-                    </m:oMath>
-                  </m:oMathPara>
-                </a14:m>
-                <a:endParaRPr lang="zh-CN" altLang="en-US" dirty="0"/>
-              </a:p>
-            </p:txBody>
-          </p:sp>
-        </mc:Choice>
-        <mc:Fallback>
-          <p:sp>
-            <p:nvSpPr>
-              <p:cNvPr id="103" name="文本框 102">
-                <a:extLst>
-                  <a:ext uri="{FF2B5EF4-FFF2-40B4-BE49-F238E27FC236}">
-                    <a16:creationId xmlns:a16="http://schemas.microsoft.com/office/drawing/2014/main" id="{F9ECFCC0-E943-2511-6A07-C81BE7B7EB57}"/>
-                  </a:ext>
-                </a:extLst>
-              </p:cNvPr>
-              <p:cNvSpPr txBox="1">
-                <a:spLocks noRot="1" noChangeAspect="1" noMove="1" noResize="1" noEditPoints="1" noAdjustHandles="1" noChangeArrowheads="1" noChangeShapeType="1" noTextEdit="1"/>
-              </p:cNvSpPr>
-              <p:nvPr/>
-            </p:nvSpPr>
-            <p:spPr>
-              <a:xfrm>
-                <a:off x="639671" y="2188419"/>
-                <a:ext cx="1469408" cy="369332"/>
-              </a:xfrm>
-              <a:prstGeom prst="rect">
-                <a:avLst/>
-              </a:prstGeom>
-              <a:blipFill>
-                <a:blip r:embed="rId13"/>
-                <a:stretch>
-                  <a:fillRect/>
-                </a:stretch>
-              </a:blipFill>
-            </p:spPr>
-            <p:txBody>
-              <a:bodyPr/>
-              <a:lstStyle/>
-              <a:p>
-                <a:r>
-                  <a:rPr lang="zh-CN" altLang="en-US">
-                    <a:noFill/>
-                  </a:rPr>
-                  <a:t> </a:t>
-                </a:r>
-              </a:p>
-            </p:txBody>
-          </p:sp>
-        </mc:Fallback>
-      </mc:AlternateContent>
       <p:sp>
         <p:nvSpPr>
           <p:cNvPr id="104" name="文本框 103">
@@ -6630,12 +4425,2638 @@
           </a:p>
         </p:txBody>
       </p:sp>
+      <p:grpSp>
+        <p:nvGrpSpPr>
+          <p:cNvPr id="3" name="组合 2">
+            <a:extLst>
+              <a:ext uri="{FF2B5EF4-FFF2-40B4-BE49-F238E27FC236}">
+                <a16:creationId xmlns:a16="http://schemas.microsoft.com/office/drawing/2014/main" id="{EB4025AC-F0A1-2691-BE53-899D891901D9}"/>
+              </a:ext>
+            </a:extLst>
+          </p:cNvPr>
+          <p:cNvGrpSpPr/>
+          <p:nvPr/>
+        </p:nvGrpSpPr>
+        <p:grpSpPr>
+          <a:xfrm>
+            <a:off x="430060" y="2788983"/>
+            <a:ext cx="11331880" cy="3719017"/>
+            <a:chOff x="646297" y="1702305"/>
+            <a:chExt cx="11331880" cy="3719017"/>
+          </a:xfrm>
+        </p:grpSpPr>
+        <p:grpSp>
+          <p:nvGrpSpPr>
+            <p:cNvPr id="2" name="组合 1">
+              <a:extLst>
+                <a:ext uri="{FF2B5EF4-FFF2-40B4-BE49-F238E27FC236}">
+                  <a16:creationId xmlns:a16="http://schemas.microsoft.com/office/drawing/2014/main" id="{DDA08C55-AE62-CC52-8A9E-15ADF55DBAF5}"/>
+                </a:ext>
+              </a:extLst>
+            </p:cNvPr>
+            <p:cNvGrpSpPr/>
+            <p:nvPr/>
+          </p:nvGrpSpPr>
+          <p:grpSpPr>
+            <a:xfrm>
+              <a:off x="646297" y="1702305"/>
+              <a:ext cx="11176663" cy="3719017"/>
+              <a:chOff x="639671" y="1609540"/>
+              <a:chExt cx="11176663" cy="3719017"/>
+            </a:xfrm>
+          </p:grpSpPr>
+          <p:sp>
+            <p:nvSpPr>
+              <p:cNvPr id="85" name="矩形 84">
+                <a:extLst>
+                  <a:ext uri="{FF2B5EF4-FFF2-40B4-BE49-F238E27FC236}">
+                    <a16:creationId xmlns:a16="http://schemas.microsoft.com/office/drawing/2014/main" id="{AD9E55EF-1402-B039-BA3D-B8932785059F}"/>
+                  </a:ext>
+                </a:extLst>
+              </p:cNvPr>
+              <p:cNvSpPr/>
+              <p:nvPr/>
+            </p:nvSpPr>
+            <p:spPr>
+              <a:xfrm>
+                <a:off x="5889062" y="2266951"/>
+                <a:ext cx="5927272" cy="3020786"/>
+              </a:xfrm>
+              <a:prstGeom prst="rect">
+                <a:avLst/>
+              </a:prstGeom>
+              <a:noFill/>
+              <a:ln w="28575">
+                <a:solidFill>
+                  <a:schemeClr val="accent6"/>
+                </a:solidFill>
+                <a:prstDash val="dashDot"/>
+              </a:ln>
+            </p:spPr>
+            <p:style>
+              <a:lnRef idx="2">
+                <a:schemeClr val="accent1">
+                  <a:shade val="15000"/>
+                </a:schemeClr>
+              </a:lnRef>
+              <a:fillRef idx="1">
+                <a:schemeClr val="accent1"/>
+              </a:fillRef>
+              <a:effectRef idx="0">
+                <a:schemeClr val="accent1"/>
+              </a:effectRef>
+              <a:fontRef idx="minor">
+                <a:schemeClr val="lt1"/>
+              </a:fontRef>
+            </p:style>
+            <p:txBody>
+              <a:bodyPr rtlCol="0" anchor="ctr"/>
+              <a:lstStyle/>
+              <a:p>
+                <a:pPr algn="ctr"/>
+                <a:endParaRPr lang="zh-CN" altLang="en-US"/>
+              </a:p>
+            </p:txBody>
+          </p:sp>
+          <mc:AlternateContent xmlns:mc="http://schemas.openxmlformats.org/markup-compatibility/2006">
+            <mc:Choice xmlns:a14="http://schemas.microsoft.com/office/drawing/2010/main" Requires="a14">
+              <p:sp>
+                <p:nvSpPr>
+                  <p:cNvPr id="4" name="矩形 3">
+                    <a:extLst>
+                      <a:ext uri="{FF2B5EF4-FFF2-40B4-BE49-F238E27FC236}">
+                        <a16:creationId xmlns:a16="http://schemas.microsoft.com/office/drawing/2014/main" id="{F1E17EC6-CA0E-64CE-8443-5BB9B805581B}"/>
+                      </a:ext>
+                    </a:extLst>
+                  </p:cNvPr>
+                  <p:cNvSpPr/>
+                  <p:nvPr/>
+                </p:nvSpPr>
+                <p:spPr>
+                  <a:xfrm>
+                    <a:off x="2253343" y="3880759"/>
+                    <a:ext cx="1540328" cy="424542"/>
+                  </a:xfrm>
+                  <a:prstGeom prst="rect">
+                    <a:avLst/>
+                  </a:prstGeom>
+                  <a:solidFill>
+                    <a:schemeClr val="accent2"/>
+                  </a:solidFill>
+                </p:spPr>
+                <p:style>
+                  <a:lnRef idx="2">
+                    <a:schemeClr val="accent1">
+                      <a:shade val="15000"/>
+                    </a:schemeClr>
+                  </a:lnRef>
+                  <a:fillRef idx="1">
+                    <a:schemeClr val="accent1"/>
+                  </a:fillRef>
+                  <a:effectRef idx="0">
+                    <a:schemeClr val="accent1"/>
+                  </a:effectRef>
+                  <a:fontRef idx="minor">
+                    <a:schemeClr val="lt1"/>
+                  </a:fontRef>
+                </p:style>
+                <p:txBody>
+                  <a:bodyPr rtlCol="0" anchor="ctr"/>
+                  <a:lstStyle/>
+                  <a:p>
+                    <a:pPr algn="ctr"/>
+                    <a:r>
+                      <a:rPr lang="en-US" altLang="zh-CN" dirty="0"/>
+                      <a:t>Actor</a:t>
+                    </a:r>
+                    <a:r>
+                      <a:rPr lang="zh-CN" altLang="en-US" dirty="0"/>
+                      <a:t>：</a:t>
+                    </a:r>
+                    <a14:m>
+                      <m:oMath xmlns:m="http://schemas.openxmlformats.org/officeDocument/2006/math">
+                        <m:sSub>
+                          <m:sSubPr>
+                            <m:ctrlPr>
+                              <a:rPr lang="en-US" altLang="zh-CN" i="1" smtClean="0">
+                                <a:latin typeface="Cambria Math" panose="02040503050406030204" pitchFamily="18" charset="0"/>
+                              </a:rPr>
+                            </m:ctrlPr>
+                          </m:sSubPr>
+                          <m:e>
+                            <m:r>
+                              <a:rPr lang="zh-CN" altLang="en-US" i="1" smtClean="0">
+                                <a:latin typeface="Cambria Math" panose="02040503050406030204" pitchFamily="18" charset="0"/>
+                              </a:rPr>
+                              <m:t>𝜋</m:t>
+                            </m:r>
+                          </m:e>
+                          <m:sub>
+                            <m:r>
+                              <a:rPr lang="zh-CN" altLang="en-US" i="1" smtClean="0">
+                                <a:latin typeface="Cambria Math" panose="02040503050406030204" pitchFamily="18" charset="0"/>
+                              </a:rPr>
+                              <m:t>𝜃</m:t>
+                            </m:r>
+                          </m:sub>
+                        </m:sSub>
+                        <m:r>
+                          <a:rPr lang="en-US" altLang="zh-CN" b="0" i="1" smtClean="0">
+                            <a:latin typeface="Cambria Math" panose="02040503050406030204" pitchFamily="18" charset="0"/>
+                          </a:rPr>
+                          <m:t>(</m:t>
+                        </m:r>
+                        <m:r>
+                          <a:rPr lang="en-US" altLang="zh-CN" b="0" i="1" smtClean="0">
+                            <a:latin typeface="Cambria Math" panose="02040503050406030204" pitchFamily="18" charset="0"/>
+                          </a:rPr>
+                          <m:t>𝑠</m:t>
+                        </m:r>
+                        <m:r>
+                          <a:rPr lang="en-US" altLang="zh-CN" b="0" i="1" smtClean="0">
+                            <a:latin typeface="Cambria Math" panose="02040503050406030204" pitchFamily="18" charset="0"/>
+                          </a:rPr>
+                          <m:t>)</m:t>
+                        </m:r>
+                      </m:oMath>
+                    </a14:m>
+                    <a:endParaRPr lang="zh-CN" altLang="en-US" dirty="0"/>
+                  </a:p>
+                </p:txBody>
+              </p:sp>
+            </mc:Choice>
+            <mc:Fallback>
+              <p:sp>
+                <p:nvSpPr>
+                  <p:cNvPr id="4" name="矩形 3">
+                    <a:extLst>
+                      <a:ext uri="{FF2B5EF4-FFF2-40B4-BE49-F238E27FC236}">
+                        <a16:creationId xmlns:a16="http://schemas.microsoft.com/office/drawing/2014/main" id="{F1E17EC6-CA0E-64CE-8443-5BB9B805581B}"/>
+                      </a:ext>
+                    </a:extLst>
+                  </p:cNvPr>
+                  <p:cNvSpPr>
+                    <a:spLocks noRot="1" noChangeAspect="1" noMove="1" noResize="1" noEditPoints="1" noAdjustHandles="1" noChangeArrowheads="1" noChangeShapeType="1" noTextEdit="1"/>
+                  </p:cNvSpPr>
+                  <p:nvPr/>
+                </p:nvSpPr>
+                <p:spPr>
+                  <a:xfrm>
+                    <a:off x="2253343" y="3880759"/>
+                    <a:ext cx="1540328" cy="424542"/>
+                  </a:xfrm>
+                  <a:prstGeom prst="rect">
+                    <a:avLst/>
+                  </a:prstGeom>
+                  <a:blipFill>
+                    <a:blip r:embed="rId2"/>
+                    <a:stretch>
+                      <a:fillRect l="-1569" b="-13889"/>
+                    </a:stretch>
+                  </a:blipFill>
+                </p:spPr>
+                <p:txBody>
+                  <a:bodyPr/>
+                  <a:lstStyle/>
+                  <a:p>
+                    <a:r>
+                      <a:rPr lang="zh-CN" altLang="en-US">
+                        <a:noFill/>
+                      </a:rPr>
+                      <a:t> </a:t>
+                    </a:r>
+                  </a:p>
+                </p:txBody>
+              </p:sp>
+            </mc:Fallback>
+          </mc:AlternateContent>
+          <mc:AlternateContent xmlns:mc="http://schemas.openxmlformats.org/markup-compatibility/2006">
+            <mc:Choice xmlns:a14="http://schemas.microsoft.com/office/drawing/2010/main" Requires="a14">
+              <p:sp>
+                <p:nvSpPr>
+                  <p:cNvPr id="5" name="矩形 4">
+                    <a:extLst>
+                      <a:ext uri="{FF2B5EF4-FFF2-40B4-BE49-F238E27FC236}">
+                        <a16:creationId xmlns:a16="http://schemas.microsoft.com/office/drawing/2014/main" id="{9154D4A6-9D5D-0CEE-78AA-6501FD66BF2A}"/>
+                      </a:ext>
+                    </a:extLst>
+                  </p:cNvPr>
+                  <p:cNvSpPr/>
+                  <p:nvPr/>
+                </p:nvSpPr>
+                <p:spPr>
+                  <a:xfrm>
+                    <a:off x="2081892" y="4904015"/>
+                    <a:ext cx="1883228" cy="424542"/>
+                  </a:xfrm>
+                  <a:prstGeom prst="rect">
+                    <a:avLst/>
+                  </a:prstGeom>
+                </p:spPr>
+                <p:style>
+                  <a:lnRef idx="2">
+                    <a:schemeClr val="accent1">
+                      <a:shade val="15000"/>
+                    </a:schemeClr>
+                  </a:lnRef>
+                  <a:fillRef idx="1">
+                    <a:schemeClr val="accent1"/>
+                  </a:fillRef>
+                  <a:effectRef idx="0">
+                    <a:schemeClr val="accent1"/>
+                  </a:effectRef>
+                  <a:fontRef idx="minor">
+                    <a:schemeClr val="lt1"/>
+                  </a:fontRef>
+                </p:style>
+                <p:txBody>
+                  <a:bodyPr rtlCol="0" anchor="ctr"/>
+                  <a:lstStyle/>
+                  <a:p>
+                    <a:pPr algn="ctr"/>
+                    <a:r>
+                      <a:rPr lang="en-US" altLang="zh-CN" dirty="0"/>
+                      <a:t>Critic</a:t>
+                    </a:r>
+                    <a:r>
+                      <a:rPr lang="zh-CN" altLang="en-US" dirty="0"/>
+                      <a:t>：</a:t>
+                    </a:r>
+                    <a14:m>
+                      <m:oMath xmlns:m="http://schemas.openxmlformats.org/officeDocument/2006/math">
+                        <m:sSub>
+                          <m:sSubPr>
+                            <m:ctrlPr>
+                              <a:rPr lang="en-US" altLang="zh-CN" i="1" smtClean="0">
+                                <a:latin typeface="Cambria Math" panose="02040503050406030204" pitchFamily="18" charset="0"/>
+                              </a:rPr>
+                            </m:ctrlPr>
+                          </m:sSubPr>
+                          <m:e>
+                            <m:acc>
+                              <m:accPr>
+                                <m:chr m:val="̂"/>
+                                <m:ctrlPr>
+                                  <a:rPr lang="en-US" altLang="zh-CN" i="1" smtClean="0">
+                                    <a:latin typeface="Cambria Math" panose="02040503050406030204" pitchFamily="18" charset="0"/>
+                                  </a:rPr>
+                                </m:ctrlPr>
+                              </m:accPr>
+                              <m:e>
+                                <m:r>
+                                  <a:rPr lang="en-US" altLang="zh-CN" b="0" i="1" smtClean="0">
+                                    <a:latin typeface="Cambria Math" panose="02040503050406030204" pitchFamily="18" charset="0"/>
+                                  </a:rPr>
+                                  <m:t>𝑞</m:t>
+                                </m:r>
+                              </m:e>
+                            </m:acc>
+                          </m:e>
+                          <m:sub>
+                            <m:r>
+                              <a:rPr lang="en-US" altLang="zh-CN" b="0" i="1" smtClean="0">
+                                <a:latin typeface="Cambria Math" panose="02040503050406030204" pitchFamily="18" charset="0"/>
+                              </a:rPr>
+                              <m:t>𝑤</m:t>
+                            </m:r>
+                          </m:sub>
+                        </m:sSub>
+                        <m:r>
+                          <a:rPr lang="en-US" altLang="zh-CN" b="0" i="1" smtClean="0">
+                            <a:latin typeface="Cambria Math" panose="02040503050406030204" pitchFamily="18" charset="0"/>
+                          </a:rPr>
+                          <m:t>(</m:t>
+                        </m:r>
+                        <m:r>
+                          <a:rPr lang="en-US" altLang="zh-CN" b="0" i="1" smtClean="0">
+                            <a:latin typeface="Cambria Math" panose="02040503050406030204" pitchFamily="18" charset="0"/>
+                          </a:rPr>
+                          <m:t>𝑠</m:t>
+                        </m:r>
+                        <m:r>
+                          <a:rPr lang="en-US" altLang="zh-CN" b="0" i="1" smtClean="0">
+                            <a:latin typeface="Cambria Math" panose="02040503050406030204" pitchFamily="18" charset="0"/>
+                          </a:rPr>
+                          <m:t>,</m:t>
+                        </m:r>
+                        <m:r>
+                          <a:rPr lang="en-US" altLang="zh-CN" b="0" i="1" smtClean="0">
+                            <a:latin typeface="Cambria Math" panose="02040503050406030204" pitchFamily="18" charset="0"/>
+                          </a:rPr>
+                          <m:t>𝑎</m:t>
+                        </m:r>
+                        <m:r>
+                          <a:rPr lang="en-US" altLang="zh-CN" b="0" i="1" smtClean="0">
+                            <a:latin typeface="Cambria Math" panose="02040503050406030204" pitchFamily="18" charset="0"/>
+                          </a:rPr>
+                          <m:t>)</m:t>
+                        </m:r>
+                      </m:oMath>
+                    </a14:m>
+                    <a:endParaRPr lang="zh-CN" altLang="en-US" dirty="0"/>
+                  </a:p>
+                </p:txBody>
+              </p:sp>
+            </mc:Choice>
+            <mc:Fallback>
+              <p:sp>
+                <p:nvSpPr>
+                  <p:cNvPr id="5" name="矩形 4">
+                    <a:extLst>
+                      <a:ext uri="{FF2B5EF4-FFF2-40B4-BE49-F238E27FC236}">
+                        <a16:creationId xmlns:a16="http://schemas.microsoft.com/office/drawing/2014/main" id="{9154D4A6-9D5D-0CEE-78AA-6501FD66BF2A}"/>
+                      </a:ext>
+                    </a:extLst>
+                  </p:cNvPr>
+                  <p:cNvSpPr>
+                    <a:spLocks noRot="1" noChangeAspect="1" noMove="1" noResize="1" noEditPoints="1" noAdjustHandles="1" noChangeArrowheads="1" noChangeShapeType="1" noTextEdit="1"/>
+                  </p:cNvSpPr>
+                  <p:nvPr/>
+                </p:nvSpPr>
+                <p:spPr>
+                  <a:xfrm>
+                    <a:off x="2081892" y="4904015"/>
+                    <a:ext cx="1883228" cy="424542"/>
+                  </a:xfrm>
+                  <a:prstGeom prst="rect">
+                    <a:avLst/>
+                  </a:prstGeom>
+                  <a:blipFill>
+                    <a:blip r:embed="rId3"/>
+                    <a:stretch>
+                      <a:fillRect b="-13889"/>
+                    </a:stretch>
+                  </a:blipFill>
+                </p:spPr>
+                <p:txBody>
+                  <a:bodyPr/>
+                  <a:lstStyle/>
+                  <a:p>
+                    <a:r>
+                      <a:rPr lang="zh-CN" altLang="en-US">
+                        <a:noFill/>
+                      </a:rPr>
+                      <a:t> </a:t>
+                    </a:r>
+                  </a:p>
+                </p:txBody>
+              </p:sp>
+            </mc:Fallback>
+          </mc:AlternateContent>
+          <p:sp>
+            <p:nvSpPr>
+              <p:cNvPr id="6" name="矩形 5">
+                <a:extLst>
+                  <a:ext uri="{FF2B5EF4-FFF2-40B4-BE49-F238E27FC236}">
+                    <a16:creationId xmlns:a16="http://schemas.microsoft.com/office/drawing/2014/main" id="{59A509C2-7CFD-C0E4-CE6F-B44F7512E976}"/>
+                  </a:ext>
+                </a:extLst>
+              </p:cNvPr>
+              <p:cNvSpPr/>
+              <p:nvPr/>
+            </p:nvSpPr>
+            <p:spPr>
+              <a:xfrm>
+                <a:off x="2253343" y="3004458"/>
+                <a:ext cx="1540328" cy="424542"/>
+              </a:xfrm>
+              <a:prstGeom prst="rect">
+                <a:avLst/>
+              </a:prstGeom>
+              <a:solidFill>
+                <a:schemeClr val="accent6"/>
+              </a:solidFill>
+            </p:spPr>
+            <p:style>
+              <a:lnRef idx="2">
+                <a:schemeClr val="accent1">
+                  <a:shade val="15000"/>
+                </a:schemeClr>
+              </a:lnRef>
+              <a:fillRef idx="1">
+                <a:schemeClr val="accent1"/>
+              </a:fillRef>
+              <a:effectRef idx="0">
+                <a:schemeClr val="accent1"/>
+              </a:effectRef>
+              <a:fontRef idx="minor">
+                <a:schemeClr val="lt1"/>
+              </a:fontRef>
+            </p:style>
+            <p:txBody>
+              <a:bodyPr rtlCol="0" anchor="ctr"/>
+              <a:lstStyle/>
+              <a:p>
+                <a:pPr algn="ctr"/>
+                <a:r>
+                  <a:rPr lang="en-US" altLang="zh-CN" dirty="0"/>
+                  <a:t>Environment</a:t>
+                </a:r>
+                <a:endParaRPr lang="zh-CN" altLang="en-US" dirty="0"/>
+              </a:p>
+            </p:txBody>
+          </p:sp>
+          <p:cxnSp>
+            <p:nvCxnSpPr>
+              <p:cNvPr id="8" name="连接符: 肘形 7">
+                <a:extLst>
+                  <a:ext uri="{FF2B5EF4-FFF2-40B4-BE49-F238E27FC236}">
+                    <a16:creationId xmlns:a16="http://schemas.microsoft.com/office/drawing/2014/main" id="{6D5C46E7-BD8E-7C3C-8518-D15CF6FCFBDD}"/>
+                  </a:ext>
+                </a:extLst>
+              </p:cNvPr>
+              <p:cNvCxnSpPr>
+                <a:cxnSpLocks/>
+                <a:stCxn id="31" idx="2"/>
+                <a:endCxn id="4" idx="1"/>
+              </p:cNvCxnSpPr>
+              <p:nvPr/>
+            </p:nvCxnSpPr>
+            <p:spPr>
+              <a:xfrm rot="10800000" flipH="1" flipV="1">
+                <a:off x="1047695" y="3216728"/>
+                <a:ext cx="1205647" cy="876302"/>
+              </a:xfrm>
+              <a:prstGeom prst="bentConnector3">
+                <a:avLst>
+                  <a:gd name="adj1" fmla="val -18961"/>
+                </a:avLst>
+              </a:prstGeom>
+              <a:ln w="19050">
+                <a:tailEnd type="triangle"/>
+              </a:ln>
+            </p:spPr>
+            <p:style>
+              <a:lnRef idx="1">
+                <a:schemeClr val="accent1"/>
+              </a:lnRef>
+              <a:fillRef idx="0">
+                <a:schemeClr val="accent1"/>
+              </a:fillRef>
+              <a:effectRef idx="0">
+                <a:schemeClr val="accent1"/>
+              </a:effectRef>
+              <a:fontRef idx="minor">
+                <a:schemeClr val="tx1"/>
+              </a:fontRef>
+            </p:style>
+          </p:cxnSp>
+          <p:cxnSp>
+            <p:nvCxnSpPr>
+              <p:cNvPr id="12" name="连接符: 肘形 11">
+                <a:extLst>
+                  <a:ext uri="{FF2B5EF4-FFF2-40B4-BE49-F238E27FC236}">
+                    <a16:creationId xmlns:a16="http://schemas.microsoft.com/office/drawing/2014/main" id="{0F4549A8-773C-FA49-CD88-95C6A69A81CA}"/>
+                  </a:ext>
+                </a:extLst>
+              </p:cNvPr>
+              <p:cNvCxnSpPr>
+                <a:cxnSpLocks/>
+                <a:stCxn id="31" idx="2"/>
+                <a:endCxn id="5" idx="1"/>
+              </p:cNvCxnSpPr>
+              <p:nvPr/>
+            </p:nvCxnSpPr>
+            <p:spPr>
+              <a:xfrm rot="10800000" flipH="1" flipV="1">
+                <a:off x="1047696" y="3216728"/>
+                <a:ext cx="1034196" cy="1899558"/>
+              </a:xfrm>
+              <a:prstGeom prst="bentConnector3">
+                <a:avLst>
+                  <a:gd name="adj1" fmla="val -22104"/>
+                </a:avLst>
+              </a:prstGeom>
+              <a:ln w="19050">
+                <a:tailEnd type="triangle"/>
+              </a:ln>
+            </p:spPr>
+            <p:style>
+              <a:lnRef idx="1">
+                <a:schemeClr val="accent1"/>
+              </a:lnRef>
+              <a:fillRef idx="0">
+                <a:schemeClr val="accent1"/>
+              </a:fillRef>
+              <a:effectRef idx="0">
+                <a:schemeClr val="accent1"/>
+              </a:effectRef>
+              <a:fontRef idx="minor">
+                <a:schemeClr val="tx1"/>
+              </a:fontRef>
+            </p:style>
+          </p:cxnSp>
+          <p:cxnSp>
+            <p:nvCxnSpPr>
+              <p:cNvPr id="19" name="直接箭头连接符 18">
+                <a:extLst>
+                  <a:ext uri="{FF2B5EF4-FFF2-40B4-BE49-F238E27FC236}">
+                    <a16:creationId xmlns:a16="http://schemas.microsoft.com/office/drawing/2014/main" id="{7F55DA78-CE75-4C14-B191-C9CC9ED4DAC3}"/>
+                  </a:ext>
+                </a:extLst>
+              </p:cNvPr>
+              <p:cNvCxnSpPr>
+                <a:cxnSpLocks/>
+                <a:stCxn id="4" idx="3"/>
+                <a:endCxn id="40" idx="2"/>
+              </p:cNvCxnSpPr>
+              <p:nvPr/>
+            </p:nvCxnSpPr>
+            <p:spPr>
+              <a:xfrm>
+                <a:off x="3793671" y="4093030"/>
+                <a:ext cx="982381" cy="0"/>
+              </a:xfrm>
+              <a:prstGeom prst="straightConnector1">
+                <a:avLst/>
+              </a:prstGeom>
+              <a:ln w="19050">
+                <a:tailEnd type="triangle"/>
+              </a:ln>
+            </p:spPr>
+            <p:style>
+              <a:lnRef idx="1">
+                <a:schemeClr val="accent1"/>
+              </a:lnRef>
+              <a:fillRef idx="0">
+                <a:schemeClr val="accent1"/>
+              </a:fillRef>
+              <a:effectRef idx="0">
+                <a:schemeClr val="accent1"/>
+              </a:effectRef>
+              <a:fontRef idx="minor">
+                <a:schemeClr val="tx1"/>
+              </a:fontRef>
+            </p:style>
+          </p:cxnSp>
+          <mc:AlternateContent xmlns:mc="http://schemas.openxmlformats.org/markup-compatibility/2006">
+            <mc:Choice xmlns:a14="http://schemas.microsoft.com/office/drawing/2010/main" Requires="a14">
+              <p:sp>
+                <p:nvSpPr>
+                  <p:cNvPr id="31" name="椭圆 30">
+                    <a:extLst>
+                      <a:ext uri="{FF2B5EF4-FFF2-40B4-BE49-F238E27FC236}">
+                        <a16:creationId xmlns:a16="http://schemas.microsoft.com/office/drawing/2014/main" id="{49CA106D-E6B8-14FF-6CFE-C0513ABC7720}"/>
+                      </a:ext>
+                    </a:extLst>
+                  </p:cNvPr>
+                  <p:cNvSpPr/>
+                  <p:nvPr/>
+                </p:nvSpPr>
+                <p:spPr>
+                  <a:xfrm>
+                    <a:off x="1047696" y="2917371"/>
+                    <a:ext cx="604158" cy="598714"/>
+                  </a:xfrm>
+                  <a:prstGeom prst="ellipse">
+                    <a:avLst/>
+                  </a:prstGeom>
+                  <a:solidFill>
+                    <a:schemeClr val="accent4"/>
+                  </a:solidFill>
+                </p:spPr>
+                <p:style>
+                  <a:lnRef idx="2">
+                    <a:schemeClr val="accent1">
+                      <a:shade val="15000"/>
+                    </a:schemeClr>
+                  </a:lnRef>
+                  <a:fillRef idx="1">
+                    <a:schemeClr val="accent1"/>
+                  </a:fillRef>
+                  <a:effectRef idx="0">
+                    <a:schemeClr val="accent1"/>
+                  </a:effectRef>
+                  <a:fontRef idx="minor">
+                    <a:schemeClr val="lt1"/>
+                  </a:fontRef>
+                </p:style>
+                <p:txBody>
+                  <a:bodyPr rtlCol="0" anchor="ctr"/>
+                  <a:lstStyle/>
+                  <a:p>
+                    <a:pPr algn="ctr"/>
+                    <a14:m>
+                      <m:oMathPara xmlns:m="http://schemas.openxmlformats.org/officeDocument/2006/math">
+                        <m:oMathParaPr>
+                          <m:jc m:val="centerGroup"/>
+                        </m:oMathParaPr>
+                        <m:oMath xmlns:m="http://schemas.openxmlformats.org/officeDocument/2006/math">
+                          <m:sSub>
+                            <m:sSubPr>
+                              <m:ctrlPr>
+                                <a:rPr lang="en-US" altLang="zh-CN" i="1" smtClean="0">
+                                  <a:solidFill>
+                                    <a:schemeClr val="tx1"/>
+                                  </a:solidFill>
+                                  <a:latin typeface="Cambria Math" panose="02040503050406030204" pitchFamily="18" charset="0"/>
+                                </a:rPr>
+                              </m:ctrlPr>
+                            </m:sSubPr>
+                            <m:e>
+                              <m:r>
+                                <m:rPr>
+                                  <m:sty m:val="p"/>
+                                </m:rPr>
+                                <a:rPr lang="en-US" altLang="zh-CN" i="1">
+                                  <a:solidFill>
+                                    <a:schemeClr val="tx1"/>
+                                  </a:solidFill>
+                                  <a:latin typeface="Cambria Math" panose="02040503050406030204" pitchFamily="18" charset="0"/>
+                                </a:rPr>
+                                <m:t>S</m:t>
+                              </m:r>
+                            </m:e>
+                            <m:sub>
+                              <m:r>
+                                <m:rPr>
+                                  <m:sty m:val="p"/>
+                                </m:rPr>
+                                <a:rPr lang="en-US" altLang="zh-CN" i="1">
+                                  <a:solidFill>
+                                    <a:schemeClr val="tx1"/>
+                                  </a:solidFill>
+                                  <a:latin typeface="Cambria Math" panose="02040503050406030204" pitchFamily="18" charset="0"/>
+                                </a:rPr>
+                                <m:t>t</m:t>
+                              </m:r>
+                            </m:sub>
+                          </m:sSub>
+                        </m:oMath>
+                      </m:oMathPara>
+                    </a14:m>
+                    <a:endParaRPr lang="zh-CN" altLang="en-US" dirty="0"/>
+                  </a:p>
+                </p:txBody>
+              </p:sp>
+            </mc:Choice>
+            <mc:Fallback>
+              <p:sp>
+                <p:nvSpPr>
+                  <p:cNvPr id="31" name="椭圆 30">
+                    <a:extLst>
+                      <a:ext uri="{FF2B5EF4-FFF2-40B4-BE49-F238E27FC236}">
+                        <a16:creationId xmlns:a16="http://schemas.microsoft.com/office/drawing/2014/main" id="{49CA106D-E6B8-14FF-6CFE-C0513ABC7720}"/>
+                      </a:ext>
+                    </a:extLst>
+                  </p:cNvPr>
+                  <p:cNvSpPr>
+                    <a:spLocks noRot="1" noChangeAspect="1" noMove="1" noResize="1" noEditPoints="1" noAdjustHandles="1" noChangeArrowheads="1" noChangeShapeType="1" noTextEdit="1"/>
+                  </p:cNvSpPr>
+                  <p:nvPr/>
+                </p:nvSpPr>
+                <p:spPr>
+                  <a:xfrm>
+                    <a:off x="1047696" y="2917371"/>
+                    <a:ext cx="604158" cy="598714"/>
+                  </a:xfrm>
+                  <a:prstGeom prst="ellipse">
+                    <a:avLst/>
+                  </a:prstGeom>
+                  <a:blipFill>
+                    <a:blip r:embed="rId4"/>
+                    <a:stretch>
+                      <a:fillRect/>
+                    </a:stretch>
+                  </a:blipFill>
+                </p:spPr>
+                <p:txBody>
+                  <a:bodyPr/>
+                  <a:lstStyle/>
+                  <a:p>
+                    <a:r>
+                      <a:rPr lang="zh-CN" altLang="en-US">
+                        <a:noFill/>
+                      </a:rPr>
+                      <a:t> </a:t>
+                    </a:r>
+                  </a:p>
+                </p:txBody>
+              </p:sp>
+            </mc:Fallback>
+          </mc:AlternateContent>
+          <p:cxnSp>
+            <p:nvCxnSpPr>
+              <p:cNvPr id="33" name="直接箭头连接符 32">
+                <a:extLst>
+                  <a:ext uri="{FF2B5EF4-FFF2-40B4-BE49-F238E27FC236}">
+                    <a16:creationId xmlns:a16="http://schemas.microsoft.com/office/drawing/2014/main" id="{24A19E55-768E-5E5A-F6BA-188E5BBF9EED}"/>
+                  </a:ext>
+                </a:extLst>
+              </p:cNvPr>
+              <p:cNvCxnSpPr>
+                <a:stCxn id="6" idx="1"/>
+                <a:endCxn id="31" idx="6"/>
+              </p:cNvCxnSpPr>
+              <p:nvPr/>
+            </p:nvCxnSpPr>
+            <p:spPr>
+              <a:xfrm flipH="1" flipV="1">
+                <a:off x="1651854" y="3216728"/>
+                <a:ext cx="601489" cy="1"/>
+              </a:xfrm>
+              <a:prstGeom prst="straightConnector1">
+                <a:avLst/>
+              </a:prstGeom>
+              <a:ln w="19050">
+                <a:tailEnd type="triangle"/>
+              </a:ln>
+            </p:spPr>
+            <p:style>
+              <a:lnRef idx="1">
+                <a:schemeClr val="accent1"/>
+              </a:lnRef>
+              <a:fillRef idx="0">
+                <a:schemeClr val="accent1"/>
+              </a:fillRef>
+              <a:effectRef idx="0">
+                <a:schemeClr val="accent1"/>
+              </a:effectRef>
+              <a:fontRef idx="minor">
+                <a:schemeClr val="tx1"/>
+              </a:fontRef>
+            </p:style>
+          </p:cxnSp>
+          <mc:AlternateContent xmlns:mc="http://schemas.openxmlformats.org/markup-compatibility/2006">
+            <mc:Choice xmlns:a14="http://schemas.microsoft.com/office/drawing/2010/main" Requires="a14">
+              <p:sp>
+                <p:nvSpPr>
+                  <p:cNvPr id="40" name="椭圆 39">
+                    <a:extLst>
+                      <a:ext uri="{FF2B5EF4-FFF2-40B4-BE49-F238E27FC236}">
+                        <a16:creationId xmlns:a16="http://schemas.microsoft.com/office/drawing/2014/main" id="{84C2A7C5-00B9-8D31-F4EF-582E7FA612C4}"/>
+                      </a:ext>
+                    </a:extLst>
+                  </p:cNvPr>
+                  <p:cNvSpPr/>
+                  <p:nvPr/>
+                </p:nvSpPr>
+                <p:spPr>
+                  <a:xfrm>
+                    <a:off x="4776052" y="3793673"/>
+                    <a:ext cx="604158" cy="598714"/>
+                  </a:xfrm>
+                  <a:prstGeom prst="ellipse">
+                    <a:avLst/>
+                  </a:prstGeom>
+                  <a:solidFill>
+                    <a:schemeClr val="accent4"/>
+                  </a:solidFill>
+                </p:spPr>
+                <p:style>
+                  <a:lnRef idx="2">
+                    <a:schemeClr val="accent1">
+                      <a:shade val="15000"/>
+                    </a:schemeClr>
+                  </a:lnRef>
+                  <a:fillRef idx="1">
+                    <a:schemeClr val="accent1"/>
+                  </a:fillRef>
+                  <a:effectRef idx="0">
+                    <a:schemeClr val="accent1"/>
+                  </a:effectRef>
+                  <a:fontRef idx="minor">
+                    <a:schemeClr val="lt1"/>
+                  </a:fontRef>
+                </p:style>
+                <p:txBody>
+                  <a:bodyPr rtlCol="0" anchor="ctr"/>
+                  <a:lstStyle/>
+                  <a:p>
+                    <a:pPr algn="ctr"/>
+                    <a14:m>
+                      <m:oMathPara xmlns:m="http://schemas.openxmlformats.org/officeDocument/2006/math">
+                        <m:oMathParaPr>
+                          <m:jc m:val="centerGroup"/>
+                        </m:oMathParaPr>
+                        <m:oMath xmlns:m="http://schemas.openxmlformats.org/officeDocument/2006/math">
+                          <m:sSub>
+                            <m:sSubPr>
+                              <m:ctrlPr>
+                                <a:rPr lang="en-US" altLang="zh-CN" i="1" smtClean="0">
+                                  <a:solidFill>
+                                    <a:schemeClr val="tx1"/>
+                                  </a:solidFill>
+                                  <a:latin typeface="Cambria Math" panose="02040503050406030204" pitchFamily="18" charset="0"/>
+                                </a:rPr>
+                              </m:ctrlPr>
+                            </m:sSubPr>
+                            <m:e>
+                              <m:r>
+                                <m:rPr>
+                                  <m:sty m:val="p"/>
+                                </m:rPr>
+                                <a:rPr lang="en-US" altLang="zh-CN" i="1">
+                                  <a:solidFill>
+                                    <a:schemeClr val="tx1"/>
+                                  </a:solidFill>
+                                  <a:latin typeface="Cambria Math" panose="02040503050406030204" pitchFamily="18" charset="0"/>
+                                </a:rPr>
+                                <m:t>A</m:t>
+                              </m:r>
+                            </m:e>
+                            <m:sub>
+                              <m:r>
+                                <m:rPr>
+                                  <m:sty m:val="p"/>
+                                </m:rPr>
+                                <a:rPr lang="en-US" altLang="zh-CN" i="1">
+                                  <a:solidFill>
+                                    <a:schemeClr val="tx1"/>
+                                  </a:solidFill>
+                                  <a:latin typeface="Cambria Math" panose="02040503050406030204" pitchFamily="18" charset="0"/>
+                                </a:rPr>
+                                <m:t>t</m:t>
+                              </m:r>
+                            </m:sub>
+                          </m:sSub>
+                        </m:oMath>
+                      </m:oMathPara>
+                    </a14:m>
+                    <a:endParaRPr lang="zh-CN" altLang="en-US" dirty="0"/>
+                  </a:p>
+                </p:txBody>
+              </p:sp>
+            </mc:Choice>
+            <mc:Fallback>
+              <p:sp>
+                <p:nvSpPr>
+                  <p:cNvPr id="40" name="椭圆 39">
+                    <a:extLst>
+                      <a:ext uri="{FF2B5EF4-FFF2-40B4-BE49-F238E27FC236}">
+                        <a16:creationId xmlns:a16="http://schemas.microsoft.com/office/drawing/2014/main" id="{84C2A7C5-00B9-8D31-F4EF-582E7FA612C4}"/>
+                      </a:ext>
+                    </a:extLst>
+                  </p:cNvPr>
+                  <p:cNvSpPr>
+                    <a:spLocks noRot="1" noChangeAspect="1" noMove="1" noResize="1" noEditPoints="1" noAdjustHandles="1" noChangeArrowheads="1" noChangeShapeType="1" noTextEdit="1"/>
+                  </p:cNvSpPr>
+                  <p:nvPr/>
+                </p:nvSpPr>
+                <p:spPr>
+                  <a:xfrm>
+                    <a:off x="4776052" y="3793673"/>
+                    <a:ext cx="604158" cy="598714"/>
+                  </a:xfrm>
+                  <a:prstGeom prst="ellipse">
+                    <a:avLst/>
+                  </a:prstGeom>
+                  <a:blipFill>
+                    <a:blip r:embed="rId5"/>
+                    <a:stretch>
+                      <a:fillRect/>
+                    </a:stretch>
+                  </a:blipFill>
+                </p:spPr>
+                <p:txBody>
+                  <a:bodyPr/>
+                  <a:lstStyle/>
+                  <a:p>
+                    <a:r>
+                      <a:rPr lang="zh-CN" altLang="en-US">
+                        <a:noFill/>
+                      </a:rPr>
+                      <a:t> </a:t>
+                    </a:r>
+                  </a:p>
+                </p:txBody>
+              </p:sp>
+            </mc:Fallback>
+          </mc:AlternateContent>
+          <p:cxnSp>
+            <p:nvCxnSpPr>
+              <p:cNvPr id="46" name="连接符: 肘形 45">
+                <a:extLst>
+                  <a:ext uri="{FF2B5EF4-FFF2-40B4-BE49-F238E27FC236}">
+                    <a16:creationId xmlns:a16="http://schemas.microsoft.com/office/drawing/2014/main" id="{88B7ECFC-3E75-D00B-302C-066D2E471CC4}"/>
+                  </a:ext>
+                </a:extLst>
+              </p:cNvPr>
+              <p:cNvCxnSpPr>
+                <a:cxnSpLocks/>
+                <a:stCxn id="40" idx="4"/>
+                <a:endCxn id="5" idx="3"/>
+              </p:cNvCxnSpPr>
+              <p:nvPr/>
+            </p:nvCxnSpPr>
+            <p:spPr>
+              <a:xfrm rot="5400000">
+                <a:off x="4159677" y="4197831"/>
+                <a:ext cx="723899" cy="1113011"/>
+              </a:xfrm>
+              <a:prstGeom prst="bentConnector2">
+                <a:avLst/>
+              </a:prstGeom>
+              <a:ln w="19050">
+                <a:tailEnd type="triangle"/>
+              </a:ln>
+            </p:spPr>
+            <p:style>
+              <a:lnRef idx="1">
+                <a:schemeClr val="accent1"/>
+              </a:lnRef>
+              <a:fillRef idx="0">
+                <a:schemeClr val="accent1"/>
+              </a:fillRef>
+              <a:effectRef idx="0">
+                <a:schemeClr val="accent1"/>
+              </a:effectRef>
+              <a:fontRef idx="minor">
+                <a:schemeClr val="tx1"/>
+              </a:fontRef>
+            </p:style>
+          </p:cxnSp>
+          <p:cxnSp>
+            <p:nvCxnSpPr>
+              <p:cNvPr id="48" name="连接符: 肘形 47">
+                <a:extLst>
+                  <a:ext uri="{FF2B5EF4-FFF2-40B4-BE49-F238E27FC236}">
+                    <a16:creationId xmlns:a16="http://schemas.microsoft.com/office/drawing/2014/main" id="{868238D2-4A42-C67F-CCA2-F502610FACC5}"/>
+                  </a:ext>
+                </a:extLst>
+              </p:cNvPr>
+              <p:cNvCxnSpPr>
+                <a:stCxn id="40" idx="0"/>
+                <a:endCxn id="6" idx="3"/>
+              </p:cNvCxnSpPr>
+              <p:nvPr/>
+            </p:nvCxnSpPr>
+            <p:spPr>
+              <a:xfrm rot="16200000" flipV="1">
+                <a:off x="4147429" y="2862971"/>
+                <a:ext cx="576944" cy="1284460"/>
+              </a:xfrm>
+              <a:prstGeom prst="bentConnector2">
+                <a:avLst/>
+              </a:prstGeom>
+              <a:ln w="19050">
+                <a:tailEnd type="triangle"/>
+              </a:ln>
+            </p:spPr>
+            <p:style>
+              <a:lnRef idx="1">
+                <a:schemeClr val="accent1"/>
+              </a:lnRef>
+              <a:fillRef idx="0">
+                <a:schemeClr val="accent1"/>
+              </a:fillRef>
+              <a:effectRef idx="0">
+                <a:schemeClr val="accent1"/>
+              </a:effectRef>
+              <a:fontRef idx="minor">
+                <a:schemeClr val="tx1"/>
+              </a:fontRef>
+            </p:style>
+          </p:cxnSp>
+          <mc:AlternateContent xmlns:mc="http://schemas.openxmlformats.org/markup-compatibility/2006">
+            <mc:Choice xmlns:a14="http://schemas.microsoft.com/office/drawing/2010/main" Requires="a14">
+              <p:sp>
+                <p:nvSpPr>
+                  <p:cNvPr id="51" name="椭圆 50">
+                    <a:extLst>
+                      <a:ext uri="{FF2B5EF4-FFF2-40B4-BE49-F238E27FC236}">
+                        <a16:creationId xmlns:a16="http://schemas.microsoft.com/office/drawing/2014/main" id="{021C7C20-65AB-8F08-DD6C-2BC6B97353FC}"/>
+                      </a:ext>
+                    </a:extLst>
+                  </p:cNvPr>
+                  <p:cNvSpPr/>
+                  <p:nvPr/>
+                </p:nvSpPr>
+                <p:spPr>
+                  <a:xfrm>
+                    <a:off x="2336346" y="1668237"/>
+                    <a:ext cx="604158" cy="598714"/>
+                  </a:xfrm>
+                  <a:prstGeom prst="ellipse">
+                    <a:avLst/>
+                  </a:prstGeom>
+                  <a:solidFill>
+                    <a:schemeClr val="accent4"/>
+                  </a:solidFill>
+                </p:spPr>
+                <p:style>
+                  <a:lnRef idx="2">
+                    <a:schemeClr val="accent1">
+                      <a:shade val="15000"/>
+                    </a:schemeClr>
+                  </a:lnRef>
+                  <a:fillRef idx="1">
+                    <a:schemeClr val="accent1"/>
+                  </a:fillRef>
+                  <a:effectRef idx="0">
+                    <a:schemeClr val="accent1"/>
+                  </a:effectRef>
+                  <a:fontRef idx="minor">
+                    <a:schemeClr val="lt1"/>
+                  </a:fontRef>
+                </p:style>
+                <p:txBody>
+                  <a:bodyPr rtlCol="0" anchor="ctr"/>
+                  <a:lstStyle/>
+                  <a:p>
+                    <a:pPr algn="ctr"/>
+                    <a14:m>
+                      <m:oMathPara xmlns:m="http://schemas.openxmlformats.org/officeDocument/2006/math">
+                        <m:oMathParaPr>
+                          <m:jc m:val="centerGroup"/>
+                        </m:oMathParaPr>
+                        <m:oMath xmlns:m="http://schemas.openxmlformats.org/officeDocument/2006/math">
+                          <m:sSub>
+                            <m:sSubPr>
+                              <m:ctrlPr>
+                                <a:rPr lang="en-US" altLang="zh-CN" i="1" smtClean="0">
+                                  <a:solidFill>
+                                    <a:schemeClr val="tx1"/>
+                                  </a:solidFill>
+                                  <a:latin typeface="Cambria Math" panose="02040503050406030204" pitchFamily="18" charset="0"/>
+                                </a:rPr>
+                              </m:ctrlPr>
+                            </m:sSubPr>
+                            <m:e>
+                              <m:r>
+                                <m:rPr>
+                                  <m:sty m:val="p"/>
+                                </m:rPr>
+                                <a:rPr lang="en-US" altLang="zh-CN" i="1">
+                                  <a:solidFill>
+                                    <a:schemeClr val="tx1"/>
+                                  </a:solidFill>
+                                  <a:latin typeface="Cambria Math" panose="02040503050406030204" pitchFamily="18" charset="0"/>
+                                </a:rPr>
+                                <m:t>S</m:t>
+                              </m:r>
+                            </m:e>
+                            <m:sub>
+                              <m:r>
+                                <m:rPr>
+                                  <m:sty m:val="p"/>
+                                </m:rPr>
+                                <a:rPr lang="en-US" altLang="zh-CN" i="1">
+                                  <a:solidFill>
+                                    <a:schemeClr val="tx1"/>
+                                  </a:solidFill>
+                                  <a:latin typeface="Cambria Math" panose="02040503050406030204" pitchFamily="18" charset="0"/>
+                                </a:rPr>
+                                <m:t>t</m:t>
+                              </m:r>
+                              <m:r>
+                                <a:rPr lang="en-US" altLang="zh-CN" b="0" i="1" smtClean="0">
+                                  <a:solidFill>
+                                    <a:schemeClr val="tx1"/>
+                                  </a:solidFill>
+                                  <a:latin typeface="Cambria Math" panose="02040503050406030204" pitchFamily="18" charset="0"/>
+                                </a:rPr>
+                                <m:t>+1</m:t>
+                              </m:r>
+                            </m:sub>
+                          </m:sSub>
+                        </m:oMath>
+                      </m:oMathPara>
+                    </a14:m>
+                    <a:endParaRPr lang="zh-CN" altLang="en-US" dirty="0"/>
+                  </a:p>
+                </p:txBody>
+              </p:sp>
+            </mc:Choice>
+            <mc:Fallback>
+              <p:sp>
+                <p:nvSpPr>
+                  <p:cNvPr id="51" name="椭圆 50">
+                    <a:extLst>
+                      <a:ext uri="{FF2B5EF4-FFF2-40B4-BE49-F238E27FC236}">
+                        <a16:creationId xmlns:a16="http://schemas.microsoft.com/office/drawing/2014/main" id="{021C7C20-65AB-8F08-DD6C-2BC6B97353FC}"/>
+                      </a:ext>
+                    </a:extLst>
+                  </p:cNvPr>
+                  <p:cNvSpPr>
+                    <a:spLocks noRot="1" noChangeAspect="1" noMove="1" noResize="1" noEditPoints="1" noAdjustHandles="1" noChangeArrowheads="1" noChangeShapeType="1" noTextEdit="1"/>
+                  </p:cNvSpPr>
+                  <p:nvPr/>
+                </p:nvSpPr>
+                <p:spPr>
+                  <a:xfrm>
+                    <a:off x="2336346" y="1668237"/>
+                    <a:ext cx="604158" cy="598714"/>
+                  </a:xfrm>
+                  <a:prstGeom prst="ellipse">
+                    <a:avLst/>
+                  </a:prstGeom>
+                  <a:blipFill>
+                    <a:blip r:embed="rId6"/>
+                    <a:stretch>
+                      <a:fillRect l="-990"/>
+                    </a:stretch>
+                  </a:blipFill>
+                </p:spPr>
+                <p:txBody>
+                  <a:bodyPr/>
+                  <a:lstStyle/>
+                  <a:p>
+                    <a:r>
+                      <a:rPr lang="zh-CN" altLang="en-US">
+                        <a:noFill/>
+                      </a:rPr>
+                      <a:t> </a:t>
+                    </a:r>
+                  </a:p>
+                </p:txBody>
+              </p:sp>
+            </mc:Fallback>
+          </mc:AlternateContent>
+          <mc:AlternateContent xmlns:mc="http://schemas.openxmlformats.org/markup-compatibility/2006">
+            <mc:Choice xmlns:a14="http://schemas.microsoft.com/office/drawing/2010/main" Requires="a14">
+              <p:sp>
+                <p:nvSpPr>
+                  <p:cNvPr id="53" name="椭圆 52">
+                    <a:extLst>
+                      <a:ext uri="{FF2B5EF4-FFF2-40B4-BE49-F238E27FC236}">
+                        <a16:creationId xmlns:a16="http://schemas.microsoft.com/office/drawing/2014/main" id="{9B1DB391-B365-E1E3-4B32-E463A8B1FF2D}"/>
+                      </a:ext>
+                    </a:extLst>
+                  </p:cNvPr>
+                  <p:cNvSpPr/>
+                  <p:nvPr/>
+                </p:nvSpPr>
+                <p:spPr>
+                  <a:xfrm>
+                    <a:off x="3128253" y="1668237"/>
+                    <a:ext cx="604158" cy="598714"/>
+                  </a:xfrm>
+                  <a:prstGeom prst="ellipse">
+                    <a:avLst/>
+                  </a:prstGeom>
+                  <a:solidFill>
+                    <a:schemeClr val="accent4"/>
+                  </a:solidFill>
+                </p:spPr>
+                <p:style>
+                  <a:lnRef idx="2">
+                    <a:schemeClr val="accent1">
+                      <a:shade val="15000"/>
+                    </a:schemeClr>
+                  </a:lnRef>
+                  <a:fillRef idx="1">
+                    <a:schemeClr val="accent1"/>
+                  </a:fillRef>
+                  <a:effectRef idx="0">
+                    <a:schemeClr val="accent1"/>
+                  </a:effectRef>
+                  <a:fontRef idx="minor">
+                    <a:schemeClr val="lt1"/>
+                  </a:fontRef>
+                </p:style>
+                <p:txBody>
+                  <a:bodyPr rtlCol="0" anchor="ctr"/>
+                  <a:lstStyle/>
+                  <a:p>
+                    <a:pPr algn="ctr"/>
+                    <a14:m>
+                      <m:oMathPara xmlns:m="http://schemas.openxmlformats.org/officeDocument/2006/math">
+                        <m:oMathParaPr>
+                          <m:jc m:val="centerGroup"/>
+                        </m:oMathParaPr>
+                        <m:oMath xmlns:m="http://schemas.openxmlformats.org/officeDocument/2006/math">
+                          <m:sSub>
+                            <m:sSubPr>
+                              <m:ctrlPr>
+                                <a:rPr lang="en-US" altLang="zh-CN" i="1" smtClean="0">
+                                  <a:solidFill>
+                                    <a:schemeClr val="tx1"/>
+                                  </a:solidFill>
+                                  <a:latin typeface="Cambria Math" panose="02040503050406030204" pitchFamily="18" charset="0"/>
+                                </a:rPr>
+                              </m:ctrlPr>
+                            </m:sSubPr>
+                            <m:e>
+                              <m:r>
+                                <m:rPr>
+                                  <m:sty m:val="p"/>
+                                </m:rPr>
+                                <a:rPr lang="en-US" altLang="zh-CN" i="1">
+                                  <a:solidFill>
+                                    <a:schemeClr val="tx1"/>
+                                  </a:solidFill>
+                                  <a:latin typeface="Cambria Math" panose="02040503050406030204" pitchFamily="18" charset="0"/>
+                                </a:rPr>
+                                <m:t>R</m:t>
+                              </m:r>
+                            </m:e>
+                            <m:sub>
+                              <m:r>
+                                <m:rPr>
+                                  <m:sty m:val="p"/>
+                                </m:rPr>
+                                <a:rPr lang="en-US" altLang="zh-CN" i="1">
+                                  <a:solidFill>
+                                    <a:schemeClr val="tx1"/>
+                                  </a:solidFill>
+                                  <a:latin typeface="Cambria Math" panose="02040503050406030204" pitchFamily="18" charset="0"/>
+                                </a:rPr>
+                                <m:t>t</m:t>
+                              </m:r>
+                              <m:r>
+                                <a:rPr lang="en-US" altLang="zh-CN" b="0" i="1" smtClean="0">
+                                  <a:solidFill>
+                                    <a:schemeClr val="tx1"/>
+                                  </a:solidFill>
+                                  <a:latin typeface="Cambria Math" panose="02040503050406030204" pitchFamily="18" charset="0"/>
+                                </a:rPr>
+                                <m:t>+1</m:t>
+                              </m:r>
+                            </m:sub>
+                          </m:sSub>
+                        </m:oMath>
+                      </m:oMathPara>
+                    </a14:m>
+                    <a:endParaRPr lang="zh-CN" altLang="en-US" dirty="0"/>
+                  </a:p>
+                </p:txBody>
+              </p:sp>
+            </mc:Choice>
+            <mc:Fallback>
+              <p:sp>
+                <p:nvSpPr>
+                  <p:cNvPr id="53" name="椭圆 52">
+                    <a:extLst>
+                      <a:ext uri="{FF2B5EF4-FFF2-40B4-BE49-F238E27FC236}">
+                        <a16:creationId xmlns:a16="http://schemas.microsoft.com/office/drawing/2014/main" id="{9B1DB391-B365-E1E3-4B32-E463A8B1FF2D}"/>
+                      </a:ext>
+                    </a:extLst>
+                  </p:cNvPr>
+                  <p:cNvSpPr>
+                    <a:spLocks noRot="1" noChangeAspect="1" noMove="1" noResize="1" noEditPoints="1" noAdjustHandles="1" noChangeArrowheads="1" noChangeShapeType="1" noTextEdit="1"/>
+                  </p:cNvSpPr>
+                  <p:nvPr/>
+                </p:nvSpPr>
+                <p:spPr>
+                  <a:xfrm>
+                    <a:off x="3128253" y="1668237"/>
+                    <a:ext cx="604158" cy="598714"/>
+                  </a:xfrm>
+                  <a:prstGeom prst="ellipse">
+                    <a:avLst/>
+                  </a:prstGeom>
+                  <a:blipFill>
+                    <a:blip r:embed="rId7"/>
+                    <a:stretch>
+                      <a:fillRect l="-4950"/>
+                    </a:stretch>
+                  </a:blipFill>
+                </p:spPr>
+                <p:txBody>
+                  <a:bodyPr/>
+                  <a:lstStyle/>
+                  <a:p>
+                    <a:r>
+                      <a:rPr lang="zh-CN" altLang="en-US">
+                        <a:noFill/>
+                      </a:rPr>
+                      <a:t> </a:t>
+                    </a:r>
+                  </a:p>
+                </p:txBody>
+              </p:sp>
+            </mc:Fallback>
+          </mc:AlternateContent>
+          <p:pic>
+            <p:nvPicPr>
+              <p:cNvPr id="58" name="图片 57">
+                <a:extLst>
+                  <a:ext uri="{FF2B5EF4-FFF2-40B4-BE49-F238E27FC236}">
+                    <a16:creationId xmlns:a16="http://schemas.microsoft.com/office/drawing/2014/main" id="{EA586631-0582-CE94-8E36-708CDB9EA5B0}"/>
+                  </a:ext>
+                </a:extLst>
+              </p:cNvPr>
+              <p:cNvPicPr>
+                <a:picLocks noChangeAspect="1"/>
+              </p:cNvPicPr>
+              <p:nvPr/>
+            </p:nvPicPr>
+            <p:blipFill>
+              <a:blip r:embed="rId8"/>
+              <a:stretch>
+                <a:fillRect/>
+              </a:stretch>
+            </p:blipFill>
+            <p:spPr>
+              <a:xfrm>
+                <a:off x="6094394" y="3090968"/>
+                <a:ext cx="2820840" cy="369332"/>
+              </a:xfrm>
+              <a:prstGeom prst="rect">
+                <a:avLst/>
+              </a:prstGeom>
+            </p:spPr>
+          </p:pic>
+          <p:grpSp>
+            <p:nvGrpSpPr>
+              <p:cNvPr id="80" name="组合 79">
+                <a:extLst>
+                  <a:ext uri="{FF2B5EF4-FFF2-40B4-BE49-F238E27FC236}">
+                    <a16:creationId xmlns:a16="http://schemas.microsoft.com/office/drawing/2014/main" id="{E1D07AF1-419A-2D6A-9B95-2792A6AE0478}"/>
+                  </a:ext>
+                </a:extLst>
+              </p:cNvPr>
+              <p:cNvGrpSpPr/>
+              <p:nvPr/>
+            </p:nvGrpSpPr>
+            <p:grpSpPr>
+              <a:xfrm>
+                <a:off x="6094394" y="4389665"/>
+                <a:ext cx="5380208" cy="730188"/>
+                <a:chOff x="6618460" y="4754336"/>
+                <a:chExt cx="5380208" cy="730188"/>
+              </a:xfrm>
+            </p:grpSpPr>
+            <p:pic>
+              <p:nvPicPr>
+                <p:cNvPr id="60" name="图片 59">
+                  <a:extLst>
+                    <a:ext uri="{FF2B5EF4-FFF2-40B4-BE49-F238E27FC236}">
+                      <a16:creationId xmlns:a16="http://schemas.microsoft.com/office/drawing/2014/main" id="{20AC0599-8051-A13F-19A4-91A542E663DC}"/>
+                    </a:ext>
+                  </a:extLst>
+                </p:cNvPr>
+                <p:cNvPicPr>
+                  <a:picLocks noChangeAspect="1"/>
+                </p:cNvPicPr>
+                <p:nvPr/>
+              </p:nvPicPr>
+              <p:blipFill>
+                <a:blip r:embed="rId9"/>
+                <a:stretch>
+                  <a:fillRect/>
+                </a:stretch>
+              </p:blipFill>
+              <p:spPr>
+                <a:xfrm>
+                  <a:off x="6618460" y="4754336"/>
+                  <a:ext cx="5380208" cy="369020"/>
+                </a:xfrm>
+                <a:prstGeom prst="rect">
+                  <a:avLst/>
+                </a:prstGeom>
+              </p:spPr>
+            </p:pic>
+            <p:cxnSp>
+              <p:nvCxnSpPr>
+                <p:cNvPr id="70" name="直接连接符 69">
+                  <a:extLst>
+                    <a:ext uri="{FF2B5EF4-FFF2-40B4-BE49-F238E27FC236}">
+                      <a16:creationId xmlns:a16="http://schemas.microsoft.com/office/drawing/2014/main" id="{29CEFFBB-7285-4465-2B06-3F14A00B98E7}"/>
+                    </a:ext>
+                  </a:extLst>
+                </p:cNvPr>
+                <p:cNvCxnSpPr/>
+                <p:nvPr/>
+              </p:nvCxnSpPr>
+              <p:spPr>
+                <a:xfrm>
+                  <a:off x="7565571" y="5116286"/>
+                  <a:ext cx="3151415" cy="7070"/>
+                </a:xfrm>
+                <a:prstGeom prst="line">
+                  <a:avLst/>
+                </a:prstGeom>
+                <a:ln w="28575">
+                  <a:solidFill>
+                    <a:srgbClr val="FF0000"/>
+                  </a:solidFill>
+                </a:ln>
+              </p:spPr>
+              <p:style>
+                <a:lnRef idx="1">
+                  <a:schemeClr val="accent2"/>
+                </a:lnRef>
+                <a:fillRef idx="0">
+                  <a:schemeClr val="accent2"/>
+                </a:fillRef>
+                <a:effectRef idx="0">
+                  <a:schemeClr val="accent2"/>
+                </a:effectRef>
+                <a:fontRef idx="minor">
+                  <a:schemeClr val="tx1"/>
+                </a:fontRef>
+              </p:style>
+            </p:cxnSp>
+            <p:sp>
+              <p:nvSpPr>
+                <p:cNvPr id="71" name="文本框 70">
+                  <a:extLst>
+                    <a:ext uri="{FF2B5EF4-FFF2-40B4-BE49-F238E27FC236}">
+                      <a16:creationId xmlns:a16="http://schemas.microsoft.com/office/drawing/2014/main" id="{E4A4A9B6-7BE4-F4D1-9E43-581FD732AFC0}"/>
+                    </a:ext>
+                  </a:extLst>
+                </p:cNvPr>
+                <p:cNvSpPr txBox="1"/>
+                <p:nvPr/>
+              </p:nvSpPr>
+              <p:spPr>
+                <a:xfrm>
+                  <a:off x="8639174" y="5115192"/>
+                  <a:ext cx="1518557" cy="369332"/>
+                </a:xfrm>
+                <a:prstGeom prst="rect">
+                  <a:avLst/>
+                </a:prstGeom>
+                <a:noFill/>
+              </p:spPr>
+              <p:txBody>
+                <a:bodyPr wrap="square" rtlCol="0">
+                  <a:spAutoFit/>
+                </a:bodyPr>
+                <a:lstStyle/>
+                <a:p>
+                  <a:r>
+                    <a:rPr lang="en-US" altLang="zh-CN" dirty="0">
+                      <a:solidFill>
+                        <a:srgbClr val="FF0000"/>
+                      </a:solidFill>
+                      <a:latin typeface="Times New Roman" panose="02020603050405020304" pitchFamily="18" charset="0"/>
+                      <a:cs typeface="Times New Roman" panose="02020603050405020304" pitchFamily="18" charset="0"/>
+                    </a:rPr>
+                    <a:t>TD</a:t>
+                  </a:r>
+                  <a:r>
+                    <a:rPr lang="zh-CN" altLang="en-US" dirty="0">
+                      <a:solidFill>
+                        <a:srgbClr val="FF0000"/>
+                      </a:solidFill>
+                      <a:latin typeface="Times New Roman" panose="02020603050405020304" pitchFamily="18" charset="0"/>
+                      <a:cs typeface="Times New Roman" panose="02020603050405020304" pitchFamily="18" charset="0"/>
+                    </a:rPr>
+                    <a:t> </a:t>
+                  </a:r>
+                  <a:r>
+                    <a:rPr lang="en-US" altLang="zh-CN" dirty="0">
+                      <a:solidFill>
+                        <a:srgbClr val="FF0000"/>
+                      </a:solidFill>
+                      <a:latin typeface="Times New Roman" panose="02020603050405020304" pitchFamily="18" charset="0"/>
+                      <a:cs typeface="Times New Roman" panose="02020603050405020304" pitchFamily="18" charset="0"/>
+                    </a:rPr>
+                    <a:t>error</a:t>
+                  </a:r>
+                  <a:endParaRPr lang="zh-CN" altLang="en-US" dirty="0">
+                    <a:solidFill>
+                      <a:srgbClr val="FF0000"/>
+                    </a:solidFill>
+                    <a:latin typeface="Times New Roman" panose="02020603050405020304" pitchFamily="18" charset="0"/>
+                    <a:cs typeface="Times New Roman" panose="02020603050405020304" pitchFamily="18" charset="0"/>
+                  </a:endParaRPr>
+                </a:p>
+              </p:txBody>
+            </p:sp>
+          </p:grpSp>
+          <p:cxnSp>
+            <p:nvCxnSpPr>
+              <p:cNvPr id="74" name="连接符: 肘形 73">
+                <a:extLst>
+                  <a:ext uri="{FF2B5EF4-FFF2-40B4-BE49-F238E27FC236}">
+                    <a16:creationId xmlns:a16="http://schemas.microsoft.com/office/drawing/2014/main" id="{2CB9072F-F068-02F3-90D3-3E58ADE55968}"/>
+                  </a:ext>
+                </a:extLst>
+              </p:cNvPr>
+              <p:cNvCxnSpPr>
+                <a:stCxn id="6" idx="0"/>
+                <a:endCxn id="51" idx="4"/>
+              </p:cNvCxnSpPr>
+              <p:nvPr/>
+            </p:nvCxnSpPr>
+            <p:spPr>
+              <a:xfrm rot="16200000" flipV="1">
+                <a:off x="2462213" y="2443164"/>
+                <a:ext cx="737507" cy="385082"/>
+              </a:xfrm>
+              <a:prstGeom prst="bentConnector3">
+                <a:avLst/>
+              </a:prstGeom>
+              <a:ln w="19050">
+                <a:tailEnd type="triangle"/>
+              </a:ln>
+            </p:spPr>
+            <p:style>
+              <a:lnRef idx="1">
+                <a:schemeClr val="accent1"/>
+              </a:lnRef>
+              <a:fillRef idx="0">
+                <a:schemeClr val="accent1"/>
+              </a:fillRef>
+              <a:effectRef idx="0">
+                <a:schemeClr val="accent1"/>
+              </a:effectRef>
+              <a:fontRef idx="minor">
+                <a:schemeClr val="tx1"/>
+              </a:fontRef>
+            </p:style>
+          </p:cxnSp>
+          <p:cxnSp>
+            <p:nvCxnSpPr>
+              <p:cNvPr id="76" name="连接符: 肘形 75">
+                <a:extLst>
+                  <a:ext uri="{FF2B5EF4-FFF2-40B4-BE49-F238E27FC236}">
+                    <a16:creationId xmlns:a16="http://schemas.microsoft.com/office/drawing/2014/main" id="{BCADB479-AAD6-8640-B6B8-2E16FDE3528E}"/>
+                  </a:ext>
+                </a:extLst>
+              </p:cNvPr>
+              <p:cNvCxnSpPr>
+                <a:stCxn id="6" idx="0"/>
+                <a:endCxn id="53" idx="4"/>
+              </p:cNvCxnSpPr>
+              <p:nvPr/>
+            </p:nvCxnSpPr>
+            <p:spPr>
+              <a:xfrm rot="5400000" flipH="1" flipV="1">
+                <a:off x="2858166" y="2432293"/>
+                <a:ext cx="737507" cy="406825"/>
+              </a:xfrm>
+              <a:prstGeom prst="bentConnector3">
+                <a:avLst/>
+              </a:prstGeom>
+              <a:ln w="19050">
+                <a:tailEnd type="triangle"/>
+              </a:ln>
+            </p:spPr>
+            <p:style>
+              <a:lnRef idx="1">
+                <a:schemeClr val="accent1"/>
+              </a:lnRef>
+              <a:fillRef idx="0">
+                <a:schemeClr val="accent1"/>
+              </a:fillRef>
+              <a:effectRef idx="0">
+                <a:schemeClr val="accent1"/>
+              </a:effectRef>
+              <a:fontRef idx="minor">
+                <a:schemeClr val="tx1"/>
+              </a:fontRef>
+            </p:style>
+          </p:cxnSp>
+          <mc:AlternateContent xmlns:mc="http://schemas.openxmlformats.org/markup-compatibility/2006">
+            <mc:Choice xmlns:a14="http://schemas.microsoft.com/office/drawing/2010/main" Requires="a14">
+              <p:sp>
+                <p:nvSpPr>
+                  <p:cNvPr id="79" name="矩形 78">
+                    <a:extLst>
+                      <a:ext uri="{FF2B5EF4-FFF2-40B4-BE49-F238E27FC236}">
+                        <a16:creationId xmlns:a16="http://schemas.microsoft.com/office/drawing/2014/main" id="{92BD988D-67EA-2366-B038-21801CEF81BF}"/>
+                      </a:ext>
+                    </a:extLst>
+                  </p:cNvPr>
+                  <p:cNvSpPr/>
+                  <p:nvPr/>
+                </p:nvSpPr>
+                <p:spPr>
+                  <a:xfrm>
+                    <a:off x="6207496" y="2517529"/>
+                    <a:ext cx="1540328" cy="424542"/>
+                  </a:xfrm>
+                  <a:prstGeom prst="rect">
+                    <a:avLst/>
+                  </a:prstGeom>
+                  <a:solidFill>
+                    <a:schemeClr val="accent2"/>
+                  </a:solidFill>
+                </p:spPr>
+                <p:style>
+                  <a:lnRef idx="2">
+                    <a:schemeClr val="accent1">
+                      <a:shade val="15000"/>
+                    </a:schemeClr>
+                  </a:lnRef>
+                  <a:fillRef idx="1">
+                    <a:schemeClr val="accent1"/>
+                  </a:fillRef>
+                  <a:effectRef idx="0">
+                    <a:schemeClr val="accent1"/>
+                  </a:effectRef>
+                  <a:fontRef idx="minor">
+                    <a:schemeClr val="lt1"/>
+                  </a:fontRef>
+                </p:style>
+                <p:txBody>
+                  <a:bodyPr rtlCol="0" anchor="ctr"/>
+                  <a:lstStyle/>
+                  <a:p>
+                    <a:pPr algn="ctr"/>
+                    <a:r>
+                      <a:rPr lang="en-US" altLang="zh-CN" dirty="0"/>
+                      <a:t>Actor</a:t>
+                    </a:r>
+                    <a:r>
+                      <a:rPr lang="zh-CN" altLang="en-US" dirty="0"/>
+                      <a:t>：</a:t>
+                    </a:r>
+                    <a14:m>
+                      <m:oMath xmlns:m="http://schemas.openxmlformats.org/officeDocument/2006/math">
+                        <m:sSub>
+                          <m:sSubPr>
+                            <m:ctrlPr>
+                              <a:rPr lang="en-US" altLang="zh-CN" i="1" smtClean="0">
+                                <a:latin typeface="Cambria Math" panose="02040503050406030204" pitchFamily="18" charset="0"/>
+                              </a:rPr>
+                            </m:ctrlPr>
+                          </m:sSubPr>
+                          <m:e>
+                            <m:r>
+                              <a:rPr lang="zh-CN" altLang="en-US" i="1" smtClean="0">
+                                <a:latin typeface="Cambria Math" panose="02040503050406030204" pitchFamily="18" charset="0"/>
+                              </a:rPr>
+                              <m:t>𝜋</m:t>
+                            </m:r>
+                          </m:e>
+                          <m:sub>
+                            <m:r>
+                              <a:rPr lang="zh-CN" altLang="en-US" i="1" smtClean="0">
+                                <a:latin typeface="Cambria Math" panose="02040503050406030204" pitchFamily="18" charset="0"/>
+                              </a:rPr>
+                              <m:t>𝜃</m:t>
+                            </m:r>
+                          </m:sub>
+                        </m:sSub>
+                        <m:r>
+                          <a:rPr lang="en-US" altLang="zh-CN" b="0" i="1" smtClean="0">
+                            <a:latin typeface="Cambria Math" panose="02040503050406030204" pitchFamily="18" charset="0"/>
+                          </a:rPr>
+                          <m:t>(</m:t>
+                        </m:r>
+                        <m:r>
+                          <a:rPr lang="en-US" altLang="zh-CN" b="0" i="1" smtClean="0">
+                            <a:latin typeface="Cambria Math" panose="02040503050406030204" pitchFamily="18" charset="0"/>
+                          </a:rPr>
+                          <m:t>𝑠</m:t>
+                        </m:r>
+                        <m:r>
+                          <a:rPr lang="en-US" altLang="zh-CN" b="0" i="1" smtClean="0">
+                            <a:latin typeface="Cambria Math" panose="02040503050406030204" pitchFamily="18" charset="0"/>
+                          </a:rPr>
+                          <m:t>)</m:t>
+                        </m:r>
+                      </m:oMath>
+                    </a14:m>
+                    <a:endParaRPr lang="zh-CN" altLang="en-US" dirty="0"/>
+                  </a:p>
+                </p:txBody>
+              </p:sp>
+            </mc:Choice>
+            <mc:Fallback>
+              <p:sp>
+                <p:nvSpPr>
+                  <p:cNvPr id="79" name="矩形 78">
+                    <a:extLst>
+                      <a:ext uri="{FF2B5EF4-FFF2-40B4-BE49-F238E27FC236}">
+                        <a16:creationId xmlns:a16="http://schemas.microsoft.com/office/drawing/2014/main" id="{92BD988D-67EA-2366-B038-21801CEF81BF}"/>
+                      </a:ext>
+                    </a:extLst>
+                  </p:cNvPr>
+                  <p:cNvSpPr>
+                    <a:spLocks noRot="1" noChangeAspect="1" noMove="1" noResize="1" noEditPoints="1" noAdjustHandles="1" noChangeArrowheads="1" noChangeShapeType="1" noTextEdit="1"/>
+                  </p:cNvSpPr>
+                  <p:nvPr/>
+                </p:nvSpPr>
+                <p:spPr>
+                  <a:xfrm>
+                    <a:off x="6207496" y="2517529"/>
+                    <a:ext cx="1540328" cy="424542"/>
+                  </a:xfrm>
+                  <a:prstGeom prst="rect">
+                    <a:avLst/>
+                  </a:prstGeom>
+                  <a:blipFill>
+                    <a:blip r:embed="rId10"/>
+                    <a:stretch>
+                      <a:fillRect l="-1961" b="-13889"/>
+                    </a:stretch>
+                  </a:blipFill>
+                </p:spPr>
+                <p:txBody>
+                  <a:bodyPr/>
+                  <a:lstStyle/>
+                  <a:p>
+                    <a:r>
+                      <a:rPr lang="zh-CN" altLang="en-US">
+                        <a:noFill/>
+                      </a:rPr>
+                      <a:t> </a:t>
+                    </a:r>
+                  </a:p>
+                </p:txBody>
+              </p:sp>
+            </mc:Fallback>
+          </mc:AlternateContent>
+          <mc:AlternateContent xmlns:mc="http://schemas.openxmlformats.org/markup-compatibility/2006">
+            <mc:Choice xmlns:a14="http://schemas.microsoft.com/office/drawing/2010/main" Requires="a14">
+              <p:sp>
+                <p:nvSpPr>
+                  <p:cNvPr id="81" name="矩形 80">
+                    <a:extLst>
+                      <a:ext uri="{FF2B5EF4-FFF2-40B4-BE49-F238E27FC236}">
+                        <a16:creationId xmlns:a16="http://schemas.microsoft.com/office/drawing/2014/main" id="{F6527F82-7AD7-CF2C-1E3F-4E912A35C454}"/>
+                      </a:ext>
+                    </a:extLst>
+                  </p:cNvPr>
+                  <p:cNvSpPr/>
+                  <p:nvPr/>
+                </p:nvSpPr>
+                <p:spPr>
+                  <a:xfrm>
+                    <a:off x="6177535" y="3826330"/>
+                    <a:ext cx="1883228" cy="424542"/>
+                  </a:xfrm>
+                  <a:prstGeom prst="rect">
+                    <a:avLst/>
+                  </a:prstGeom>
+                </p:spPr>
+                <p:style>
+                  <a:lnRef idx="2">
+                    <a:schemeClr val="accent1">
+                      <a:shade val="15000"/>
+                    </a:schemeClr>
+                  </a:lnRef>
+                  <a:fillRef idx="1">
+                    <a:schemeClr val="accent1"/>
+                  </a:fillRef>
+                  <a:effectRef idx="0">
+                    <a:schemeClr val="accent1"/>
+                  </a:effectRef>
+                  <a:fontRef idx="minor">
+                    <a:schemeClr val="lt1"/>
+                  </a:fontRef>
+                </p:style>
+                <p:txBody>
+                  <a:bodyPr rtlCol="0" anchor="ctr"/>
+                  <a:lstStyle/>
+                  <a:p>
+                    <a:pPr algn="ctr"/>
+                    <a:r>
+                      <a:rPr lang="en-US" altLang="zh-CN" dirty="0"/>
+                      <a:t>Critic</a:t>
+                    </a:r>
+                    <a:r>
+                      <a:rPr lang="zh-CN" altLang="en-US" dirty="0"/>
+                      <a:t>：</a:t>
+                    </a:r>
+                    <a14:m>
+                      <m:oMath xmlns:m="http://schemas.openxmlformats.org/officeDocument/2006/math">
+                        <m:sSub>
+                          <m:sSubPr>
+                            <m:ctrlPr>
+                              <a:rPr lang="en-US" altLang="zh-CN" i="1" smtClean="0">
+                                <a:latin typeface="Cambria Math" panose="02040503050406030204" pitchFamily="18" charset="0"/>
+                              </a:rPr>
+                            </m:ctrlPr>
+                          </m:sSubPr>
+                          <m:e>
+                            <m:acc>
+                              <m:accPr>
+                                <m:chr m:val="̂"/>
+                                <m:ctrlPr>
+                                  <a:rPr lang="en-US" altLang="zh-CN" i="1" smtClean="0">
+                                    <a:latin typeface="Cambria Math" panose="02040503050406030204" pitchFamily="18" charset="0"/>
+                                  </a:rPr>
+                                </m:ctrlPr>
+                              </m:accPr>
+                              <m:e>
+                                <m:r>
+                                  <a:rPr lang="en-US" altLang="zh-CN" b="0" i="1" smtClean="0">
+                                    <a:latin typeface="Cambria Math" panose="02040503050406030204" pitchFamily="18" charset="0"/>
+                                  </a:rPr>
+                                  <m:t>𝑞</m:t>
+                                </m:r>
+                              </m:e>
+                            </m:acc>
+                          </m:e>
+                          <m:sub>
+                            <m:r>
+                              <a:rPr lang="en-US" altLang="zh-CN" b="0" i="1" smtClean="0">
+                                <a:latin typeface="Cambria Math" panose="02040503050406030204" pitchFamily="18" charset="0"/>
+                              </a:rPr>
+                              <m:t>𝑤</m:t>
+                            </m:r>
+                          </m:sub>
+                        </m:sSub>
+                        <m:r>
+                          <a:rPr lang="en-US" altLang="zh-CN" b="0" i="1" smtClean="0">
+                            <a:latin typeface="Cambria Math" panose="02040503050406030204" pitchFamily="18" charset="0"/>
+                          </a:rPr>
+                          <m:t>(</m:t>
+                        </m:r>
+                        <m:r>
+                          <a:rPr lang="en-US" altLang="zh-CN" b="0" i="1" smtClean="0">
+                            <a:latin typeface="Cambria Math" panose="02040503050406030204" pitchFamily="18" charset="0"/>
+                          </a:rPr>
+                          <m:t>𝑠</m:t>
+                        </m:r>
+                        <m:r>
+                          <a:rPr lang="en-US" altLang="zh-CN" b="0" i="1" smtClean="0">
+                            <a:latin typeface="Cambria Math" panose="02040503050406030204" pitchFamily="18" charset="0"/>
+                          </a:rPr>
+                          <m:t>,</m:t>
+                        </m:r>
+                        <m:r>
+                          <a:rPr lang="en-US" altLang="zh-CN" b="0" i="1" smtClean="0">
+                            <a:latin typeface="Cambria Math" panose="02040503050406030204" pitchFamily="18" charset="0"/>
+                          </a:rPr>
+                          <m:t>𝑎</m:t>
+                        </m:r>
+                        <m:r>
+                          <a:rPr lang="en-US" altLang="zh-CN" b="0" i="1" smtClean="0">
+                            <a:latin typeface="Cambria Math" panose="02040503050406030204" pitchFamily="18" charset="0"/>
+                          </a:rPr>
+                          <m:t>)</m:t>
+                        </m:r>
+                      </m:oMath>
+                    </a14:m>
+                    <a:endParaRPr lang="zh-CN" altLang="en-US" dirty="0"/>
+                  </a:p>
+                </p:txBody>
+              </p:sp>
+            </mc:Choice>
+            <mc:Fallback>
+              <p:sp>
+                <p:nvSpPr>
+                  <p:cNvPr id="81" name="矩形 80">
+                    <a:extLst>
+                      <a:ext uri="{FF2B5EF4-FFF2-40B4-BE49-F238E27FC236}">
+                        <a16:creationId xmlns:a16="http://schemas.microsoft.com/office/drawing/2014/main" id="{F6527F82-7AD7-CF2C-1E3F-4E912A35C454}"/>
+                      </a:ext>
+                    </a:extLst>
+                  </p:cNvPr>
+                  <p:cNvSpPr>
+                    <a:spLocks noRot="1" noChangeAspect="1" noMove="1" noResize="1" noEditPoints="1" noAdjustHandles="1" noChangeArrowheads="1" noChangeShapeType="1" noTextEdit="1"/>
+                  </p:cNvSpPr>
+                  <p:nvPr/>
+                </p:nvSpPr>
+                <p:spPr>
+                  <a:xfrm>
+                    <a:off x="6177535" y="3826330"/>
+                    <a:ext cx="1883228" cy="424542"/>
+                  </a:xfrm>
+                  <a:prstGeom prst="rect">
+                    <a:avLst/>
+                  </a:prstGeom>
+                  <a:blipFill>
+                    <a:blip r:embed="rId11"/>
+                    <a:stretch>
+                      <a:fillRect b="-13889"/>
+                    </a:stretch>
+                  </a:blipFill>
+                </p:spPr>
+                <p:txBody>
+                  <a:bodyPr/>
+                  <a:lstStyle/>
+                  <a:p>
+                    <a:r>
+                      <a:rPr lang="zh-CN" altLang="en-US">
+                        <a:noFill/>
+                      </a:rPr>
+                      <a:t> </a:t>
+                    </a:r>
+                  </a:p>
+                </p:txBody>
+              </p:sp>
+            </mc:Fallback>
+          </mc:AlternateContent>
+          <mc:AlternateContent xmlns:mc="http://schemas.openxmlformats.org/markup-compatibility/2006">
+            <mc:Choice xmlns:a14="http://schemas.microsoft.com/office/drawing/2010/main" Requires="a14">
+              <p:sp>
+                <p:nvSpPr>
+                  <p:cNvPr id="86" name="文本框 85">
+                    <a:extLst>
+                      <a:ext uri="{FF2B5EF4-FFF2-40B4-BE49-F238E27FC236}">
+                        <a16:creationId xmlns:a16="http://schemas.microsoft.com/office/drawing/2014/main" id="{B401AA9D-1FF0-D438-1A46-F034AEE2A713}"/>
+                      </a:ext>
+                    </a:extLst>
+                  </p:cNvPr>
+                  <p:cNvSpPr txBox="1"/>
+                  <p:nvPr/>
+                </p:nvSpPr>
+                <p:spPr>
+                  <a:xfrm>
+                    <a:off x="5972093" y="1748722"/>
+                    <a:ext cx="2563586" cy="369332"/>
+                  </a:xfrm>
+                  <a:prstGeom prst="rect">
+                    <a:avLst/>
+                  </a:prstGeom>
+                  <a:noFill/>
+                </p:spPr>
+                <p:txBody>
+                  <a:bodyPr wrap="square" rtlCol="0">
+                    <a:spAutoFit/>
+                  </a:bodyPr>
+                  <a:lstStyle/>
+                  <a:p>
+                    <a:r>
+                      <a:rPr lang="en-US" altLang="zh-CN" dirty="0">
+                        <a:solidFill>
+                          <a:srgbClr val="FF0000"/>
+                        </a:solidFill>
+                        <a:latin typeface="Times New Roman" panose="02020603050405020304" pitchFamily="18" charset="0"/>
+                        <a:cs typeface="Times New Roman" panose="02020603050405020304" pitchFamily="18" charset="0"/>
+                      </a:rPr>
+                      <a:t>Update</a:t>
+                    </a:r>
+                    <a14:m>
+                      <m:oMath xmlns:m="http://schemas.openxmlformats.org/officeDocument/2006/math">
+                        <m:r>
+                          <a:rPr lang="en-US" altLang="zh-CN" b="0" i="0" smtClean="0">
+                            <a:latin typeface="Cambria Math" panose="02040503050406030204" pitchFamily="18" charset="0"/>
+                          </a:rPr>
+                          <m:t> </m:t>
+                        </m:r>
+                        <m:r>
+                          <a:rPr lang="zh-CN" altLang="en-US" i="1" smtClean="0">
+                            <a:latin typeface="Cambria Math" panose="02040503050406030204" pitchFamily="18" charset="0"/>
+                          </a:rPr>
+                          <m:t>𝜃</m:t>
+                        </m:r>
+                      </m:oMath>
+                    </a14:m>
+                    <a:r>
+                      <a:rPr lang="zh-CN" altLang="en-US" dirty="0">
+                        <a:solidFill>
+                          <a:srgbClr val="FF0000"/>
+                        </a:solidFill>
+                        <a:latin typeface="Times New Roman" panose="02020603050405020304" pitchFamily="18" charset="0"/>
+                        <a:cs typeface="Times New Roman" panose="02020603050405020304" pitchFamily="18" charset="0"/>
+                      </a:rPr>
+                      <a:t> </a:t>
+                    </a:r>
+                    <a:r>
+                      <a:rPr lang="en-US" altLang="zh-CN" dirty="0">
+                        <a:solidFill>
+                          <a:srgbClr val="FF0000"/>
+                        </a:solidFill>
+                        <a:latin typeface="Times New Roman" panose="02020603050405020304" pitchFamily="18" charset="0"/>
+                        <a:cs typeface="Times New Roman" panose="02020603050405020304" pitchFamily="18" charset="0"/>
+                      </a:rPr>
+                      <a:t>and </a:t>
+                    </a:r>
+                    <a14:m>
+                      <m:oMath xmlns:m="http://schemas.openxmlformats.org/officeDocument/2006/math">
+                        <m:r>
+                          <a:rPr lang="en-US" altLang="zh-CN" b="0" i="1" smtClean="0">
+                            <a:solidFill>
+                              <a:schemeClr val="tx1"/>
+                            </a:solidFill>
+                            <a:latin typeface="Cambria Math" panose="02040503050406030204" pitchFamily="18" charset="0"/>
+                            <a:cs typeface="Times New Roman" panose="02020603050405020304" pitchFamily="18" charset="0"/>
+                          </a:rPr>
+                          <m:t>𝑤</m:t>
+                        </m:r>
+                      </m:oMath>
+                    </a14:m>
+                    <a:r>
+                      <a:rPr lang="en-US" altLang="zh-CN" dirty="0">
+                        <a:solidFill>
+                          <a:srgbClr val="FF0000"/>
+                        </a:solidFill>
+                        <a:latin typeface="Times New Roman" panose="02020603050405020304" pitchFamily="18" charset="0"/>
+                        <a:cs typeface="Times New Roman" panose="02020603050405020304" pitchFamily="18" charset="0"/>
+                      </a:rPr>
+                      <a:t> </a:t>
+                    </a:r>
+                    <a:endParaRPr lang="zh-CN" altLang="en-US" dirty="0">
+                      <a:solidFill>
+                        <a:srgbClr val="FF0000"/>
+                      </a:solidFill>
+                      <a:latin typeface="Times New Roman" panose="02020603050405020304" pitchFamily="18" charset="0"/>
+                      <a:cs typeface="Times New Roman" panose="02020603050405020304" pitchFamily="18" charset="0"/>
+                    </a:endParaRPr>
+                  </a:p>
+                </p:txBody>
+              </p:sp>
+            </mc:Choice>
+            <mc:Fallback>
+              <p:sp>
+                <p:nvSpPr>
+                  <p:cNvPr id="86" name="文本框 85">
+                    <a:extLst>
+                      <a:ext uri="{FF2B5EF4-FFF2-40B4-BE49-F238E27FC236}">
+                        <a16:creationId xmlns:a16="http://schemas.microsoft.com/office/drawing/2014/main" id="{B401AA9D-1FF0-D438-1A46-F034AEE2A713}"/>
+                      </a:ext>
+                    </a:extLst>
+                  </p:cNvPr>
+                  <p:cNvSpPr txBox="1">
+                    <a:spLocks noRot="1" noChangeAspect="1" noMove="1" noResize="1" noEditPoints="1" noAdjustHandles="1" noChangeArrowheads="1" noChangeShapeType="1" noTextEdit="1"/>
+                  </p:cNvSpPr>
+                  <p:nvPr/>
+                </p:nvSpPr>
+                <p:spPr>
+                  <a:xfrm>
+                    <a:off x="5972093" y="1748722"/>
+                    <a:ext cx="2563586" cy="369332"/>
+                  </a:xfrm>
+                  <a:prstGeom prst="rect">
+                    <a:avLst/>
+                  </a:prstGeom>
+                  <a:blipFill>
+                    <a:blip r:embed="rId12"/>
+                    <a:stretch>
+                      <a:fillRect l="-1900" t="-8197" b="-24590"/>
+                    </a:stretch>
+                  </a:blipFill>
+                </p:spPr>
+                <p:txBody>
+                  <a:bodyPr/>
+                  <a:lstStyle/>
+                  <a:p>
+                    <a:r>
+                      <a:rPr lang="zh-CN" altLang="en-US">
+                        <a:noFill/>
+                      </a:rPr>
+                      <a:t> </a:t>
+                    </a:r>
+                  </a:p>
+                </p:txBody>
+              </p:sp>
+            </mc:Fallback>
+          </mc:AlternateContent>
+          <p:cxnSp>
+            <p:nvCxnSpPr>
+              <p:cNvPr id="94" name="直接箭头连接符 93">
+                <a:extLst>
+                  <a:ext uri="{FF2B5EF4-FFF2-40B4-BE49-F238E27FC236}">
+                    <a16:creationId xmlns:a16="http://schemas.microsoft.com/office/drawing/2014/main" id="{5AA35848-3145-1B42-3DE7-83EB1069841D}"/>
+                  </a:ext>
+                </a:extLst>
+              </p:cNvPr>
+              <p:cNvCxnSpPr>
+                <a:cxnSpLocks/>
+                <a:stCxn id="53" idx="6"/>
+              </p:cNvCxnSpPr>
+              <p:nvPr/>
+            </p:nvCxnSpPr>
+            <p:spPr>
+              <a:xfrm>
+                <a:off x="3732411" y="1967594"/>
+                <a:ext cx="2156651" cy="1"/>
+              </a:xfrm>
+              <a:prstGeom prst="straightConnector1">
+                <a:avLst/>
+              </a:prstGeom>
+              <a:ln w="19050">
+                <a:tailEnd type="triangle"/>
+              </a:ln>
+            </p:spPr>
+            <p:style>
+              <a:lnRef idx="1">
+                <a:schemeClr val="accent1"/>
+              </a:lnRef>
+              <a:fillRef idx="0">
+                <a:schemeClr val="accent1"/>
+              </a:fillRef>
+              <a:effectRef idx="0">
+                <a:schemeClr val="accent1"/>
+              </a:effectRef>
+              <a:fontRef idx="minor">
+                <a:schemeClr val="tx1"/>
+              </a:fontRef>
+            </p:style>
+          </p:cxnSp>
+          <p:cxnSp>
+            <p:nvCxnSpPr>
+              <p:cNvPr id="100" name="连接符: 肘形 99">
+                <a:extLst>
+                  <a:ext uri="{FF2B5EF4-FFF2-40B4-BE49-F238E27FC236}">
+                    <a16:creationId xmlns:a16="http://schemas.microsoft.com/office/drawing/2014/main" id="{9D05034D-BA14-C071-E81B-2944B67A8CC7}"/>
+                  </a:ext>
+                </a:extLst>
+              </p:cNvPr>
+              <p:cNvCxnSpPr>
+                <a:cxnSpLocks/>
+              </p:cNvCxnSpPr>
+              <p:nvPr/>
+            </p:nvCxnSpPr>
+            <p:spPr>
+              <a:xfrm rot="16200000" flipH="1" flipV="1">
+                <a:off x="3700536" y="-619010"/>
+                <a:ext cx="1168649" cy="5904111"/>
+              </a:xfrm>
+              <a:prstGeom prst="bentConnector3">
+                <a:avLst>
+                  <a:gd name="adj1" fmla="val -57752"/>
+                </a:avLst>
+              </a:prstGeom>
+              <a:ln w="19050">
+                <a:tailEnd type="triangle"/>
+              </a:ln>
+            </p:spPr>
+            <p:style>
+              <a:lnRef idx="1">
+                <a:schemeClr val="accent1"/>
+              </a:lnRef>
+              <a:fillRef idx="0">
+                <a:schemeClr val="accent1"/>
+              </a:fillRef>
+              <a:effectRef idx="0">
+                <a:schemeClr val="accent1"/>
+              </a:effectRef>
+              <a:fontRef idx="minor">
+                <a:schemeClr val="tx1"/>
+              </a:fontRef>
+            </p:style>
+          </p:cxnSp>
+          <mc:AlternateContent xmlns:mc="http://schemas.openxmlformats.org/markup-compatibility/2006">
+            <mc:Choice xmlns:a14="http://schemas.microsoft.com/office/drawing/2010/main" Requires="a14">
+              <p:sp>
+                <p:nvSpPr>
+                  <p:cNvPr id="103" name="文本框 102">
+                    <a:extLst>
+                      <a:ext uri="{FF2B5EF4-FFF2-40B4-BE49-F238E27FC236}">
+                        <a16:creationId xmlns:a16="http://schemas.microsoft.com/office/drawing/2014/main" id="{F9ECFCC0-E943-2511-6A07-C81BE7B7EB57}"/>
+                      </a:ext>
+                    </a:extLst>
+                  </p:cNvPr>
+                  <p:cNvSpPr txBox="1"/>
+                  <p:nvPr/>
+                </p:nvSpPr>
+                <p:spPr>
+                  <a:xfrm>
+                    <a:off x="639671" y="2188419"/>
+                    <a:ext cx="1469408" cy="369332"/>
+                  </a:xfrm>
+                  <a:prstGeom prst="rect">
+                    <a:avLst/>
+                  </a:prstGeom>
+                  <a:noFill/>
+                </p:spPr>
+                <p:txBody>
+                  <a:bodyPr wrap="square">
+                    <a:spAutoFit/>
+                  </a:bodyPr>
+                  <a:lstStyle/>
+                  <a:p>
+                    <a:pPr/>
+                    <a14:m>
+                      <m:oMathPara xmlns:m="http://schemas.openxmlformats.org/officeDocument/2006/math">
+                        <m:oMathParaPr>
+                          <m:jc m:val="centerGroup"/>
+                        </m:oMathParaPr>
+                        <m:oMath xmlns:m="http://schemas.openxmlformats.org/officeDocument/2006/math">
+                          <m:sSub>
+                            <m:sSubPr>
+                              <m:ctrlPr>
+                                <a:rPr lang="en-US" altLang="zh-CN" i="1" smtClean="0">
+                                  <a:solidFill>
+                                    <a:schemeClr val="tx1"/>
+                                  </a:solidFill>
+                                  <a:latin typeface="Cambria Math" panose="02040503050406030204" pitchFamily="18" charset="0"/>
+                                </a:rPr>
+                              </m:ctrlPr>
+                            </m:sSubPr>
+                            <m:e>
+                              <m:r>
+                                <m:rPr>
+                                  <m:sty m:val="p"/>
+                                </m:rPr>
+                                <a:rPr lang="en-US" altLang="zh-CN" i="1">
+                                  <a:solidFill>
+                                    <a:schemeClr val="tx1"/>
+                                  </a:solidFill>
+                                  <a:latin typeface="Cambria Math" panose="02040503050406030204" pitchFamily="18" charset="0"/>
+                                </a:rPr>
+                                <m:t>S</m:t>
+                              </m:r>
+                            </m:e>
+                            <m:sub>
+                              <m:r>
+                                <m:rPr>
+                                  <m:sty m:val="p"/>
+                                </m:rPr>
+                                <a:rPr lang="en-US" altLang="zh-CN" i="1">
+                                  <a:solidFill>
+                                    <a:schemeClr val="tx1"/>
+                                  </a:solidFill>
+                                  <a:latin typeface="Cambria Math" panose="02040503050406030204" pitchFamily="18" charset="0"/>
+                                </a:rPr>
+                                <m:t>t</m:t>
+                              </m:r>
+                              <m:r>
+                                <a:rPr lang="en-US" altLang="zh-CN" b="0" i="1" smtClean="0">
+                                  <a:solidFill>
+                                    <a:schemeClr val="tx1"/>
+                                  </a:solidFill>
+                                  <a:latin typeface="Cambria Math" panose="02040503050406030204" pitchFamily="18" charset="0"/>
+                                </a:rPr>
+                                <m:t>+1</m:t>
+                              </m:r>
+                            </m:sub>
+                          </m:sSub>
+                        </m:oMath>
+                      </m:oMathPara>
+                    </a14:m>
+                    <a:endParaRPr lang="zh-CN" altLang="en-US" dirty="0"/>
+                  </a:p>
+                </p:txBody>
+              </p:sp>
+            </mc:Choice>
+            <mc:Fallback>
+              <p:sp>
+                <p:nvSpPr>
+                  <p:cNvPr id="103" name="文本框 102">
+                    <a:extLst>
+                      <a:ext uri="{FF2B5EF4-FFF2-40B4-BE49-F238E27FC236}">
+                        <a16:creationId xmlns:a16="http://schemas.microsoft.com/office/drawing/2014/main" id="{F9ECFCC0-E943-2511-6A07-C81BE7B7EB57}"/>
+                      </a:ext>
+                    </a:extLst>
+                  </p:cNvPr>
+                  <p:cNvSpPr txBox="1">
+                    <a:spLocks noRot="1" noChangeAspect="1" noMove="1" noResize="1" noEditPoints="1" noAdjustHandles="1" noChangeArrowheads="1" noChangeShapeType="1" noTextEdit="1"/>
+                  </p:cNvSpPr>
+                  <p:nvPr/>
+                </p:nvSpPr>
+                <p:spPr>
+                  <a:xfrm>
+                    <a:off x="639671" y="2188419"/>
+                    <a:ext cx="1469408" cy="369332"/>
+                  </a:xfrm>
+                  <a:prstGeom prst="rect">
+                    <a:avLst/>
+                  </a:prstGeom>
+                  <a:blipFill>
+                    <a:blip r:embed="rId13"/>
+                    <a:stretch>
+                      <a:fillRect/>
+                    </a:stretch>
+                  </a:blipFill>
+                </p:spPr>
+                <p:txBody>
+                  <a:bodyPr/>
+                  <a:lstStyle/>
+                  <a:p>
+                    <a:r>
+                      <a:rPr lang="zh-CN" altLang="en-US">
+                        <a:noFill/>
+                      </a:rPr>
+                      <a:t> </a:t>
+                    </a:r>
+                  </a:p>
+                </p:txBody>
+              </p:sp>
+            </mc:Fallback>
+          </mc:AlternateContent>
+          <p:sp>
+            <p:nvSpPr>
+              <p:cNvPr id="105" name="文本框 104">
+                <a:extLst>
+                  <a:ext uri="{FF2B5EF4-FFF2-40B4-BE49-F238E27FC236}">
+                    <a16:creationId xmlns:a16="http://schemas.microsoft.com/office/drawing/2014/main" id="{634AC6D7-BB08-5FB5-FD42-2B12A52E8C9F}"/>
+                  </a:ext>
+                </a:extLst>
+              </p:cNvPr>
+              <p:cNvSpPr txBox="1"/>
+              <p:nvPr/>
+            </p:nvSpPr>
+            <p:spPr>
+              <a:xfrm>
+                <a:off x="1778345" y="2852450"/>
+                <a:ext cx="702237" cy="369332"/>
+              </a:xfrm>
+              <a:prstGeom prst="rect">
+                <a:avLst/>
+              </a:prstGeom>
+              <a:noFill/>
+            </p:spPr>
+            <p:txBody>
+              <a:bodyPr wrap="square" rtlCol="0">
+                <a:spAutoFit/>
+              </a:bodyPr>
+              <a:lstStyle/>
+              <a:p>
+                <a:r>
+                  <a:rPr lang="zh-CN" altLang="en-US" b="1" dirty="0"/>
+                  <a:t>①</a:t>
+                </a:r>
+              </a:p>
+            </p:txBody>
+          </p:sp>
+          <p:sp>
+            <p:nvSpPr>
+              <p:cNvPr id="106" name="文本框 105">
+                <a:extLst>
+                  <a:ext uri="{FF2B5EF4-FFF2-40B4-BE49-F238E27FC236}">
+                    <a16:creationId xmlns:a16="http://schemas.microsoft.com/office/drawing/2014/main" id="{1AEAF9A1-EBC6-FC6F-0F49-6BAAD195D4DD}"/>
+                  </a:ext>
+                </a:extLst>
+              </p:cNvPr>
+              <p:cNvSpPr txBox="1"/>
+              <p:nvPr/>
+            </p:nvSpPr>
+            <p:spPr>
+              <a:xfrm>
+                <a:off x="4128162" y="3715144"/>
+                <a:ext cx="702237" cy="369332"/>
+              </a:xfrm>
+              <a:prstGeom prst="rect">
+                <a:avLst/>
+              </a:prstGeom>
+              <a:noFill/>
+            </p:spPr>
+            <p:txBody>
+              <a:bodyPr wrap="square" rtlCol="0">
+                <a:spAutoFit/>
+              </a:bodyPr>
+              <a:lstStyle/>
+              <a:p>
+                <a:r>
+                  <a:rPr lang="zh-CN" altLang="en-US" b="1" dirty="0"/>
+                  <a:t>②</a:t>
+                </a:r>
+              </a:p>
+            </p:txBody>
+          </p:sp>
+          <p:sp>
+            <p:nvSpPr>
+              <p:cNvPr id="107" name="文本框 106">
+                <a:extLst>
+                  <a:ext uri="{FF2B5EF4-FFF2-40B4-BE49-F238E27FC236}">
+                    <a16:creationId xmlns:a16="http://schemas.microsoft.com/office/drawing/2014/main" id="{AE3B7EA4-F604-FE75-2EFB-EC2FBC16ED84}"/>
+                  </a:ext>
+                </a:extLst>
+              </p:cNvPr>
+              <p:cNvSpPr txBox="1"/>
+              <p:nvPr/>
+            </p:nvSpPr>
+            <p:spPr>
+              <a:xfrm>
+                <a:off x="2830966" y="4565855"/>
+                <a:ext cx="702237" cy="369332"/>
+              </a:xfrm>
+              <a:prstGeom prst="rect">
+                <a:avLst/>
+              </a:prstGeom>
+              <a:noFill/>
+            </p:spPr>
+            <p:txBody>
+              <a:bodyPr wrap="square" rtlCol="0">
+                <a:spAutoFit/>
+              </a:bodyPr>
+              <a:lstStyle/>
+              <a:p>
+                <a:r>
+                  <a:rPr lang="zh-CN" altLang="en-US" b="1" dirty="0"/>
+                  <a:t>③</a:t>
+                </a:r>
+              </a:p>
+            </p:txBody>
+          </p:sp>
+          <p:sp>
+            <p:nvSpPr>
+              <p:cNvPr id="108" name="文本框 107">
+                <a:extLst>
+                  <a:ext uri="{FF2B5EF4-FFF2-40B4-BE49-F238E27FC236}">
+                    <a16:creationId xmlns:a16="http://schemas.microsoft.com/office/drawing/2014/main" id="{3DDB39F2-7DE2-3AE2-24FD-A3EC677B013B}"/>
+                  </a:ext>
+                </a:extLst>
+              </p:cNvPr>
+              <p:cNvSpPr txBox="1"/>
+              <p:nvPr/>
+            </p:nvSpPr>
+            <p:spPr>
+              <a:xfrm>
+                <a:off x="2839618" y="2281380"/>
+                <a:ext cx="702237" cy="369332"/>
+              </a:xfrm>
+              <a:prstGeom prst="rect">
+                <a:avLst/>
+              </a:prstGeom>
+              <a:noFill/>
+            </p:spPr>
+            <p:txBody>
+              <a:bodyPr wrap="square" rtlCol="0">
+                <a:spAutoFit/>
+              </a:bodyPr>
+              <a:lstStyle/>
+              <a:p>
+                <a:r>
+                  <a:rPr lang="zh-CN" altLang="en-US" b="1" dirty="0"/>
+                  <a:t>④</a:t>
+                </a:r>
+              </a:p>
+            </p:txBody>
+          </p:sp>
+          <p:sp>
+            <p:nvSpPr>
+              <p:cNvPr id="109" name="文本框 108">
+                <a:extLst>
+                  <a:ext uri="{FF2B5EF4-FFF2-40B4-BE49-F238E27FC236}">
+                    <a16:creationId xmlns:a16="http://schemas.microsoft.com/office/drawing/2014/main" id="{9CD421B2-CDE0-6615-9E46-44D7FD308AB9}"/>
+                  </a:ext>
+                </a:extLst>
+              </p:cNvPr>
+              <p:cNvSpPr txBox="1"/>
+              <p:nvPr/>
+            </p:nvSpPr>
+            <p:spPr>
+              <a:xfrm>
+                <a:off x="4678762" y="1609540"/>
+                <a:ext cx="702237" cy="369332"/>
+              </a:xfrm>
+              <a:prstGeom prst="rect">
+                <a:avLst/>
+              </a:prstGeom>
+              <a:noFill/>
+            </p:spPr>
+            <p:txBody>
+              <a:bodyPr wrap="square" rtlCol="0">
+                <a:spAutoFit/>
+              </a:bodyPr>
+              <a:lstStyle/>
+              <a:p>
+                <a:r>
+                  <a:rPr lang="zh-CN" altLang="en-US" b="1" dirty="0"/>
+                  <a:t>⑤</a:t>
+                </a:r>
+              </a:p>
+            </p:txBody>
+          </p:sp>
+          <p:sp>
+            <p:nvSpPr>
+              <p:cNvPr id="110" name="文本框 109">
+                <a:extLst>
+                  <a:ext uri="{FF2B5EF4-FFF2-40B4-BE49-F238E27FC236}">
+                    <a16:creationId xmlns:a16="http://schemas.microsoft.com/office/drawing/2014/main" id="{81BA1884-30C1-024D-55AA-3EB6A1718F95}"/>
+                  </a:ext>
+                </a:extLst>
+              </p:cNvPr>
+              <p:cNvSpPr txBox="1"/>
+              <p:nvPr/>
+            </p:nvSpPr>
+            <p:spPr>
+              <a:xfrm>
+                <a:off x="1267396" y="1645489"/>
+                <a:ext cx="702237" cy="369332"/>
+              </a:xfrm>
+              <a:prstGeom prst="rect">
+                <a:avLst/>
+              </a:prstGeom>
+              <a:noFill/>
+            </p:spPr>
+            <p:txBody>
+              <a:bodyPr wrap="square" rtlCol="0">
+                <a:spAutoFit/>
+              </a:bodyPr>
+              <a:lstStyle/>
+              <a:p>
+                <a:r>
+                  <a:rPr lang="zh-CN" altLang="en-US" b="1" dirty="0"/>
+                  <a:t>⑥</a:t>
+                </a:r>
+              </a:p>
+            </p:txBody>
+          </p:sp>
+        </p:grpSp>
+        <mc:AlternateContent xmlns:mc="http://schemas.openxmlformats.org/markup-compatibility/2006">
+          <mc:Choice xmlns:a14="http://schemas.microsoft.com/office/drawing/2010/main" Requires="a14">
+            <p:sp>
+              <p:nvSpPr>
+                <p:cNvPr id="112" name="文本框 111">
+                  <a:extLst>
+                    <a:ext uri="{FF2B5EF4-FFF2-40B4-BE49-F238E27FC236}">
+                      <a16:creationId xmlns:a16="http://schemas.microsoft.com/office/drawing/2014/main" id="{FCBC8151-7E90-2E55-03D0-E1C2D8397BC0}"/>
+                    </a:ext>
+                  </a:extLst>
+                </p:cNvPr>
+                <p:cNvSpPr txBox="1"/>
+                <p:nvPr/>
+              </p:nvSpPr>
+              <p:spPr>
+                <a:xfrm>
+                  <a:off x="8407663" y="1855831"/>
+                  <a:ext cx="3570514" cy="369332"/>
+                </a:xfrm>
+                <a:prstGeom prst="rect">
+                  <a:avLst/>
+                </a:prstGeom>
+                <a:noFill/>
+              </p:spPr>
+              <p:txBody>
+                <a:bodyPr wrap="square">
+                  <a:spAutoFit/>
+                </a:bodyPr>
+                <a:lstStyle/>
+                <a:p>
+                  <a14:m>
+                    <m:oMath xmlns:m="http://schemas.openxmlformats.org/officeDocument/2006/math">
+                      <m:r>
+                        <a:rPr lang="zh-CN" altLang="en-US" i="1" smtClean="0">
+                          <a:latin typeface="Cambria Math" panose="02040503050406030204" pitchFamily="18" charset="0"/>
+                        </a:rPr>
+                        <m:t>∆</m:t>
+                      </m:r>
+                      <m:r>
+                        <a:rPr lang="zh-CN" altLang="en-US" i="1">
+                          <a:latin typeface="Cambria Math" panose="02040503050406030204" pitchFamily="18" charset="0"/>
+                        </a:rPr>
+                        <m:t>：</m:t>
+                      </m:r>
+                    </m:oMath>
+                  </a14:m>
+                  <a:r>
+                    <a:rPr lang="zh-CN" altLang="en-US" dirty="0">
+                      <a:latin typeface="Times New Roman" panose="02020603050405020304" pitchFamily="18" charset="0"/>
+                      <a:cs typeface="Times New Roman" panose="02020603050405020304" pitchFamily="18" charset="0"/>
+                    </a:rPr>
+                    <a:t>Change in parameters (weights)</a:t>
+                  </a:r>
+                </a:p>
+              </p:txBody>
+            </p:sp>
+          </mc:Choice>
+          <mc:Fallback>
+            <p:sp>
+              <p:nvSpPr>
+                <p:cNvPr id="112" name="文本框 111">
+                  <a:extLst>
+                    <a:ext uri="{FF2B5EF4-FFF2-40B4-BE49-F238E27FC236}">
+                      <a16:creationId xmlns:a16="http://schemas.microsoft.com/office/drawing/2014/main" id="{FCBC8151-7E90-2E55-03D0-E1C2D8397BC0}"/>
+                    </a:ext>
+                  </a:extLst>
+                </p:cNvPr>
+                <p:cNvSpPr txBox="1">
+                  <a:spLocks noRot="1" noChangeAspect="1" noMove="1" noResize="1" noEditPoints="1" noAdjustHandles="1" noChangeArrowheads="1" noChangeShapeType="1" noTextEdit="1"/>
+                </p:cNvSpPr>
+                <p:nvPr/>
+              </p:nvSpPr>
+              <p:spPr>
+                <a:xfrm>
+                  <a:off x="8407663" y="1855831"/>
+                  <a:ext cx="3570514" cy="369332"/>
+                </a:xfrm>
+                <a:prstGeom prst="rect">
+                  <a:avLst/>
+                </a:prstGeom>
+                <a:blipFill>
+                  <a:blip r:embed="rId14"/>
+                  <a:stretch>
+                    <a:fillRect t="-10000" b="-26667"/>
+                  </a:stretch>
+                </a:blipFill>
+              </p:spPr>
+              <p:txBody>
+                <a:bodyPr/>
+                <a:lstStyle/>
+                <a:p>
+                  <a:r>
+                    <a:rPr lang="zh-CN" altLang="en-US">
+                      <a:noFill/>
+                    </a:rPr>
+                    <a:t> </a:t>
+                  </a:r>
+                </a:p>
+              </p:txBody>
+            </p:sp>
+          </mc:Fallback>
+        </mc:AlternateContent>
+      </p:grpSp>
       <p:sp>
         <p:nvSpPr>
-          <p:cNvPr id="105" name="文本框 104">
+          <p:cNvPr id="9" name="文本框 8">
             <a:extLst>
               <a:ext uri="{FF2B5EF4-FFF2-40B4-BE49-F238E27FC236}">
-                <a16:creationId xmlns:a16="http://schemas.microsoft.com/office/drawing/2014/main" id="{634AC6D7-BB08-5FB5-FD42-2B12A52E8C9F}"/>
+                <a16:creationId xmlns:a16="http://schemas.microsoft.com/office/drawing/2014/main" id="{7172FAC3-5BF8-0D18-1A0B-95895169408B}"/>
               </a:ext>
             </a:extLst>
           </p:cNvPr>
@@ -6644,8 +7065,8 @@
         </p:nvSpPr>
         <p:spPr>
           <a:xfrm>
-            <a:off x="1778345" y="2852450"/>
-            <a:ext cx="702237" cy="369332"/>
+            <a:off x="3332243" y="403911"/>
+            <a:ext cx="8274479" cy="1200329"/>
           </a:xfrm>
           <a:prstGeom prst="rect">
             <a:avLst/>
@@ -6653,295 +7074,144 @@
           <a:noFill/>
         </p:spPr>
         <p:txBody>
-          <a:bodyPr wrap="square" rtlCol="0">
+          <a:bodyPr wrap="square">
             <a:spAutoFit/>
           </a:bodyPr>
           <a:lstStyle/>
           <a:p>
             <a:r>
-              <a:rPr lang="zh-CN" altLang="en-US" b="1" dirty="0"/>
-              <a:t>①</a:t>
+              <a:rPr lang="zh-CN" altLang="en-US" b="0" i="0" dirty="0">
+                <a:solidFill>
+                  <a:srgbClr val="374151"/>
+                </a:solidFill>
+                <a:effectLst/>
+                <a:latin typeface="Söhne"/>
+              </a:rPr>
+              <a:t>它结合了策略梯度方法（如</a:t>
             </a:r>
+            <a:r>
+              <a:rPr lang="en-US" altLang="zh-CN" b="0" i="0" dirty="0">
+                <a:solidFill>
+                  <a:srgbClr val="374151"/>
+                </a:solidFill>
+                <a:effectLst/>
+                <a:latin typeface="Söhne"/>
+              </a:rPr>
+              <a:t>Actor</a:t>
+            </a:r>
+            <a:r>
+              <a:rPr lang="zh-CN" altLang="en-US" b="0" i="0" dirty="0">
+                <a:solidFill>
+                  <a:srgbClr val="374151"/>
+                </a:solidFill>
+                <a:effectLst/>
+                <a:latin typeface="Söhne"/>
+              </a:rPr>
+              <a:t>）和价值函数方法（如</a:t>
+            </a:r>
+            <a:r>
+              <a:rPr lang="en-US" altLang="zh-CN" b="0" i="0" dirty="0">
+                <a:solidFill>
+                  <a:srgbClr val="374151"/>
+                </a:solidFill>
+                <a:effectLst/>
+                <a:latin typeface="Söhne"/>
+              </a:rPr>
+              <a:t>Critic</a:t>
+            </a:r>
+            <a:r>
+              <a:rPr lang="zh-CN" altLang="en-US" b="0" i="0" dirty="0">
+                <a:solidFill>
+                  <a:srgbClr val="374151"/>
+                </a:solidFill>
+                <a:effectLst/>
+                <a:latin typeface="Söhne"/>
+              </a:rPr>
+              <a:t>）的优点。</a:t>
+            </a:r>
+            <a:endParaRPr lang="en-US" altLang="zh-CN" b="0" i="0" dirty="0">
+              <a:solidFill>
+                <a:srgbClr val="374151"/>
+              </a:solidFill>
+              <a:effectLst/>
+              <a:latin typeface="Söhne"/>
+            </a:endParaRPr>
+          </a:p>
+          <a:p>
+            <a:r>
+              <a:rPr lang="zh-CN" altLang="en-US" b="0" i="0" dirty="0">
+                <a:solidFill>
+                  <a:srgbClr val="374151"/>
+                </a:solidFill>
+                <a:effectLst/>
+                <a:latin typeface="Söhne"/>
+              </a:rPr>
+              <a:t>在</a:t>
+            </a:r>
+            <a:r>
+              <a:rPr lang="en-US" altLang="zh-CN" b="0" i="0" dirty="0">
+                <a:solidFill>
+                  <a:srgbClr val="374151"/>
+                </a:solidFill>
+                <a:effectLst/>
+                <a:latin typeface="Söhne"/>
+              </a:rPr>
+              <a:t>Actor-Critic</a:t>
+            </a:r>
+            <a:r>
+              <a:rPr lang="zh-CN" altLang="en-US" b="0" i="0" dirty="0">
+                <a:solidFill>
+                  <a:srgbClr val="374151"/>
+                </a:solidFill>
+                <a:effectLst/>
+                <a:latin typeface="Söhne"/>
+              </a:rPr>
+              <a:t>算法中，</a:t>
+            </a:r>
+            <a:r>
+              <a:rPr lang="en-US" altLang="zh-CN" b="0" i="0" dirty="0">
+                <a:solidFill>
+                  <a:srgbClr val="374151"/>
+                </a:solidFill>
+                <a:effectLst/>
+                <a:latin typeface="Söhne"/>
+              </a:rPr>
+              <a:t>"Actor" </a:t>
+            </a:r>
+            <a:r>
+              <a:rPr lang="zh-CN" altLang="en-US" b="0" i="0" dirty="0">
+                <a:solidFill>
+                  <a:srgbClr val="374151"/>
+                </a:solidFill>
+                <a:effectLst/>
+                <a:latin typeface="Söhne"/>
+              </a:rPr>
+              <a:t>负责学习选择动作的策略，而 </a:t>
+            </a:r>
+            <a:r>
+              <a:rPr lang="en-US" altLang="zh-CN" b="0" i="0" dirty="0">
+                <a:solidFill>
+                  <a:srgbClr val="374151"/>
+                </a:solidFill>
+                <a:effectLst/>
+                <a:latin typeface="Söhne"/>
+              </a:rPr>
+              <a:t>"Critic" </a:t>
+            </a:r>
+            <a:r>
+              <a:rPr lang="zh-CN" altLang="en-US" b="0" i="0" dirty="0">
+                <a:solidFill>
+                  <a:srgbClr val="374151"/>
+                </a:solidFill>
+                <a:effectLst/>
+                <a:latin typeface="Söhne"/>
+              </a:rPr>
+              <a:t>负责评估这些动作的价值。这种结合使得算法能够有效地学习策略，同时减少策略梯度估计的方差。</a:t>
+            </a:r>
+            <a:endParaRPr lang="zh-CN" altLang="en-US" dirty="0"/>
           </a:p>
         </p:txBody>
       </p:sp>
-      <p:sp>
-        <p:nvSpPr>
-          <p:cNvPr id="106" name="文本框 105">
-            <a:extLst>
-              <a:ext uri="{FF2B5EF4-FFF2-40B4-BE49-F238E27FC236}">
-                <a16:creationId xmlns:a16="http://schemas.microsoft.com/office/drawing/2014/main" id="{1AEAF9A1-EBC6-FC6F-0F49-6BAAD195D4DD}"/>
-              </a:ext>
-            </a:extLst>
-          </p:cNvPr>
-          <p:cNvSpPr txBox="1"/>
-          <p:nvPr/>
-        </p:nvSpPr>
-        <p:spPr>
-          <a:xfrm>
-            <a:off x="4128162" y="3715144"/>
-            <a:ext cx="702237" cy="369332"/>
-          </a:xfrm>
-          <a:prstGeom prst="rect">
-            <a:avLst/>
-          </a:prstGeom>
-          <a:noFill/>
-        </p:spPr>
-        <p:txBody>
-          <a:bodyPr wrap="square" rtlCol="0">
-            <a:spAutoFit/>
-          </a:bodyPr>
-          <a:lstStyle/>
-          <a:p>
-            <a:r>
-              <a:rPr lang="zh-CN" altLang="en-US" b="1" dirty="0"/>
-              <a:t>②</a:t>
-            </a:r>
-          </a:p>
-        </p:txBody>
-      </p:sp>
-      <p:sp>
-        <p:nvSpPr>
-          <p:cNvPr id="107" name="文本框 106">
-            <a:extLst>
-              <a:ext uri="{FF2B5EF4-FFF2-40B4-BE49-F238E27FC236}">
-                <a16:creationId xmlns:a16="http://schemas.microsoft.com/office/drawing/2014/main" id="{AE3B7EA4-F604-FE75-2EFB-EC2FBC16ED84}"/>
-              </a:ext>
-            </a:extLst>
-          </p:cNvPr>
-          <p:cNvSpPr txBox="1"/>
-          <p:nvPr/>
-        </p:nvSpPr>
-        <p:spPr>
-          <a:xfrm>
-            <a:off x="2830966" y="4565855"/>
-            <a:ext cx="702237" cy="369332"/>
-          </a:xfrm>
-          <a:prstGeom prst="rect">
-            <a:avLst/>
-          </a:prstGeom>
-          <a:noFill/>
-        </p:spPr>
-        <p:txBody>
-          <a:bodyPr wrap="square" rtlCol="0">
-            <a:spAutoFit/>
-          </a:bodyPr>
-          <a:lstStyle/>
-          <a:p>
-            <a:r>
-              <a:rPr lang="zh-CN" altLang="en-US" b="1" dirty="0"/>
-              <a:t>③</a:t>
-            </a:r>
-          </a:p>
-        </p:txBody>
-      </p:sp>
-      <p:sp>
-        <p:nvSpPr>
-          <p:cNvPr id="108" name="文本框 107">
-            <a:extLst>
-              <a:ext uri="{FF2B5EF4-FFF2-40B4-BE49-F238E27FC236}">
-                <a16:creationId xmlns:a16="http://schemas.microsoft.com/office/drawing/2014/main" id="{3DDB39F2-7DE2-3AE2-24FD-A3EC677B013B}"/>
-              </a:ext>
-            </a:extLst>
-          </p:cNvPr>
-          <p:cNvSpPr txBox="1"/>
-          <p:nvPr/>
-        </p:nvSpPr>
-        <p:spPr>
-          <a:xfrm>
-            <a:off x="2839618" y="2281380"/>
-            <a:ext cx="702237" cy="369332"/>
-          </a:xfrm>
-          <a:prstGeom prst="rect">
-            <a:avLst/>
-          </a:prstGeom>
-          <a:noFill/>
-        </p:spPr>
-        <p:txBody>
-          <a:bodyPr wrap="square" rtlCol="0">
-            <a:spAutoFit/>
-          </a:bodyPr>
-          <a:lstStyle/>
-          <a:p>
-            <a:r>
-              <a:rPr lang="zh-CN" altLang="en-US" b="1" dirty="0"/>
-              <a:t>④</a:t>
-            </a:r>
-          </a:p>
-        </p:txBody>
-      </p:sp>
-      <p:sp>
-        <p:nvSpPr>
-          <p:cNvPr id="109" name="文本框 108">
-            <a:extLst>
-              <a:ext uri="{FF2B5EF4-FFF2-40B4-BE49-F238E27FC236}">
-                <a16:creationId xmlns:a16="http://schemas.microsoft.com/office/drawing/2014/main" id="{9CD421B2-CDE0-6615-9E46-44D7FD308AB9}"/>
-              </a:ext>
-            </a:extLst>
-          </p:cNvPr>
-          <p:cNvSpPr txBox="1"/>
-          <p:nvPr/>
-        </p:nvSpPr>
-        <p:spPr>
-          <a:xfrm>
-            <a:off x="4678762" y="1609540"/>
-            <a:ext cx="702237" cy="369332"/>
-          </a:xfrm>
-          <a:prstGeom prst="rect">
-            <a:avLst/>
-          </a:prstGeom>
-          <a:noFill/>
-        </p:spPr>
-        <p:txBody>
-          <a:bodyPr wrap="square" rtlCol="0">
-            <a:spAutoFit/>
-          </a:bodyPr>
-          <a:lstStyle/>
-          <a:p>
-            <a:r>
-              <a:rPr lang="zh-CN" altLang="en-US" b="1" dirty="0"/>
-              <a:t>⑤</a:t>
-            </a:r>
-          </a:p>
-        </p:txBody>
-      </p:sp>
-      <p:sp>
-        <p:nvSpPr>
-          <p:cNvPr id="110" name="文本框 109">
-            <a:extLst>
-              <a:ext uri="{FF2B5EF4-FFF2-40B4-BE49-F238E27FC236}">
-                <a16:creationId xmlns:a16="http://schemas.microsoft.com/office/drawing/2014/main" id="{81BA1884-30C1-024D-55AA-3EB6A1718F95}"/>
-              </a:ext>
-            </a:extLst>
-          </p:cNvPr>
-          <p:cNvSpPr txBox="1"/>
-          <p:nvPr/>
-        </p:nvSpPr>
-        <p:spPr>
-          <a:xfrm>
-            <a:off x="1267396" y="1645489"/>
-            <a:ext cx="702237" cy="369332"/>
-          </a:xfrm>
-          <a:prstGeom prst="rect">
-            <a:avLst/>
-          </a:prstGeom>
-          <a:noFill/>
-        </p:spPr>
-        <p:txBody>
-          <a:bodyPr wrap="square" rtlCol="0">
-            <a:spAutoFit/>
-          </a:bodyPr>
-          <a:lstStyle/>
-          <a:p>
-            <a:r>
-              <a:rPr lang="zh-CN" altLang="en-US" b="1" dirty="0"/>
-              <a:t>⑥</a:t>
-            </a:r>
-          </a:p>
-        </p:txBody>
-      </p:sp>
-      <mc:AlternateContent xmlns:mc="http://schemas.openxmlformats.org/markup-compatibility/2006">
-        <mc:Choice xmlns:a14="http://schemas.microsoft.com/office/drawing/2010/main" Requires="a14">
-          <p:sp>
-            <p:nvSpPr>
-              <p:cNvPr id="112" name="文本框 111">
-                <a:extLst>
-                  <a:ext uri="{FF2B5EF4-FFF2-40B4-BE49-F238E27FC236}">
-                    <a16:creationId xmlns:a16="http://schemas.microsoft.com/office/drawing/2014/main" id="{FCBC8151-7E90-2E55-03D0-E1C2D8397BC0}"/>
-                  </a:ext>
-                </a:extLst>
-              </p:cNvPr>
-              <p:cNvSpPr txBox="1"/>
-              <p:nvPr/>
-            </p:nvSpPr>
-            <p:spPr>
-              <a:xfrm>
-                <a:off x="8407663" y="1855831"/>
-                <a:ext cx="3570514" cy="369332"/>
-              </a:xfrm>
-              <a:prstGeom prst="rect">
-                <a:avLst/>
-              </a:prstGeom>
-              <a:noFill/>
-            </p:spPr>
-            <p:txBody>
-              <a:bodyPr wrap="square">
-                <a:spAutoFit/>
-              </a:bodyPr>
-              <a:lstStyle/>
-              <a:p>
-                <a14:m>
-                  <m:oMath xmlns:m="http://schemas.openxmlformats.org/officeDocument/2006/math">
-                    <m:r>
-                      <a:rPr lang="zh-CN" altLang="en-US" i="1" smtClean="0">
-                        <a:latin typeface="Cambria Math" panose="02040503050406030204" pitchFamily="18" charset="0"/>
-                      </a:rPr>
-                      <m:t>∆</m:t>
-                    </m:r>
-                    <m:r>
-                      <a:rPr lang="zh-CN" altLang="en-US" i="1">
-                        <a:latin typeface="Cambria Math" panose="02040503050406030204" pitchFamily="18" charset="0"/>
-                      </a:rPr>
-                      <m:t>：</m:t>
-                    </m:r>
-                  </m:oMath>
-                </a14:m>
-                <a:r>
-                  <a:rPr lang="zh-CN" altLang="en-US" dirty="0">
-                    <a:latin typeface="Times New Roman" panose="02020603050405020304" pitchFamily="18" charset="0"/>
-                    <a:cs typeface="Times New Roman" panose="02020603050405020304" pitchFamily="18" charset="0"/>
-                  </a:rPr>
-                  <a:t>Change in parameters (weights)</a:t>
-                </a:r>
-              </a:p>
-            </p:txBody>
-          </p:sp>
-        </mc:Choice>
-        <mc:Fallback>
-          <p:sp>
-            <p:nvSpPr>
-              <p:cNvPr id="112" name="文本框 111">
-                <a:extLst>
-                  <a:ext uri="{FF2B5EF4-FFF2-40B4-BE49-F238E27FC236}">
-                    <a16:creationId xmlns:a16="http://schemas.microsoft.com/office/drawing/2014/main" id="{FCBC8151-7E90-2E55-03D0-E1C2D8397BC0}"/>
-                  </a:ext>
-                </a:extLst>
-              </p:cNvPr>
-              <p:cNvSpPr txBox="1">
-                <a:spLocks noRot="1" noChangeAspect="1" noMove="1" noResize="1" noEditPoints="1" noAdjustHandles="1" noChangeArrowheads="1" noChangeShapeType="1" noTextEdit="1"/>
-              </p:cNvSpPr>
-              <p:nvPr/>
-            </p:nvSpPr>
-            <p:spPr>
-              <a:xfrm>
-                <a:off x="8407663" y="1855831"/>
-                <a:ext cx="3570514" cy="369332"/>
-              </a:xfrm>
-              <a:prstGeom prst="rect">
-                <a:avLst/>
-              </a:prstGeom>
-              <a:blipFill>
-                <a:blip r:embed="rId14"/>
-                <a:stretch>
-                  <a:fillRect t="-8197" b="-24590"/>
-                </a:stretch>
-              </a:blipFill>
-            </p:spPr>
-            <p:txBody>
-              <a:bodyPr/>
-              <a:lstStyle/>
-              <a:p>
-                <a:r>
-                  <a:rPr lang="zh-CN" altLang="en-US">
-                    <a:noFill/>
-                  </a:rPr>
-                  <a:t> </a:t>
-                </a:r>
-              </a:p>
-            </p:txBody>
-          </p:sp>
-        </mc:Fallback>
-      </mc:AlternateContent>
     </p:spTree>
     <p:extLst>
       <p:ext uri="{BB962C8B-B14F-4D97-AF65-F5344CB8AC3E}">
@@ -6955,7 +7225,7 @@
 </p:sld>
 </file>
 
-<file path=ppt/slides/slide3.xml><?xml version="1.0" encoding="utf-8"?>
+<file path=ppt/slides/slide4.xml><?xml version="1.0" encoding="utf-8"?>
 <p:sld xmlns:a="http://schemas.openxmlformats.org/drawingml/2006/main" xmlns:r="http://schemas.openxmlformats.org/officeDocument/2006/relationships" xmlns:p="http://schemas.openxmlformats.org/presentationml/2006/main">
   <p:cSld>
     <p:spTree>
@@ -7028,7 +7298,7 @@
         </p:nvGrpSpPr>
         <p:grpSpPr>
           <a:xfrm>
-            <a:off x="637404" y="1054076"/>
+            <a:off x="650656" y="1299241"/>
             <a:ext cx="10664971" cy="5394233"/>
             <a:chOff x="637404" y="1054076"/>
             <a:chExt cx="10664971" cy="5394233"/>
@@ -7582,8 +7852,8 @@
               <a:chExt cx="4188560" cy="823815"/>
             </a:xfrm>
           </p:grpSpPr>
-          <mc:AlternateContent xmlns:mc="http://schemas.openxmlformats.org/markup-compatibility/2006">
-            <mc:Choice xmlns:a14="http://schemas.microsoft.com/office/drawing/2010/main" Requires="a14">
+          <mc:AlternateContent xmlns:mc="http://schemas.openxmlformats.org/markup-compatibility/2006" xmlns:a14="http://schemas.microsoft.com/office/drawing/2010/main">
+            <mc:Choice Requires="a14">
               <p:sp>
                 <p:nvSpPr>
                   <p:cNvPr id="41" name="文本框 40">
@@ -7612,6 +7882,7 @@
                   </a:bodyPr>
                   <a:lstStyle/>
                   <a:p>
+                    <a:pPr/>
                     <a14:m>
                       <m:oMathPara xmlns:m="http://schemas.openxmlformats.org/officeDocument/2006/math">
                         <m:oMathParaPr>
@@ -7721,7 +7992,7 @@
                 </p:txBody>
               </p:sp>
             </mc:Choice>
-            <mc:Fallback>
+            <mc:Fallback xmlns="">
               <p:sp>
                 <p:nvSpPr>
                   <p:cNvPr id="41" name="文本框 40">
@@ -7766,8 +8037,8 @@
               </p:sp>
             </mc:Fallback>
           </mc:AlternateContent>
-          <mc:AlternateContent xmlns:mc="http://schemas.openxmlformats.org/markup-compatibility/2006">
-            <mc:Choice xmlns:a14="http://schemas.microsoft.com/office/drawing/2010/main" Requires="a14">
+          <mc:AlternateContent xmlns:mc="http://schemas.openxmlformats.org/markup-compatibility/2006" xmlns:a14="http://schemas.microsoft.com/office/drawing/2010/main">
+            <mc:Choice Requires="a14">
               <p:sp>
                 <p:nvSpPr>
                   <p:cNvPr id="42" name="文本框 41">
@@ -7881,7 +8152,7 @@
                 </p:txBody>
               </p:sp>
             </mc:Choice>
-            <mc:Fallback>
+            <mc:Fallback xmlns="">
               <p:sp>
                 <p:nvSpPr>
                   <p:cNvPr id="42" name="文本框 41">
@@ -7926,8 +8197,8 @@
               </p:sp>
             </mc:Fallback>
           </mc:AlternateContent>
-          <mc:AlternateContent xmlns:mc="http://schemas.openxmlformats.org/markup-compatibility/2006">
-            <mc:Choice xmlns:a14="http://schemas.microsoft.com/office/drawing/2010/main" Requires="a14">
+          <mc:AlternateContent xmlns:mc="http://schemas.openxmlformats.org/markup-compatibility/2006" xmlns:a14="http://schemas.microsoft.com/office/drawing/2010/main">
+            <mc:Choice Requires="a14">
               <p:sp>
                 <p:nvSpPr>
                   <p:cNvPr id="43" name="文本框 42">
@@ -8041,7 +8312,7 @@
                 </p:txBody>
               </p:sp>
             </mc:Choice>
-            <mc:Fallback>
+            <mc:Fallback xmlns="">
               <p:sp>
                 <p:nvSpPr>
                   <p:cNvPr id="43" name="文本框 42">
@@ -8336,8 +8607,8 @@
             </a:fontRef>
           </p:style>
         </p:cxnSp>
-        <mc:AlternateContent xmlns:mc="http://schemas.openxmlformats.org/markup-compatibility/2006">
-          <mc:Choice xmlns:a14="http://schemas.microsoft.com/office/drawing/2010/main" Requires="a14">
+        <mc:AlternateContent xmlns:mc="http://schemas.openxmlformats.org/markup-compatibility/2006" xmlns:a14="http://schemas.microsoft.com/office/drawing/2010/main">
+          <mc:Choice Requires="a14">
             <p:sp>
               <p:nvSpPr>
                 <p:cNvPr id="64" name="文本框 63">
@@ -8437,7 +8708,7 @@
               </p:txBody>
             </p:sp>
           </mc:Choice>
-          <mc:Fallback>
+          <mc:Fallback xmlns="">
             <p:sp>
               <p:nvSpPr>
                 <p:cNvPr id="64" name="文本框 63">
@@ -8730,10 +9001,120 @@
           </p:txBody>
         </p:sp>
       </p:grpSp>
+      <p:sp>
+        <p:nvSpPr>
+          <p:cNvPr id="3" name="文本框 2">
+            <a:extLst>
+              <a:ext uri="{FF2B5EF4-FFF2-40B4-BE49-F238E27FC236}">
+                <a16:creationId xmlns:a16="http://schemas.microsoft.com/office/drawing/2014/main" id="{77E219C7-0A9B-3456-BB31-A9BBD6E1ADB2}"/>
+              </a:ext>
+            </a:extLst>
+          </p:cNvPr>
+          <p:cNvSpPr txBox="1"/>
+          <p:nvPr/>
+        </p:nvSpPr>
+        <p:spPr>
+          <a:xfrm>
+            <a:off x="1825391" y="395547"/>
+            <a:ext cx="7835443" cy="369332"/>
+          </a:xfrm>
+          <a:prstGeom prst="rect">
+            <a:avLst/>
+          </a:prstGeom>
+          <a:noFill/>
+        </p:spPr>
+        <p:txBody>
+          <a:bodyPr wrap="square">
+            <a:spAutoFit/>
+          </a:bodyPr>
+          <a:lstStyle/>
+          <a:p>
+            <a:r>
+              <a:rPr lang="zh-CN" altLang="en-US" b="0" i="0" dirty="0">
+                <a:solidFill>
+                  <a:srgbClr val="374151"/>
+                </a:solidFill>
+                <a:effectLst/>
+                <a:latin typeface="Söhne"/>
+              </a:rPr>
+              <a:t>在不断优化策略的同时，确保新策略与旧策略之间的差异不会太大</a:t>
+            </a:r>
+            <a:endParaRPr lang="zh-CN" altLang="en-US" dirty="0"/>
+          </a:p>
+        </p:txBody>
+      </p:sp>
     </p:spTree>
     <p:extLst>
       <p:ext uri="{BB962C8B-B14F-4D97-AF65-F5344CB8AC3E}">
         <p14:creationId xmlns:p14="http://schemas.microsoft.com/office/powerpoint/2010/main" val="2897839713"/>
+      </p:ext>
+    </p:extLst>
+  </p:cSld>
+  <p:clrMapOvr>
+    <a:masterClrMapping/>
+  </p:clrMapOvr>
+</p:sld>
+</file>
+
+<file path=ppt/slides/slide5.xml><?xml version="1.0" encoding="utf-8"?>
+<p:sld xmlns:a="http://schemas.openxmlformats.org/drawingml/2006/main" xmlns:r="http://schemas.openxmlformats.org/officeDocument/2006/relationships" xmlns:p="http://schemas.openxmlformats.org/presentationml/2006/main">
+  <p:cSld>
+    <p:spTree>
+      <p:nvGrpSpPr>
+        <p:cNvPr id="1" name=""/>
+        <p:cNvGrpSpPr/>
+        <p:nvPr/>
+      </p:nvGrpSpPr>
+      <p:grpSpPr>
+        <a:xfrm>
+          <a:off x="0" y="0"/>
+          <a:ext cx="0" cy="0"/>
+          <a:chOff x="0" y="0"/>
+          <a:chExt cx="0" cy="0"/>
+        </a:xfrm>
+      </p:grpSpPr>
+      <p:sp>
+        <p:nvSpPr>
+          <p:cNvPr id="9" name="文本框 8">
+            <a:extLst>
+              <a:ext uri="{FF2B5EF4-FFF2-40B4-BE49-F238E27FC236}">
+                <a16:creationId xmlns:a16="http://schemas.microsoft.com/office/drawing/2014/main" id="{2A917095-E51C-85D5-3D01-00245B094918}"/>
+              </a:ext>
+            </a:extLst>
+          </p:cNvPr>
+          <p:cNvSpPr txBox="1"/>
+          <p:nvPr/>
+        </p:nvSpPr>
+        <p:spPr>
+          <a:xfrm>
+            <a:off x="78920" y="0"/>
+            <a:ext cx="4340679" cy="584775"/>
+          </a:xfrm>
+          <a:prstGeom prst="rect">
+            <a:avLst/>
+          </a:prstGeom>
+          <a:noFill/>
+        </p:spPr>
+        <p:txBody>
+          <a:bodyPr wrap="square">
+            <a:spAutoFit/>
+          </a:bodyPr>
+          <a:lstStyle/>
+          <a:p>
+            <a:r>
+              <a:rPr lang="en-US" altLang="zh-CN" sz="3200" b="1" dirty="0">
+                <a:latin typeface="Times New Roman" panose="02020603050405020304" pitchFamily="18" charset="0"/>
+                <a:cs typeface="Times New Roman" panose="02020603050405020304" pitchFamily="18" charset="0"/>
+              </a:rPr>
+              <a:t>Multi-Armed Bandit</a:t>
+            </a:r>
+          </a:p>
+        </p:txBody>
+      </p:sp>
+    </p:spTree>
+    <p:extLst>
+      <p:ext uri="{BB962C8B-B14F-4D97-AF65-F5344CB8AC3E}">
+        <p14:creationId xmlns:p14="http://schemas.microsoft.com/office/powerpoint/2010/main" val="3978517444"/>
       </p:ext>
     </p:extLst>
   </p:cSld>

--- a/Course notes/RL/RL笔记.pptx
+++ b/Course notes/RL/RL笔记.pptx
@@ -4518,8 +4518,8 @@
               </a:p>
             </p:txBody>
           </p:sp>
-          <mc:AlternateContent xmlns:mc="http://schemas.openxmlformats.org/markup-compatibility/2006">
-            <mc:Choice xmlns:a14="http://schemas.microsoft.com/office/drawing/2010/main" Requires="a14">
+          <mc:AlternateContent xmlns:mc="http://schemas.openxmlformats.org/markup-compatibility/2006" xmlns:a14="http://schemas.microsoft.com/office/drawing/2010/main">
+            <mc:Choice Requires="a14">
               <p:sp>
                 <p:nvSpPr>
                   <p:cNvPr id="4" name="矩形 3">
@@ -4625,7 +4625,7 @@
                 </p:txBody>
               </p:sp>
             </mc:Choice>
-            <mc:Fallback>
+            <mc:Fallback xmlns="">
               <p:sp>
                 <p:nvSpPr>
                   <p:cNvPr id="4" name="矩形 3">
@@ -4670,8 +4670,8 @@
               </p:sp>
             </mc:Fallback>
           </mc:AlternateContent>
-          <mc:AlternateContent xmlns:mc="http://schemas.openxmlformats.org/markup-compatibility/2006">
-            <mc:Choice xmlns:a14="http://schemas.microsoft.com/office/drawing/2010/main" Requires="a14">
+          <mc:AlternateContent xmlns:mc="http://schemas.openxmlformats.org/markup-compatibility/2006" xmlns:a14="http://schemas.microsoft.com/office/drawing/2010/main">
+            <mc:Choice Requires="a14">
               <p:sp>
                 <p:nvSpPr>
                   <p:cNvPr id="5" name="矩形 4">
@@ -4798,7 +4798,7 @@
                 </p:txBody>
               </p:sp>
             </mc:Choice>
-            <mc:Fallback>
+            <mc:Fallback xmlns="">
               <p:sp>
                 <p:nvSpPr>
                   <p:cNvPr id="5" name="矩形 4">
@@ -5029,8 +5029,8 @@
               </a:fontRef>
             </p:style>
           </p:cxnSp>
-          <mc:AlternateContent xmlns:mc="http://schemas.openxmlformats.org/markup-compatibility/2006">
-            <mc:Choice xmlns:a14="http://schemas.microsoft.com/office/drawing/2010/main" Requires="a14">
+          <mc:AlternateContent xmlns:mc="http://schemas.openxmlformats.org/markup-compatibility/2006" xmlns:a14="http://schemas.microsoft.com/office/drawing/2010/main">
+            <mc:Choice Requires="a14">
               <p:sp>
                 <p:nvSpPr>
                   <p:cNvPr id="31" name="椭圆 30">
@@ -5130,7 +5130,7 @@
                 </p:txBody>
               </p:sp>
             </mc:Choice>
-            <mc:Fallback>
+            <mc:Fallback xmlns="">
               <p:sp>
                 <p:nvSpPr>
                   <p:cNvPr id="31" name="椭圆 30">
@@ -5217,8 +5217,8 @@
               </a:fontRef>
             </p:style>
           </p:cxnSp>
-          <mc:AlternateContent xmlns:mc="http://schemas.openxmlformats.org/markup-compatibility/2006">
-            <mc:Choice xmlns:a14="http://schemas.microsoft.com/office/drawing/2010/main" Requires="a14">
+          <mc:AlternateContent xmlns:mc="http://schemas.openxmlformats.org/markup-compatibility/2006" xmlns:a14="http://schemas.microsoft.com/office/drawing/2010/main">
+            <mc:Choice Requires="a14">
               <p:sp>
                 <p:nvSpPr>
                   <p:cNvPr id="40" name="椭圆 39">
@@ -5318,7 +5318,7 @@
                 </p:txBody>
               </p:sp>
             </mc:Choice>
-            <mc:Fallback>
+            <mc:Fallback xmlns="">
               <p:sp>
                 <p:nvSpPr>
                   <p:cNvPr id="40" name="椭圆 39">
@@ -5448,8 +5448,8 @@
               </a:fontRef>
             </p:style>
           </p:cxnSp>
-          <mc:AlternateContent xmlns:mc="http://schemas.openxmlformats.org/markup-compatibility/2006">
-            <mc:Choice xmlns:a14="http://schemas.microsoft.com/office/drawing/2010/main" Requires="a14">
+          <mc:AlternateContent xmlns:mc="http://schemas.openxmlformats.org/markup-compatibility/2006" xmlns:a14="http://schemas.microsoft.com/office/drawing/2010/main">
+            <mc:Choice Requires="a14">
               <p:sp>
                 <p:nvSpPr>
                   <p:cNvPr id="51" name="椭圆 50">
@@ -5558,7 +5558,7 @@
                 </p:txBody>
               </p:sp>
             </mc:Choice>
-            <mc:Fallback>
+            <mc:Fallback xmlns="">
               <p:sp>
                 <p:nvSpPr>
                   <p:cNvPr id="51" name="椭圆 50">
@@ -5603,8 +5603,8 @@
               </p:sp>
             </mc:Fallback>
           </mc:AlternateContent>
-          <mc:AlternateContent xmlns:mc="http://schemas.openxmlformats.org/markup-compatibility/2006">
-            <mc:Choice xmlns:a14="http://schemas.microsoft.com/office/drawing/2010/main" Requires="a14">
+          <mc:AlternateContent xmlns:mc="http://schemas.openxmlformats.org/markup-compatibility/2006" xmlns:a14="http://schemas.microsoft.com/office/drawing/2010/main">
+            <mc:Choice Requires="a14">
               <p:sp>
                 <p:nvSpPr>
                   <p:cNvPr id="53" name="椭圆 52">
@@ -5713,7 +5713,7 @@
                 </p:txBody>
               </p:sp>
             </mc:Choice>
-            <mc:Fallback>
+            <mc:Fallback xmlns="">
               <p:sp>
                 <p:nvSpPr>
                   <p:cNvPr id="53" name="椭圆 52">
@@ -6032,8 +6032,8 @@
               </a:fontRef>
             </p:style>
           </p:cxnSp>
-          <mc:AlternateContent xmlns:mc="http://schemas.openxmlformats.org/markup-compatibility/2006">
-            <mc:Choice xmlns:a14="http://schemas.microsoft.com/office/drawing/2010/main" Requires="a14">
+          <mc:AlternateContent xmlns:mc="http://schemas.openxmlformats.org/markup-compatibility/2006" xmlns:a14="http://schemas.microsoft.com/office/drawing/2010/main">
+            <mc:Choice Requires="a14">
               <p:sp>
                 <p:nvSpPr>
                   <p:cNvPr id="79" name="矩形 78">
@@ -6139,7 +6139,7 @@
                 </p:txBody>
               </p:sp>
             </mc:Choice>
-            <mc:Fallback>
+            <mc:Fallback xmlns="">
               <p:sp>
                 <p:nvSpPr>
                   <p:cNvPr id="79" name="矩形 78">
@@ -6184,8 +6184,8 @@
               </p:sp>
             </mc:Fallback>
           </mc:AlternateContent>
-          <mc:AlternateContent xmlns:mc="http://schemas.openxmlformats.org/markup-compatibility/2006">
-            <mc:Choice xmlns:a14="http://schemas.microsoft.com/office/drawing/2010/main" Requires="a14">
+          <mc:AlternateContent xmlns:mc="http://schemas.openxmlformats.org/markup-compatibility/2006" xmlns:a14="http://schemas.microsoft.com/office/drawing/2010/main">
+            <mc:Choice Requires="a14">
               <p:sp>
                 <p:nvSpPr>
                   <p:cNvPr id="81" name="矩形 80">
@@ -6312,7 +6312,7 @@
                 </p:txBody>
               </p:sp>
             </mc:Choice>
-            <mc:Fallback>
+            <mc:Fallback xmlns="">
               <p:sp>
                 <p:nvSpPr>
                   <p:cNvPr id="81" name="矩形 80">
@@ -6357,8 +6357,8 @@
               </p:sp>
             </mc:Fallback>
           </mc:AlternateContent>
-          <mc:AlternateContent xmlns:mc="http://schemas.openxmlformats.org/markup-compatibility/2006">
-            <mc:Choice xmlns:a14="http://schemas.microsoft.com/office/drawing/2010/main" Requires="a14">
+          <mc:AlternateContent xmlns:mc="http://schemas.openxmlformats.org/markup-compatibility/2006" xmlns:a14="http://schemas.microsoft.com/office/drawing/2010/main">
+            <mc:Choice Requires="a14">
               <p:sp>
                 <p:nvSpPr>
                   <p:cNvPr id="86" name="文本框 85">
@@ -6468,7 +6468,7 @@
                 </p:txBody>
               </p:sp>
             </mc:Choice>
-            <mc:Fallback>
+            <mc:Fallback xmlns="">
               <p:sp>
                 <p:nvSpPr>
                   <p:cNvPr id="86" name="文本框 85">
@@ -6598,8 +6598,8 @@
               </a:fontRef>
             </p:style>
           </p:cxnSp>
-          <mc:AlternateContent xmlns:mc="http://schemas.openxmlformats.org/markup-compatibility/2006">
-            <mc:Choice xmlns:a14="http://schemas.microsoft.com/office/drawing/2010/main" Requires="a14">
+          <mc:AlternateContent xmlns:mc="http://schemas.openxmlformats.org/markup-compatibility/2006" xmlns:a14="http://schemas.microsoft.com/office/drawing/2010/main">
+            <mc:Choice Requires="a14">
               <p:sp>
                 <p:nvSpPr>
                   <p:cNvPr id="103" name="文本框 102">
@@ -6692,7 +6692,7 @@
                 </p:txBody>
               </p:sp>
             </mc:Choice>
-            <mc:Fallback>
+            <mc:Fallback xmlns="">
               <p:sp>
                 <p:nvSpPr>
                   <p:cNvPr id="103" name="文本框 102">
@@ -6948,8 +6948,8 @@
             </p:txBody>
           </p:sp>
         </p:grpSp>
-        <mc:AlternateContent xmlns:mc="http://schemas.openxmlformats.org/markup-compatibility/2006">
-          <mc:Choice xmlns:a14="http://schemas.microsoft.com/office/drawing/2010/main" Requires="a14">
+        <mc:AlternateContent xmlns:mc="http://schemas.openxmlformats.org/markup-compatibility/2006" xmlns:a14="http://schemas.microsoft.com/office/drawing/2010/main">
+          <mc:Choice Requires="a14">
             <p:sp>
               <p:nvSpPr>
                 <p:cNvPr id="112" name="文本框 111">
@@ -7005,7 +7005,7 @@
               </p:txBody>
             </p:sp>
           </mc:Choice>
-          <mc:Fallback>
+          <mc:Fallback xmlns="">
             <p:sp>
               <p:nvSpPr>
                 <p:cNvPr id="112" name="文本框 111">

--- a/Course notes/RL/RL笔记.pptx
+++ b/Course notes/RL/RL笔记.pptx
@@ -9,7 +9,8 @@
     <p:sldId id="258" r:id="rId3"/>
     <p:sldId id="256" r:id="rId4"/>
     <p:sldId id="257" r:id="rId5"/>
-    <p:sldId id="259" r:id="rId6"/>
+    <p:sldId id="261" r:id="rId6"/>
+    <p:sldId id="259" r:id="rId7"/>
   </p:sldIdLst>
   <p:sldSz cx="12192000" cy="6858000"/>
   <p:notesSz cx="6858000" cy="9144000"/>
@@ -9073,6 +9074,36 @@
           <a:chExt cx="0" cy="0"/>
         </a:xfrm>
       </p:grpSpPr>
+    </p:spTree>
+    <p:extLst>
+      <p:ext uri="{BB962C8B-B14F-4D97-AF65-F5344CB8AC3E}">
+        <p14:creationId xmlns:p14="http://schemas.microsoft.com/office/powerpoint/2010/main" val="1204734502"/>
+      </p:ext>
+    </p:extLst>
+  </p:cSld>
+  <p:clrMapOvr>
+    <a:masterClrMapping/>
+  </p:clrMapOvr>
+</p:sld>
+</file>
+
+<file path=ppt/slides/slide6.xml><?xml version="1.0" encoding="utf-8"?>
+<p:sld xmlns:a="http://schemas.openxmlformats.org/drawingml/2006/main" xmlns:r="http://schemas.openxmlformats.org/officeDocument/2006/relationships" xmlns:p="http://schemas.openxmlformats.org/presentationml/2006/main">
+  <p:cSld>
+    <p:spTree>
+      <p:nvGrpSpPr>
+        <p:cNvPr id="1" name=""/>
+        <p:cNvGrpSpPr/>
+        <p:nvPr/>
+      </p:nvGrpSpPr>
+      <p:grpSpPr>
+        <a:xfrm>
+          <a:off x="0" y="0"/>
+          <a:ext cx="0" cy="0"/>
+          <a:chOff x="0" y="0"/>
+          <a:chExt cx="0" cy="0"/>
+        </a:xfrm>
+      </p:grpSpPr>
       <p:sp>
         <p:nvSpPr>
           <p:cNvPr id="9" name="文本框 8">
